--- a/to_send/presentation_fr.pptx
+++ b/to_send/presentation_fr.pptx
@@ -281,7 +281,7 @@
           <a:p>
             <a:fld id="{D85CDBF1-970C-4EE7-B49A-41DD4DCEF239}" type="datetimeFigureOut">
               <a:rPr lang="fr-FR" smtClean="0"/>
-              <a:t>26/02/2025</a:t>
+              <a:t>04/03/2025</a:t>
             </a:fld>
             <a:endParaRPr lang="fr-FR"/>
           </a:p>
@@ -481,7 +481,7 @@
           <a:p>
             <a:fld id="{D85CDBF1-970C-4EE7-B49A-41DD4DCEF239}" type="datetimeFigureOut">
               <a:rPr lang="fr-FR" smtClean="0"/>
-              <a:t>26/02/2025</a:t>
+              <a:t>04/03/2025</a:t>
             </a:fld>
             <a:endParaRPr lang="fr-FR"/>
           </a:p>
@@ -691,7 +691,7 @@
           <a:p>
             <a:fld id="{D85CDBF1-970C-4EE7-B49A-41DD4DCEF239}" type="datetimeFigureOut">
               <a:rPr lang="fr-FR" smtClean="0"/>
-              <a:t>26/02/2025</a:t>
+              <a:t>04/03/2025</a:t>
             </a:fld>
             <a:endParaRPr lang="fr-FR"/>
           </a:p>
@@ -891,7 +891,7 @@
           <a:p>
             <a:fld id="{D85CDBF1-970C-4EE7-B49A-41DD4DCEF239}" type="datetimeFigureOut">
               <a:rPr lang="fr-FR" smtClean="0"/>
-              <a:t>26/02/2025</a:t>
+              <a:t>04/03/2025</a:t>
             </a:fld>
             <a:endParaRPr lang="fr-FR"/>
           </a:p>
@@ -1167,7 +1167,7 @@
           <a:p>
             <a:fld id="{D85CDBF1-970C-4EE7-B49A-41DD4DCEF239}" type="datetimeFigureOut">
               <a:rPr lang="fr-FR" smtClean="0"/>
-              <a:t>26/02/2025</a:t>
+              <a:t>04/03/2025</a:t>
             </a:fld>
             <a:endParaRPr lang="fr-FR"/>
           </a:p>
@@ -1435,7 +1435,7 @@
           <a:p>
             <a:fld id="{D85CDBF1-970C-4EE7-B49A-41DD4DCEF239}" type="datetimeFigureOut">
               <a:rPr lang="fr-FR" smtClean="0"/>
-              <a:t>26/02/2025</a:t>
+              <a:t>04/03/2025</a:t>
             </a:fld>
             <a:endParaRPr lang="fr-FR"/>
           </a:p>
@@ -1850,7 +1850,7 @@
           <a:p>
             <a:fld id="{D85CDBF1-970C-4EE7-B49A-41DD4DCEF239}" type="datetimeFigureOut">
               <a:rPr lang="fr-FR" smtClean="0"/>
-              <a:t>26/02/2025</a:t>
+              <a:t>04/03/2025</a:t>
             </a:fld>
             <a:endParaRPr lang="fr-FR"/>
           </a:p>
@@ -1992,7 +1992,7 @@
           <a:p>
             <a:fld id="{D85CDBF1-970C-4EE7-B49A-41DD4DCEF239}" type="datetimeFigureOut">
               <a:rPr lang="fr-FR" smtClean="0"/>
-              <a:t>26/02/2025</a:t>
+              <a:t>04/03/2025</a:t>
             </a:fld>
             <a:endParaRPr lang="fr-FR"/>
           </a:p>
@@ -2105,7 +2105,7 @@
           <a:p>
             <a:fld id="{D85CDBF1-970C-4EE7-B49A-41DD4DCEF239}" type="datetimeFigureOut">
               <a:rPr lang="fr-FR" smtClean="0"/>
-              <a:t>26/02/2025</a:t>
+              <a:t>04/03/2025</a:t>
             </a:fld>
             <a:endParaRPr lang="fr-FR"/>
           </a:p>
@@ -2418,7 +2418,7 @@
           <a:p>
             <a:fld id="{D85CDBF1-970C-4EE7-B49A-41DD4DCEF239}" type="datetimeFigureOut">
               <a:rPr lang="fr-FR" smtClean="0"/>
-              <a:t>26/02/2025</a:t>
+              <a:t>04/03/2025</a:t>
             </a:fld>
             <a:endParaRPr lang="fr-FR"/>
           </a:p>
@@ -2707,7 +2707,7 @@
           <a:p>
             <a:fld id="{D85CDBF1-970C-4EE7-B49A-41DD4DCEF239}" type="datetimeFigureOut">
               <a:rPr lang="fr-FR" smtClean="0"/>
-              <a:t>26/02/2025</a:t>
+              <a:t>04/03/2025</a:t>
             </a:fld>
             <a:endParaRPr lang="fr-FR"/>
           </a:p>
@@ -2950,7 +2950,7 @@
           <a:p>
             <a:fld id="{D85CDBF1-970C-4EE7-B49A-41DD4DCEF239}" type="datetimeFigureOut">
               <a:rPr lang="fr-FR" smtClean="0"/>
-              <a:t>26/02/2025</a:t>
+              <a:t>04/03/2025</a:t>
             </a:fld>
             <a:endParaRPr lang="fr-FR"/>
           </a:p>
@@ -3458,6 +3458,42 @@
           </a:p>
         </p:txBody>
       </p:sp>
+      <p:pic>
+        <p:nvPicPr>
+          <p:cNvPr id="7" name="Picture 6" descr="A black and yellow logo&#10;&#10;AI-generated content may be incorrect.">
+            <a:extLst>
+              <a:ext uri="{FF2B5EF4-FFF2-40B4-BE49-F238E27FC236}">
+                <a16:creationId xmlns:a16="http://schemas.microsoft.com/office/drawing/2014/main" id="{C68A5FD1-7118-0148-8259-522D6882E288}"/>
+              </a:ext>
+            </a:extLst>
+          </p:cNvPr>
+          <p:cNvPicPr>
+            <a:picLocks noChangeAspect="1"/>
+          </p:cNvPicPr>
+          <p:nvPr/>
+        </p:nvPicPr>
+        <p:blipFill>
+          <a:blip r:embed="rId2">
+            <a:extLst>
+              <a:ext uri="{28A0092B-C50C-407E-A947-70E740481C1C}">
+                <a14:useLocalDpi xmlns:a14="http://schemas.microsoft.com/office/drawing/2010/main" val="0"/>
+              </a:ext>
+            </a:extLst>
+          </a:blip>
+          <a:stretch>
+            <a:fillRect/>
+          </a:stretch>
+        </p:blipFill>
+        <p:spPr>
+          <a:xfrm>
+            <a:off x="3576205" y="240743"/>
+            <a:ext cx="5039590" cy="2833835"/>
+          </a:xfrm>
+          <a:prstGeom prst="rect">
+            <a:avLst/>
+          </a:prstGeom>
+        </p:spPr>
+      </p:pic>
     </p:spTree>
     <p:extLst>
       <p:ext uri="{BB962C8B-B14F-4D97-AF65-F5344CB8AC3E}">
@@ -3468,13 +3504,13 @@
   <p:clrMapOvr>
     <a:masterClrMapping/>
   </p:clrMapOvr>
-  <mc:AlternateContent xmlns:mc="http://schemas.openxmlformats.org/markup-compatibility/2006">
-    <mc:Choice xmlns:p14="http://schemas.microsoft.com/office/powerpoint/2010/main" Requires="p14">
+  <mc:AlternateContent xmlns:mc="http://schemas.openxmlformats.org/markup-compatibility/2006" xmlns:p14="http://schemas.microsoft.com/office/powerpoint/2010/main">
+    <mc:Choice Requires="p14">
       <p:transition spd="med" p14:dur="700">
         <p:fade/>
       </p:transition>
     </mc:Choice>
-    <mc:Fallback>
+    <mc:Fallback xmlns="">
       <p:transition spd="med">
         <p:fade/>
       </p:transition>
@@ -3633,13 +3669,13 @@
   <p:clrMapOvr>
     <a:masterClrMapping/>
   </p:clrMapOvr>
-  <mc:AlternateContent xmlns:mc="http://schemas.openxmlformats.org/markup-compatibility/2006">
-    <mc:Choice xmlns:p14="http://schemas.microsoft.com/office/powerpoint/2010/main" Requires="p14">
+  <mc:AlternateContent xmlns:mc="http://schemas.openxmlformats.org/markup-compatibility/2006" xmlns:p14="http://schemas.microsoft.com/office/powerpoint/2010/main">
+    <mc:Choice Requires="p14">
       <p:transition spd="med" p14:dur="700">
         <p:fade/>
       </p:transition>
     </mc:Choice>
-    <mc:Fallback>
+    <mc:Fallback xmlns="">
       <p:transition spd="med">
         <p:fade/>
       </p:transition>
@@ -3804,13 +3840,13 @@
   <p:clrMapOvr>
     <a:masterClrMapping/>
   </p:clrMapOvr>
-  <mc:AlternateContent xmlns:mc="http://schemas.openxmlformats.org/markup-compatibility/2006">
-    <mc:Choice xmlns:p14="http://schemas.microsoft.com/office/powerpoint/2010/main" Requires="p14">
+  <mc:AlternateContent xmlns:mc="http://schemas.openxmlformats.org/markup-compatibility/2006" xmlns:p14="http://schemas.microsoft.com/office/powerpoint/2010/main">
+    <mc:Choice Requires="p14">
       <p:transition spd="med" p14:dur="700">
         <p:fade/>
       </p:transition>
     </mc:Choice>
-    <mc:Fallback>
+    <mc:Fallback xmlns="">
       <p:transition spd="med">
         <p:fade/>
       </p:transition>
@@ -3975,13 +4011,13 @@
   <p:clrMapOvr>
     <a:masterClrMapping/>
   </p:clrMapOvr>
-  <mc:AlternateContent xmlns:mc="http://schemas.openxmlformats.org/markup-compatibility/2006">
-    <mc:Choice xmlns:p14="http://schemas.microsoft.com/office/powerpoint/2010/main" Requires="p14">
+  <mc:AlternateContent xmlns:mc="http://schemas.openxmlformats.org/markup-compatibility/2006" xmlns:p14="http://schemas.microsoft.com/office/powerpoint/2010/main">
+    <mc:Choice Requires="p14">
       <p:transition spd="med" p14:dur="700">
         <p:fade/>
       </p:transition>
     </mc:Choice>
-    <mc:Fallback>
+    <mc:Fallback xmlns="">
       <p:transition spd="med">
         <p:fade/>
       </p:transition>
@@ -4179,13 +4215,13 @@
   <p:clrMapOvr>
     <a:masterClrMapping/>
   </p:clrMapOvr>
-  <mc:AlternateContent xmlns:mc="http://schemas.openxmlformats.org/markup-compatibility/2006">
-    <mc:Choice xmlns:p14="http://schemas.microsoft.com/office/powerpoint/2010/main" Requires="p14">
+  <mc:AlternateContent xmlns:mc="http://schemas.openxmlformats.org/markup-compatibility/2006" xmlns:p14="http://schemas.microsoft.com/office/powerpoint/2010/main">
+    <mc:Choice Requires="p14">
       <p:transition spd="med" p14:dur="700">
         <p:fade/>
       </p:transition>
     </mc:Choice>
-    <mc:Fallback>
+    <mc:Fallback xmlns="">
       <p:transition spd="med">
         <p:fade/>
       </p:transition>
@@ -4305,13 +4341,13 @@
   <p:clrMapOvr>
     <a:masterClrMapping/>
   </p:clrMapOvr>
-  <mc:AlternateContent xmlns:mc="http://schemas.openxmlformats.org/markup-compatibility/2006">
-    <mc:Choice xmlns:p14="http://schemas.microsoft.com/office/powerpoint/2010/main" Requires="p14">
+  <mc:AlternateContent xmlns:mc="http://schemas.openxmlformats.org/markup-compatibility/2006" xmlns:p14="http://schemas.microsoft.com/office/powerpoint/2010/main">
+    <mc:Choice Requires="p14">
       <p:transition spd="med" p14:dur="700">
         <p:fade/>
       </p:transition>
     </mc:Choice>
-    <mc:Fallback>
+    <mc:Fallback xmlns="">
       <p:transition spd="med">
         <p:fade/>
       </p:transition>
@@ -4479,13 +4515,13 @@
   <p:clrMapOvr>
     <a:masterClrMapping/>
   </p:clrMapOvr>
-  <mc:AlternateContent xmlns:mc="http://schemas.openxmlformats.org/markup-compatibility/2006">
-    <mc:Choice xmlns:p14="http://schemas.microsoft.com/office/powerpoint/2010/main" Requires="p14">
+  <mc:AlternateContent xmlns:mc="http://schemas.openxmlformats.org/markup-compatibility/2006" xmlns:p14="http://schemas.microsoft.com/office/powerpoint/2010/main">
+    <mc:Choice Requires="p14">
       <p:transition spd="med" p14:dur="700">
         <p:fade/>
       </p:transition>
     </mc:Choice>
-    <mc:Fallback>
+    <mc:Fallback xmlns="">
       <p:transition spd="med">
         <p:fade/>
       </p:transition>
@@ -4674,13 +4710,13 @@
   <p:clrMapOvr>
     <a:masterClrMapping/>
   </p:clrMapOvr>
-  <mc:AlternateContent xmlns:mc="http://schemas.openxmlformats.org/markup-compatibility/2006">
-    <mc:Choice xmlns:p14="http://schemas.microsoft.com/office/powerpoint/2010/main" Requires="p14">
+  <mc:AlternateContent xmlns:mc="http://schemas.openxmlformats.org/markup-compatibility/2006" xmlns:p14="http://schemas.microsoft.com/office/powerpoint/2010/main">
+    <mc:Choice Requires="p14">
       <p:transition spd="med" p14:dur="700">
         <p:fade/>
       </p:transition>
     </mc:Choice>
-    <mc:Fallback>
+    <mc:Fallback xmlns="">
       <p:transition spd="med">
         <p:fade/>
       </p:transition>
@@ -4821,13 +4857,13 @@
   <p:clrMapOvr>
     <a:masterClrMapping/>
   </p:clrMapOvr>
-  <mc:AlternateContent xmlns:mc="http://schemas.openxmlformats.org/markup-compatibility/2006">
-    <mc:Choice xmlns:p14="http://schemas.microsoft.com/office/powerpoint/2010/main" Requires="p14">
+  <mc:AlternateContent xmlns:mc="http://schemas.openxmlformats.org/markup-compatibility/2006" xmlns:p14="http://schemas.microsoft.com/office/powerpoint/2010/main">
+    <mc:Choice Requires="p14">
       <p:transition spd="med" p14:dur="700">
         <p:fade/>
       </p:transition>
     </mc:Choice>
-    <mc:Fallback>
+    <mc:Fallback xmlns="">
       <p:transition spd="med">
         <p:fade/>
       </p:transition>
@@ -4975,13 +5011,13 @@
   <p:clrMapOvr>
     <a:masterClrMapping/>
   </p:clrMapOvr>
-  <mc:AlternateContent xmlns:mc="http://schemas.openxmlformats.org/markup-compatibility/2006">
-    <mc:Choice xmlns:p14="http://schemas.microsoft.com/office/powerpoint/2010/main" Requires="p14">
+  <mc:AlternateContent xmlns:mc="http://schemas.openxmlformats.org/markup-compatibility/2006" xmlns:p14="http://schemas.microsoft.com/office/powerpoint/2010/main">
+    <mc:Choice Requires="p14">
       <p:transition spd="med" p14:dur="700">
         <p:fade/>
       </p:transition>
     </mc:Choice>
-    <mc:Fallback>
+    <mc:Fallback xmlns="">
       <p:transition spd="med">
         <p:fade/>
       </p:transition>
@@ -5141,13 +5177,13 @@
   <p:clrMapOvr>
     <a:masterClrMapping/>
   </p:clrMapOvr>
-  <mc:AlternateContent xmlns:mc="http://schemas.openxmlformats.org/markup-compatibility/2006">
-    <mc:Choice xmlns:p14="http://schemas.microsoft.com/office/powerpoint/2010/main" Requires="p14">
+  <mc:AlternateContent xmlns:mc="http://schemas.openxmlformats.org/markup-compatibility/2006" xmlns:p14="http://schemas.microsoft.com/office/powerpoint/2010/main">
+    <mc:Choice Requires="p14">
       <p:transition spd="med" p14:dur="700">
         <p:fade/>
       </p:transition>
     </mc:Choice>
-    <mc:Fallback>
+    <mc:Fallback xmlns="">
       <p:transition spd="med">
         <p:fade/>
       </p:transition>
@@ -5297,13 +5333,13 @@
   <p:clrMapOvr>
     <a:masterClrMapping/>
   </p:clrMapOvr>
-  <mc:AlternateContent xmlns:mc="http://schemas.openxmlformats.org/markup-compatibility/2006">
-    <mc:Choice xmlns:p14="http://schemas.microsoft.com/office/powerpoint/2010/main" Requires="p14">
+  <mc:AlternateContent xmlns:mc="http://schemas.openxmlformats.org/markup-compatibility/2006" xmlns:p14="http://schemas.microsoft.com/office/powerpoint/2010/main">
+    <mc:Choice Requires="p14">
       <p:transition spd="med" p14:dur="700">
         <p:fade/>
       </p:transition>
     </mc:Choice>
-    <mc:Fallback>
+    <mc:Fallback xmlns="">
       <p:transition spd="med">
         <p:fade/>
       </p:transition>
@@ -5394,13 +5430,13 @@
   <p:clrMapOvr>
     <a:masterClrMapping/>
   </p:clrMapOvr>
-  <mc:AlternateContent xmlns:mc="http://schemas.openxmlformats.org/markup-compatibility/2006">
-    <mc:Choice xmlns:p14="http://schemas.microsoft.com/office/powerpoint/2010/main" Requires="p14">
+  <mc:AlternateContent xmlns:mc="http://schemas.openxmlformats.org/markup-compatibility/2006" xmlns:p14="http://schemas.microsoft.com/office/powerpoint/2010/main">
+    <mc:Choice Requires="p14">
       <p:transition spd="med" p14:dur="700">
         <p:fade/>
       </p:transition>
     </mc:Choice>
-    <mc:Fallback>
+    <mc:Fallback xmlns="">
       <p:transition spd="med">
         <p:fade/>
       </p:transition>
@@ -5512,13 +5548,13 @@
   <p:clrMapOvr>
     <a:masterClrMapping/>
   </p:clrMapOvr>
-  <mc:AlternateContent xmlns:mc="http://schemas.openxmlformats.org/markup-compatibility/2006">
-    <mc:Choice xmlns:p14="http://schemas.microsoft.com/office/powerpoint/2010/main" Requires="p14">
+  <mc:AlternateContent xmlns:mc="http://schemas.openxmlformats.org/markup-compatibility/2006" xmlns:p14="http://schemas.microsoft.com/office/powerpoint/2010/main">
+    <mc:Choice Requires="p14">
       <p:transition spd="med" p14:dur="700">
         <p:fade/>
       </p:transition>
     </mc:Choice>
-    <mc:Fallback>
+    <mc:Fallback xmlns="">
       <p:transition spd="med">
         <p:fade/>
       </p:transition>
@@ -6063,13 +6099,13 @@
   <p:clrMapOvr>
     <a:masterClrMapping/>
   </p:clrMapOvr>
-  <mc:AlternateContent xmlns:mc="http://schemas.openxmlformats.org/markup-compatibility/2006">
-    <mc:Choice xmlns:p14="http://schemas.microsoft.com/office/powerpoint/2010/main" Requires="p14">
+  <mc:AlternateContent xmlns:mc="http://schemas.openxmlformats.org/markup-compatibility/2006" xmlns:p14="http://schemas.microsoft.com/office/powerpoint/2010/main">
+    <mc:Choice Requires="p14">
       <p:transition spd="med" p14:dur="700">
         <p:fade/>
       </p:transition>
     </mc:Choice>
-    <mc:Fallback>
+    <mc:Fallback xmlns="">
       <p:transition spd="med">
         <p:fade/>
       </p:transition>
@@ -6241,13 +6277,13 @@
   <p:clrMapOvr>
     <a:masterClrMapping/>
   </p:clrMapOvr>
-  <mc:AlternateContent xmlns:mc="http://schemas.openxmlformats.org/markup-compatibility/2006">
-    <mc:Choice xmlns:p14="http://schemas.microsoft.com/office/powerpoint/2010/main" Requires="p14">
+  <mc:AlternateContent xmlns:mc="http://schemas.openxmlformats.org/markup-compatibility/2006" xmlns:p14="http://schemas.microsoft.com/office/powerpoint/2010/main">
+    <mc:Choice Requires="p14">
       <p:transition spd="med" p14:dur="700">
         <p:fade/>
       </p:transition>
     </mc:Choice>
-    <mc:Fallback>
+    <mc:Fallback xmlns="">
       <p:transition spd="med">
         <p:fade/>
       </p:transition>
@@ -6443,13 +6479,13 @@
   <p:clrMapOvr>
     <a:masterClrMapping/>
   </p:clrMapOvr>
-  <mc:AlternateContent xmlns:mc="http://schemas.openxmlformats.org/markup-compatibility/2006">
-    <mc:Choice xmlns:p14="http://schemas.microsoft.com/office/powerpoint/2010/main" Requires="p14">
+  <mc:AlternateContent xmlns:mc="http://schemas.openxmlformats.org/markup-compatibility/2006" xmlns:p14="http://schemas.microsoft.com/office/powerpoint/2010/main">
+    <mc:Choice Requires="p14">
       <p:transition spd="med" p14:dur="700">
         <p:fade/>
       </p:transition>
     </mc:Choice>
-    <mc:Fallback>
+    <mc:Fallback xmlns="">
       <p:transition spd="med">
         <p:fade/>
       </p:transition>
@@ -6613,13 +6649,13 @@
   <p:clrMapOvr>
     <a:masterClrMapping/>
   </p:clrMapOvr>
-  <mc:AlternateContent xmlns:mc="http://schemas.openxmlformats.org/markup-compatibility/2006">
-    <mc:Choice xmlns:p14="http://schemas.microsoft.com/office/powerpoint/2010/main" Requires="p14">
+  <mc:AlternateContent xmlns:mc="http://schemas.openxmlformats.org/markup-compatibility/2006" xmlns:p14="http://schemas.microsoft.com/office/powerpoint/2010/main">
+    <mc:Choice Requires="p14">
       <p:transition spd="med" p14:dur="700">
         <p:fade/>
       </p:transition>
     </mc:Choice>
-    <mc:Fallback>
+    <mc:Fallback xmlns="">
       <p:transition spd="med">
         <p:fade/>
       </p:transition>
@@ -6784,13 +6820,13 @@
   <p:clrMapOvr>
     <a:masterClrMapping/>
   </p:clrMapOvr>
-  <mc:AlternateContent xmlns:mc="http://schemas.openxmlformats.org/markup-compatibility/2006">
-    <mc:Choice xmlns:p14="http://schemas.microsoft.com/office/powerpoint/2010/main" Requires="p14">
+  <mc:AlternateContent xmlns:mc="http://schemas.openxmlformats.org/markup-compatibility/2006" xmlns:p14="http://schemas.microsoft.com/office/powerpoint/2010/main">
+    <mc:Choice Requires="p14">
       <p:transition spd="med" p14:dur="700">
         <p:fade/>
       </p:transition>
     </mc:Choice>
-    <mc:Fallback>
+    <mc:Fallback xmlns="">
       <p:transition spd="med">
         <p:fade/>
       </p:transition>
@@ -6955,13 +6991,13 @@
   <p:clrMapOvr>
     <a:masterClrMapping/>
   </p:clrMapOvr>
-  <mc:AlternateContent xmlns:mc="http://schemas.openxmlformats.org/markup-compatibility/2006">
-    <mc:Choice xmlns:p14="http://schemas.microsoft.com/office/powerpoint/2010/main" Requires="p14">
+  <mc:AlternateContent xmlns:mc="http://schemas.openxmlformats.org/markup-compatibility/2006" xmlns:p14="http://schemas.microsoft.com/office/powerpoint/2010/main">
+    <mc:Choice Requires="p14">
       <p:transition spd="med" p14:dur="700">
         <p:fade/>
       </p:transition>
     </mc:Choice>
-    <mc:Fallback>
+    <mc:Fallback xmlns="">
       <p:transition spd="med">
         <p:fade/>
       </p:transition>
@@ -7130,13 +7166,13 @@
   <p:clrMapOvr>
     <a:masterClrMapping/>
   </p:clrMapOvr>
-  <mc:AlternateContent xmlns:mc="http://schemas.openxmlformats.org/markup-compatibility/2006">
-    <mc:Choice xmlns:p14="http://schemas.microsoft.com/office/powerpoint/2010/main" Requires="p14">
+  <mc:AlternateContent xmlns:mc="http://schemas.openxmlformats.org/markup-compatibility/2006" xmlns:p14="http://schemas.microsoft.com/office/powerpoint/2010/main">
+    <mc:Choice Requires="p14">
       <p:transition spd="med" p14:dur="700">
         <p:fade/>
       </p:transition>
     </mc:Choice>
-    <mc:Fallback>
+    <mc:Fallback xmlns="">
       <p:transition spd="med">
         <p:fade/>
       </p:transition>

--- a/to_send/presentation_fr.pptx
+++ b/to_send/presentation_fr.pptx
@@ -281,7 +281,7 @@
           <a:p>
             <a:fld id="{D85CDBF1-970C-4EE7-B49A-41DD4DCEF239}" type="datetimeFigureOut">
               <a:rPr lang="fr-FR" smtClean="0"/>
-              <a:t>04/03/2025</a:t>
+              <a:t>05/03/2025</a:t>
             </a:fld>
             <a:endParaRPr lang="fr-FR"/>
           </a:p>
@@ -481,7 +481,7 @@
           <a:p>
             <a:fld id="{D85CDBF1-970C-4EE7-B49A-41DD4DCEF239}" type="datetimeFigureOut">
               <a:rPr lang="fr-FR" smtClean="0"/>
-              <a:t>04/03/2025</a:t>
+              <a:t>05/03/2025</a:t>
             </a:fld>
             <a:endParaRPr lang="fr-FR"/>
           </a:p>
@@ -691,7 +691,7 @@
           <a:p>
             <a:fld id="{D85CDBF1-970C-4EE7-B49A-41DD4DCEF239}" type="datetimeFigureOut">
               <a:rPr lang="fr-FR" smtClean="0"/>
-              <a:t>04/03/2025</a:t>
+              <a:t>05/03/2025</a:t>
             </a:fld>
             <a:endParaRPr lang="fr-FR"/>
           </a:p>
@@ -891,7 +891,7 @@
           <a:p>
             <a:fld id="{D85CDBF1-970C-4EE7-B49A-41DD4DCEF239}" type="datetimeFigureOut">
               <a:rPr lang="fr-FR" smtClean="0"/>
-              <a:t>04/03/2025</a:t>
+              <a:t>05/03/2025</a:t>
             </a:fld>
             <a:endParaRPr lang="fr-FR"/>
           </a:p>
@@ -1167,7 +1167,7 @@
           <a:p>
             <a:fld id="{D85CDBF1-970C-4EE7-B49A-41DD4DCEF239}" type="datetimeFigureOut">
               <a:rPr lang="fr-FR" smtClean="0"/>
-              <a:t>04/03/2025</a:t>
+              <a:t>05/03/2025</a:t>
             </a:fld>
             <a:endParaRPr lang="fr-FR"/>
           </a:p>
@@ -1435,7 +1435,7 @@
           <a:p>
             <a:fld id="{D85CDBF1-970C-4EE7-B49A-41DD4DCEF239}" type="datetimeFigureOut">
               <a:rPr lang="fr-FR" smtClean="0"/>
-              <a:t>04/03/2025</a:t>
+              <a:t>05/03/2025</a:t>
             </a:fld>
             <a:endParaRPr lang="fr-FR"/>
           </a:p>
@@ -1850,7 +1850,7 @@
           <a:p>
             <a:fld id="{D85CDBF1-970C-4EE7-B49A-41DD4DCEF239}" type="datetimeFigureOut">
               <a:rPr lang="fr-FR" smtClean="0"/>
-              <a:t>04/03/2025</a:t>
+              <a:t>05/03/2025</a:t>
             </a:fld>
             <a:endParaRPr lang="fr-FR"/>
           </a:p>
@@ -1992,7 +1992,7 @@
           <a:p>
             <a:fld id="{D85CDBF1-970C-4EE7-B49A-41DD4DCEF239}" type="datetimeFigureOut">
               <a:rPr lang="fr-FR" smtClean="0"/>
-              <a:t>04/03/2025</a:t>
+              <a:t>05/03/2025</a:t>
             </a:fld>
             <a:endParaRPr lang="fr-FR"/>
           </a:p>
@@ -2105,7 +2105,7 @@
           <a:p>
             <a:fld id="{D85CDBF1-970C-4EE7-B49A-41DD4DCEF239}" type="datetimeFigureOut">
               <a:rPr lang="fr-FR" smtClean="0"/>
-              <a:t>04/03/2025</a:t>
+              <a:t>05/03/2025</a:t>
             </a:fld>
             <a:endParaRPr lang="fr-FR"/>
           </a:p>
@@ -2418,7 +2418,7 @@
           <a:p>
             <a:fld id="{D85CDBF1-970C-4EE7-B49A-41DD4DCEF239}" type="datetimeFigureOut">
               <a:rPr lang="fr-FR" smtClean="0"/>
-              <a:t>04/03/2025</a:t>
+              <a:t>05/03/2025</a:t>
             </a:fld>
             <a:endParaRPr lang="fr-FR"/>
           </a:p>
@@ -2707,7 +2707,7 @@
           <a:p>
             <a:fld id="{D85CDBF1-970C-4EE7-B49A-41DD4DCEF239}" type="datetimeFigureOut">
               <a:rPr lang="fr-FR" smtClean="0"/>
-              <a:t>04/03/2025</a:t>
+              <a:t>05/03/2025</a:t>
             </a:fld>
             <a:endParaRPr lang="fr-FR"/>
           </a:p>
@@ -2950,7 +2950,7 @@
           <a:p>
             <a:fld id="{D85CDBF1-970C-4EE7-B49A-41DD4DCEF239}" type="datetimeFigureOut">
               <a:rPr lang="fr-FR" smtClean="0"/>
-              <a:t>04/03/2025</a:t>
+              <a:t>05/03/2025</a:t>
             </a:fld>
             <a:endParaRPr lang="fr-FR"/>
           </a:p>
@@ -5293,29 +5293,6 @@
                 <a:latin typeface="Garamond" panose="02020404030301010803" pitchFamily="18" charset="0"/>
               </a:rPr>
               <a:t>Expérience</a:t>
-            </a:r>
-            <a:endParaRPr lang="en-US" dirty="0">
-              <a:latin typeface="Garamond" panose="02020404030301010803" pitchFamily="18" charset="0"/>
-            </a:endParaRPr>
-          </a:p>
-          <a:p>
-            <a:r>
-              <a:rPr lang="en-US" dirty="0" err="1">
-                <a:latin typeface="Garamond" panose="02020404030301010803" pitchFamily="18" charset="0"/>
-              </a:rPr>
-              <a:t>Rôle</a:t>
-            </a:r>
-            <a:r>
-              <a:rPr lang="en-US" dirty="0">
-                <a:latin typeface="Garamond" panose="02020404030301010803" pitchFamily="18" charset="0"/>
-              </a:rPr>
-              <a:t> dans le </a:t>
-            </a:r>
-            <a:r>
-              <a:rPr lang="en-US" dirty="0" err="1">
-                <a:latin typeface="Garamond" panose="02020404030301010803" pitchFamily="18" charset="0"/>
-              </a:rPr>
-              <a:t>projet</a:t>
             </a:r>
             <a:endParaRPr lang="en-US" dirty="0">
               <a:latin typeface="Garamond" panose="02020404030301010803" pitchFamily="18" charset="0"/>

--- a/to_send/presentation_fr.pptx
+++ b/to_send/presentation_fr.pptx
@@ -4,6 +4,9 @@
   <p:sldMasterIdLst>
     <p:sldMasterId id="2147483648" r:id="rId1"/>
   </p:sldMasterIdLst>
+  <p:notesMasterIdLst>
+    <p:notesMasterId r:id="rId23"/>
+  </p:notesMasterIdLst>
   <p:sldIdLst>
     <p:sldId id="256" r:id="rId2"/>
     <p:sldId id="257" r:id="rId3"/>
@@ -128,8 +131,1608 @@
     <p:ext uri="{EFAFB233-063F-42B5-8137-9DF3F51BA10A}">
       <p15:sldGuideLst xmlns:p15="http://schemas.microsoft.com/office/powerpoint/2012/main"/>
     </p:ext>
+    <p:ext uri="{2D200454-40CA-4A62-9FC3-DE9A4176ACB9}">
+      <p15:notesGuideLst xmlns:p15="http://schemas.microsoft.com/office/powerpoint/2012/main"/>
+    </p:ext>
   </p:extLst>
 </p:presentation>
+</file>
+
+<file path=ppt/notesMasters/notesMaster1.xml><?xml version="1.0" encoding="utf-8"?>
+<p:notesMaster xmlns:a="http://schemas.openxmlformats.org/drawingml/2006/main" xmlns:r="http://schemas.openxmlformats.org/officeDocument/2006/relationships" xmlns:p="http://schemas.openxmlformats.org/presentationml/2006/main">
+  <p:cSld>
+    <p:bg>
+      <p:bgRef idx="1001">
+        <a:schemeClr val="bg1"/>
+      </p:bgRef>
+    </p:bg>
+    <p:spTree>
+      <p:nvGrpSpPr>
+        <p:cNvPr id="1" name=""/>
+        <p:cNvGrpSpPr/>
+        <p:nvPr/>
+      </p:nvGrpSpPr>
+      <p:grpSpPr>
+        <a:xfrm>
+          <a:off x="0" y="0"/>
+          <a:ext cx="0" cy="0"/>
+          <a:chOff x="0" y="0"/>
+          <a:chExt cx="0" cy="0"/>
+        </a:xfrm>
+      </p:grpSpPr>
+      <p:sp>
+        <p:nvSpPr>
+          <p:cNvPr id="2" name="Header Placeholder 1"/>
+          <p:cNvSpPr>
+            <a:spLocks noGrp="1"/>
+          </p:cNvSpPr>
+          <p:nvPr>
+            <p:ph type="hdr" sz="quarter"/>
+          </p:nvPr>
+        </p:nvSpPr>
+        <p:spPr>
+          <a:xfrm>
+            <a:off x="0" y="0"/>
+            <a:ext cx="2971800" cy="458788"/>
+          </a:xfrm>
+          <a:prstGeom prst="rect">
+            <a:avLst/>
+          </a:prstGeom>
+        </p:spPr>
+        <p:txBody>
+          <a:bodyPr vert="horz" lIns="91440" tIns="45720" rIns="91440" bIns="45720" rtlCol="0"/>
+          <a:lstStyle>
+            <a:lvl1pPr algn="l">
+              <a:defRPr sz="1200"/>
+            </a:lvl1pPr>
+          </a:lstStyle>
+          <a:p>
+            <a:endParaRPr lang="fr-FR"/>
+          </a:p>
+        </p:txBody>
+      </p:sp>
+      <p:sp>
+        <p:nvSpPr>
+          <p:cNvPr id="3" name="Date Placeholder 2"/>
+          <p:cNvSpPr>
+            <a:spLocks noGrp="1"/>
+          </p:cNvSpPr>
+          <p:nvPr>
+            <p:ph type="dt" idx="1"/>
+          </p:nvPr>
+        </p:nvSpPr>
+        <p:spPr>
+          <a:xfrm>
+            <a:off x="3884613" y="0"/>
+            <a:ext cx="2971800" cy="458788"/>
+          </a:xfrm>
+          <a:prstGeom prst="rect">
+            <a:avLst/>
+          </a:prstGeom>
+        </p:spPr>
+        <p:txBody>
+          <a:bodyPr vert="horz" lIns="91440" tIns="45720" rIns="91440" bIns="45720" rtlCol="0"/>
+          <a:lstStyle>
+            <a:lvl1pPr algn="r">
+              <a:defRPr sz="1200"/>
+            </a:lvl1pPr>
+          </a:lstStyle>
+          <a:p>
+            <a:fld id="{B999FF37-C543-4EA9-B67D-285E87A1D501}" type="datetimeFigureOut">
+              <a:rPr lang="fr-FR" smtClean="0"/>
+              <a:t>06/03/2025</a:t>
+            </a:fld>
+            <a:endParaRPr lang="fr-FR"/>
+          </a:p>
+        </p:txBody>
+      </p:sp>
+      <p:sp>
+        <p:nvSpPr>
+          <p:cNvPr id="4" name="Slide Image Placeholder 3"/>
+          <p:cNvSpPr>
+            <a:spLocks noGrp="1" noRot="1" noChangeAspect="1"/>
+          </p:cNvSpPr>
+          <p:nvPr>
+            <p:ph type="sldImg" idx="2"/>
+          </p:nvPr>
+        </p:nvSpPr>
+        <p:spPr>
+          <a:xfrm>
+            <a:off x="685800" y="1143000"/>
+            <a:ext cx="5486400" cy="3086100"/>
+          </a:xfrm>
+          <a:prstGeom prst="rect">
+            <a:avLst/>
+          </a:prstGeom>
+          <a:noFill/>
+          <a:ln w="12700">
+            <a:solidFill>
+              <a:prstClr val="black"/>
+            </a:solidFill>
+          </a:ln>
+        </p:spPr>
+        <p:txBody>
+          <a:bodyPr vert="horz" lIns="91440" tIns="45720" rIns="91440" bIns="45720" rtlCol="0" anchor="ctr"/>
+          <a:lstStyle/>
+          <a:p>
+            <a:endParaRPr lang="fr-FR"/>
+          </a:p>
+        </p:txBody>
+      </p:sp>
+      <p:sp>
+        <p:nvSpPr>
+          <p:cNvPr id="5" name="Notes Placeholder 4"/>
+          <p:cNvSpPr>
+            <a:spLocks noGrp="1"/>
+          </p:cNvSpPr>
+          <p:nvPr>
+            <p:ph type="body" sz="quarter" idx="3"/>
+          </p:nvPr>
+        </p:nvSpPr>
+        <p:spPr>
+          <a:xfrm>
+            <a:off x="685800" y="4400550"/>
+            <a:ext cx="5486400" cy="3600450"/>
+          </a:xfrm>
+          <a:prstGeom prst="rect">
+            <a:avLst/>
+          </a:prstGeom>
+        </p:spPr>
+        <p:txBody>
+          <a:bodyPr vert="horz" lIns="91440" tIns="45720" rIns="91440" bIns="45720" rtlCol="0"/>
+          <a:lstStyle/>
+          <a:p>
+            <a:pPr lvl="0"/>
+            <a:r>
+              <a:rPr lang="en-US"/>
+              <a:t>Click to edit Master text styles</a:t>
+            </a:r>
+          </a:p>
+          <a:p>
+            <a:pPr lvl="1"/>
+            <a:r>
+              <a:rPr lang="en-US"/>
+              <a:t>Second level</a:t>
+            </a:r>
+          </a:p>
+          <a:p>
+            <a:pPr lvl="2"/>
+            <a:r>
+              <a:rPr lang="en-US"/>
+              <a:t>Third level</a:t>
+            </a:r>
+          </a:p>
+          <a:p>
+            <a:pPr lvl="3"/>
+            <a:r>
+              <a:rPr lang="en-US"/>
+              <a:t>Fourth level</a:t>
+            </a:r>
+          </a:p>
+          <a:p>
+            <a:pPr lvl="4"/>
+            <a:r>
+              <a:rPr lang="en-US"/>
+              <a:t>Fifth level</a:t>
+            </a:r>
+            <a:endParaRPr lang="fr-FR"/>
+          </a:p>
+        </p:txBody>
+      </p:sp>
+      <p:sp>
+        <p:nvSpPr>
+          <p:cNvPr id="6" name="Footer Placeholder 5"/>
+          <p:cNvSpPr>
+            <a:spLocks noGrp="1"/>
+          </p:cNvSpPr>
+          <p:nvPr>
+            <p:ph type="ftr" sz="quarter" idx="4"/>
+          </p:nvPr>
+        </p:nvSpPr>
+        <p:spPr>
+          <a:xfrm>
+            <a:off x="0" y="8685213"/>
+            <a:ext cx="2971800" cy="458787"/>
+          </a:xfrm>
+          <a:prstGeom prst="rect">
+            <a:avLst/>
+          </a:prstGeom>
+        </p:spPr>
+        <p:txBody>
+          <a:bodyPr vert="horz" lIns="91440" tIns="45720" rIns="91440" bIns="45720" rtlCol="0" anchor="b"/>
+          <a:lstStyle>
+            <a:lvl1pPr algn="l">
+              <a:defRPr sz="1200"/>
+            </a:lvl1pPr>
+          </a:lstStyle>
+          <a:p>
+            <a:endParaRPr lang="fr-FR"/>
+          </a:p>
+        </p:txBody>
+      </p:sp>
+      <p:sp>
+        <p:nvSpPr>
+          <p:cNvPr id="7" name="Slide Number Placeholder 6"/>
+          <p:cNvSpPr>
+            <a:spLocks noGrp="1"/>
+          </p:cNvSpPr>
+          <p:nvPr>
+            <p:ph type="sldNum" sz="quarter" idx="5"/>
+          </p:nvPr>
+        </p:nvSpPr>
+        <p:spPr>
+          <a:xfrm>
+            <a:off x="3884613" y="8685213"/>
+            <a:ext cx="2971800" cy="458787"/>
+          </a:xfrm>
+          <a:prstGeom prst="rect">
+            <a:avLst/>
+          </a:prstGeom>
+        </p:spPr>
+        <p:txBody>
+          <a:bodyPr vert="horz" lIns="91440" tIns="45720" rIns="91440" bIns="45720" rtlCol="0" anchor="b"/>
+          <a:lstStyle>
+            <a:lvl1pPr algn="r">
+              <a:defRPr sz="1200"/>
+            </a:lvl1pPr>
+          </a:lstStyle>
+          <a:p>
+            <a:fld id="{D6D60FB5-5EBC-4057-9FED-BC4DFF0A7531}" type="slidenum">
+              <a:rPr lang="fr-FR" smtClean="0"/>
+              <a:t>‹#›</a:t>
+            </a:fld>
+            <a:endParaRPr lang="fr-FR"/>
+          </a:p>
+        </p:txBody>
+      </p:sp>
+    </p:spTree>
+    <p:extLst>
+      <p:ext uri="{BB962C8B-B14F-4D97-AF65-F5344CB8AC3E}">
+        <p14:creationId xmlns:p14="http://schemas.microsoft.com/office/powerpoint/2010/main" val="991373464"/>
+      </p:ext>
+    </p:extLst>
+  </p:cSld>
+  <p:clrMap bg1="lt1" tx1="dk1" bg2="lt2" tx2="dk2" accent1="accent1" accent2="accent2" accent3="accent3" accent4="accent4" accent5="accent5" accent6="accent6" hlink="hlink" folHlink="folHlink"/>
+  <p:notesStyle>
+    <a:lvl1pPr marL="0" algn="l" defTabSz="914400" rtl="0" eaLnBrk="1" latinLnBrk="0" hangingPunct="1">
+      <a:defRPr sz="1200" kern="1200">
+        <a:solidFill>
+          <a:schemeClr val="tx1"/>
+        </a:solidFill>
+        <a:latin typeface="+mn-lt"/>
+        <a:ea typeface="+mn-ea"/>
+        <a:cs typeface="+mn-cs"/>
+      </a:defRPr>
+    </a:lvl1pPr>
+    <a:lvl2pPr marL="457200" algn="l" defTabSz="914400" rtl="0" eaLnBrk="1" latinLnBrk="0" hangingPunct="1">
+      <a:defRPr sz="1200" kern="1200">
+        <a:solidFill>
+          <a:schemeClr val="tx1"/>
+        </a:solidFill>
+        <a:latin typeface="+mn-lt"/>
+        <a:ea typeface="+mn-ea"/>
+        <a:cs typeface="+mn-cs"/>
+      </a:defRPr>
+    </a:lvl2pPr>
+    <a:lvl3pPr marL="914400" algn="l" defTabSz="914400" rtl="0" eaLnBrk="1" latinLnBrk="0" hangingPunct="1">
+      <a:defRPr sz="1200" kern="1200">
+        <a:solidFill>
+          <a:schemeClr val="tx1"/>
+        </a:solidFill>
+        <a:latin typeface="+mn-lt"/>
+        <a:ea typeface="+mn-ea"/>
+        <a:cs typeface="+mn-cs"/>
+      </a:defRPr>
+    </a:lvl3pPr>
+    <a:lvl4pPr marL="1371600" algn="l" defTabSz="914400" rtl="0" eaLnBrk="1" latinLnBrk="0" hangingPunct="1">
+      <a:defRPr sz="1200" kern="1200">
+        <a:solidFill>
+          <a:schemeClr val="tx1"/>
+        </a:solidFill>
+        <a:latin typeface="+mn-lt"/>
+        <a:ea typeface="+mn-ea"/>
+        <a:cs typeface="+mn-cs"/>
+      </a:defRPr>
+    </a:lvl4pPr>
+    <a:lvl5pPr marL="1828800" algn="l" defTabSz="914400" rtl="0" eaLnBrk="1" latinLnBrk="0" hangingPunct="1">
+      <a:defRPr sz="1200" kern="1200">
+        <a:solidFill>
+          <a:schemeClr val="tx1"/>
+        </a:solidFill>
+        <a:latin typeface="+mn-lt"/>
+        <a:ea typeface="+mn-ea"/>
+        <a:cs typeface="+mn-cs"/>
+      </a:defRPr>
+    </a:lvl5pPr>
+    <a:lvl6pPr marL="2286000" algn="l" defTabSz="914400" rtl="0" eaLnBrk="1" latinLnBrk="0" hangingPunct="1">
+      <a:defRPr sz="1200" kern="1200">
+        <a:solidFill>
+          <a:schemeClr val="tx1"/>
+        </a:solidFill>
+        <a:latin typeface="+mn-lt"/>
+        <a:ea typeface="+mn-ea"/>
+        <a:cs typeface="+mn-cs"/>
+      </a:defRPr>
+    </a:lvl6pPr>
+    <a:lvl7pPr marL="2743200" algn="l" defTabSz="914400" rtl="0" eaLnBrk="1" latinLnBrk="0" hangingPunct="1">
+      <a:defRPr sz="1200" kern="1200">
+        <a:solidFill>
+          <a:schemeClr val="tx1"/>
+        </a:solidFill>
+        <a:latin typeface="+mn-lt"/>
+        <a:ea typeface="+mn-ea"/>
+        <a:cs typeface="+mn-cs"/>
+      </a:defRPr>
+    </a:lvl7pPr>
+    <a:lvl8pPr marL="3200400" algn="l" defTabSz="914400" rtl="0" eaLnBrk="1" latinLnBrk="0" hangingPunct="1">
+      <a:defRPr sz="1200" kern="1200">
+        <a:solidFill>
+          <a:schemeClr val="tx1"/>
+        </a:solidFill>
+        <a:latin typeface="+mn-lt"/>
+        <a:ea typeface="+mn-ea"/>
+        <a:cs typeface="+mn-cs"/>
+      </a:defRPr>
+    </a:lvl8pPr>
+    <a:lvl9pPr marL="3657600" algn="l" defTabSz="914400" rtl="0" eaLnBrk="1" latinLnBrk="0" hangingPunct="1">
+      <a:defRPr sz="1200" kern="1200">
+        <a:solidFill>
+          <a:schemeClr val="tx1"/>
+        </a:solidFill>
+        <a:latin typeface="+mn-lt"/>
+        <a:ea typeface="+mn-ea"/>
+        <a:cs typeface="+mn-cs"/>
+      </a:defRPr>
+    </a:lvl9pPr>
+  </p:notesStyle>
+</p:notesMaster>
+</file>
+
+<file path=ppt/notesSlides/notesSlide1.xml><?xml version="1.0" encoding="utf-8"?>
+<p:notes xmlns:a="http://schemas.openxmlformats.org/drawingml/2006/main" xmlns:r="http://schemas.openxmlformats.org/officeDocument/2006/relationships" xmlns:p="http://schemas.openxmlformats.org/presentationml/2006/main">
+  <p:cSld>
+    <p:spTree>
+      <p:nvGrpSpPr>
+        <p:cNvPr id="1" name=""/>
+        <p:cNvGrpSpPr/>
+        <p:nvPr/>
+      </p:nvGrpSpPr>
+      <p:grpSpPr>
+        <a:xfrm>
+          <a:off x="0" y="0"/>
+          <a:ext cx="0" cy="0"/>
+          <a:chOff x="0" y="0"/>
+          <a:chExt cx="0" cy="0"/>
+        </a:xfrm>
+      </p:grpSpPr>
+      <p:sp>
+        <p:nvSpPr>
+          <p:cNvPr id="2" name="Slide Image Placeholder 1"/>
+          <p:cNvSpPr>
+            <a:spLocks noGrp="1" noRot="1" noChangeAspect="1"/>
+          </p:cNvSpPr>
+          <p:nvPr>
+            <p:ph type="sldImg"/>
+          </p:nvPr>
+        </p:nvSpPr>
+        <p:spPr/>
+      </p:sp>
+      <p:sp>
+        <p:nvSpPr>
+          <p:cNvPr id="3" name="Notes Placeholder 2"/>
+          <p:cNvSpPr>
+            <a:spLocks noGrp="1"/>
+          </p:cNvSpPr>
+          <p:nvPr>
+            <p:ph type="body" idx="1"/>
+          </p:nvPr>
+        </p:nvSpPr>
+        <p:spPr/>
+        <p:txBody>
+          <a:bodyPr/>
+          <a:lstStyle/>
+          <a:p>
+            <a:r>
+              <a:rPr lang="en-US" dirty="0"/>
+              <a:t>Greetings</a:t>
+            </a:r>
+          </a:p>
+          <a:p>
+            <a:r>
+              <a:rPr lang="en-US" dirty="0"/>
+              <a:t>Project name</a:t>
+            </a:r>
+          </a:p>
+          <a:p>
+            <a:r>
+              <a:rPr lang="en-US" dirty="0"/>
+              <a:t>My name</a:t>
+            </a:r>
+            <a:endParaRPr lang="fr-FR" dirty="0"/>
+          </a:p>
+        </p:txBody>
+      </p:sp>
+      <p:sp>
+        <p:nvSpPr>
+          <p:cNvPr id="4" name="Slide Number Placeholder 3"/>
+          <p:cNvSpPr>
+            <a:spLocks noGrp="1"/>
+          </p:cNvSpPr>
+          <p:nvPr>
+            <p:ph type="sldNum" sz="quarter" idx="5"/>
+          </p:nvPr>
+        </p:nvSpPr>
+        <p:spPr/>
+        <p:txBody>
+          <a:bodyPr/>
+          <a:lstStyle/>
+          <a:p>
+            <a:fld id="{D6D60FB5-5EBC-4057-9FED-BC4DFF0A7531}" type="slidenum">
+              <a:rPr lang="fr-FR" smtClean="0"/>
+              <a:t>1</a:t>
+            </a:fld>
+            <a:endParaRPr lang="fr-FR"/>
+          </a:p>
+        </p:txBody>
+      </p:sp>
+    </p:spTree>
+    <p:extLst>
+      <p:ext uri="{BB962C8B-B14F-4D97-AF65-F5344CB8AC3E}">
+        <p14:creationId xmlns:p14="http://schemas.microsoft.com/office/powerpoint/2010/main" val="4226286228"/>
+      </p:ext>
+    </p:extLst>
+  </p:cSld>
+  <p:clrMapOvr>
+    <a:masterClrMapping/>
+  </p:clrMapOvr>
+</p:notes>
+</file>
+
+<file path=ppt/notesSlides/notesSlide10.xml><?xml version="1.0" encoding="utf-8"?>
+<p:notes xmlns:a="http://schemas.openxmlformats.org/drawingml/2006/main" xmlns:r="http://schemas.openxmlformats.org/officeDocument/2006/relationships" xmlns:p="http://schemas.openxmlformats.org/presentationml/2006/main">
+  <p:cSld>
+    <p:spTree>
+      <p:nvGrpSpPr>
+        <p:cNvPr id="1" name=""/>
+        <p:cNvGrpSpPr/>
+        <p:nvPr/>
+      </p:nvGrpSpPr>
+      <p:grpSpPr>
+        <a:xfrm>
+          <a:off x="0" y="0"/>
+          <a:ext cx="0" cy="0"/>
+          <a:chOff x="0" y="0"/>
+          <a:chExt cx="0" cy="0"/>
+        </a:xfrm>
+      </p:grpSpPr>
+      <p:sp>
+        <p:nvSpPr>
+          <p:cNvPr id="2" name="Slide Image Placeholder 1"/>
+          <p:cNvSpPr>
+            <a:spLocks noGrp="1" noRot="1" noChangeAspect="1"/>
+          </p:cNvSpPr>
+          <p:nvPr>
+            <p:ph type="sldImg"/>
+          </p:nvPr>
+        </p:nvSpPr>
+        <p:spPr/>
+      </p:sp>
+      <p:sp>
+        <p:nvSpPr>
+          <p:cNvPr id="3" name="Notes Placeholder 2"/>
+          <p:cNvSpPr>
+            <a:spLocks noGrp="1"/>
+          </p:cNvSpPr>
+          <p:nvPr>
+            <p:ph type="body" idx="1"/>
+          </p:nvPr>
+        </p:nvSpPr>
+        <p:spPr/>
+        <p:txBody>
+          <a:bodyPr/>
+          <a:lstStyle/>
+          <a:p>
+            <a:r>
+              <a:rPr lang="en-US" dirty="0"/>
+              <a:t>Similar to back</a:t>
+            </a:r>
+          </a:p>
+          <a:p>
+            <a:r>
+              <a:rPr lang="fr-FR" dirty="0" err="1"/>
+              <a:t>Describe</a:t>
+            </a:r>
+            <a:r>
+              <a:rPr lang="fr-FR" dirty="0"/>
+              <a:t> the </a:t>
+            </a:r>
+            <a:r>
+              <a:rPr lang="fr-FR" dirty="0" err="1"/>
+              <a:t>rest</a:t>
+            </a:r>
+            <a:endParaRPr lang="en-US" dirty="0"/>
+          </a:p>
+          <a:p>
+            <a:r>
+              <a:rPr lang="en-US" dirty="0"/>
+              <a:t>Exports can be in the middle or end</a:t>
+            </a:r>
+            <a:endParaRPr lang="fr-FR" dirty="0"/>
+          </a:p>
+        </p:txBody>
+      </p:sp>
+      <p:sp>
+        <p:nvSpPr>
+          <p:cNvPr id="4" name="Slide Number Placeholder 3"/>
+          <p:cNvSpPr>
+            <a:spLocks noGrp="1"/>
+          </p:cNvSpPr>
+          <p:nvPr>
+            <p:ph type="sldNum" sz="quarter" idx="5"/>
+          </p:nvPr>
+        </p:nvSpPr>
+        <p:spPr/>
+        <p:txBody>
+          <a:bodyPr/>
+          <a:lstStyle/>
+          <a:p>
+            <a:fld id="{D6D60FB5-5EBC-4057-9FED-BC4DFF0A7531}" type="slidenum">
+              <a:rPr lang="fr-FR" smtClean="0"/>
+              <a:t>10</a:t>
+            </a:fld>
+            <a:endParaRPr lang="fr-FR"/>
+          </a:p>
+        </p:txBody>
+      </p:sp>
+    </p:spTree>
+    <p:extLst>
+      <p:ext uri="{BB962C8B-B14F-4D97-AF65-F5344CB8AC3E}">
+        <p14:creationId xmlns:p14="http://schemas.microsoft.com/office/powerpoint/2010/main" val="1464778574"/>
+      </p:ext>
+    </p:extLst>
+  </p:cSld>
+  <p:clrMapOvr>
+    <a:masterClrMapping/>
+  </p:clrMapOvr>
+</p:notes>
+</file>
+
+<file path=ppt/notesSlides/notesSlide11.xml><?xml version="1.0" encoding="utf-8"?>
+<p:notes xmlns:a="http://schemas.openxmlformats.org/drawingml/2006/main" xmlns:r="http://schemas.openxmlformats.org/officeDocument/2006/relationships" xmlns:p="http://schemas.openxmlformats.org/presentationml/2006/main">
+  <p:cSld>
+    <p:spTree>
+      <p:nvGrpSpPr>
+        <p:cNvPr id="1" name=""/>
+        <p:cNvGrpSpPr/>
+        <p:nvPr/>
+      </p:nvGrpSpPr>
+      <p:grpSpPr>
+        <a:xfrm>
+          <a:off x="0" y="0"/>
+          <a:ext cx="0" cy="0"/>
+          <a:chOff x="0" y="0"/>
+          <a:chExt cx="0" cy="0"/>
+        </a:xfrm>
+      </p:grpSpPr>
+      <p:sp>
+        <p:nvSpPr>
+          <p:cNvPr id="2" name="Slide Image Placeholder 1"/>
+          <p:cNvSpPr>
+            <a:spLocks noGrp="1" noRot="1" noChangeAspect="1"/>
+          </p:cNvSpPr>
+          <p:nvPr>
+            <p:ph type="sldImg"/>
+          </p:nvPr>
+        </p:nvSpPr>
+        <p:spPr/>
+      </p:sp>
+      <p:sp>
+        <p:nvSpPr>
+          <p:cNvPr id="3" name="Notes Placeholder 2"/>
+          <p:cNvSpPr>
+            <a:spLocks noGrp="1"/>
+          </p:cNvSpPr>
+          <p:nvPr>
+            <p:ph type="body" idx="1"/>
+          </p:nvPr>
+        </p:nvSpPr>
+        <p:spPr/>
+        <p:txBody>
+          <a:bodyPr/>
+          <a:lstStyle/>
+          <a:p>
+            <a:endParaRPr lang="fr-FR"/>
+          </a:p>
+        </p:txBody>
+      </p:sp>
+      <p:sp>
+        <p:nvSpPr>
+          <p:cNvPr id="4" name="Slide Number Placeholder 3"/>
+          <p:cNvSpPr>
+            <a:spLocks noGrp="1"/>
+          </p:cNvSpPr>
+          <p:nvPr>
+            <p:ph type="sldNum" sz="quarter" idx="5"/>
+          </p:nvPr>
+        </p:nvSpPr>
+        <p:spPr/>
+        <p:txBody>
+          <a:bodyPr/>
+          <a:lstStyle/>
+          <a:p>
+            <a:fld id="{D6D60FB5-5EBC-4057-9FED-BC4DFF0A7531}" type="slidenum">
+              <a:rPr lang="fr-FR" smtClean="0"/>
+              <a:t>11</a:t>
+            </a:fld>
+            <a:endParaRPr lang="fr-FR"/>
+          </a:p>
+        </p:txBody>
+      </p:sp>
+    </p:spTree>
+    <p:extLst>
+      <p:ext uri="{BB962C8B-B14F-4D97-AF65-F5344CB8AC3E}">
+        <p14:creationId xmlns:p14="http://schemas.microsoft.com/office/powerpoint/2010/main" val="2149458007"/>
+      </p:ext>
+    </p:extLst>
+  </p:cSld>
+  <p:clrMapOvr>
+    <a:masterClrMapping/>
+  </p:clrMapOvr>
+</p:notes>
+</file>
+
+<file path=ppt/notesSlides/notesSlide12.xml><?xml version="1.0" encoding="utf-8"?>
+<p:notes xmlns:a="http://schemas.openxmlformats.org/drawingml/2006/main" xmlns:r="http://schemas.openxmlformats.org/officeDocument/2006/relationships" xmlns:p="http://schemas.openxmlformats.org/presentationml/2006/main">
+  <p:cSld>
+    <p:spTree>
+      <p:nvGrpSpPr>
+        <p:cNvPr id="1" name=""/>
+        <p:cNvGrpSpPr/>
+        <p:nvPr/>
+      </p:nvGrpSpPr>
+      <p:grpSpPr>
+        <a:xfrm>
+          <a:off x="0" y="0"/>
+          <a:ext cx="0" cy="0"/>
+          <a:chOff x="0" y="0"/>
+          <a:chExt cx="0" cy="0"/>
+        </a:xfrm>
+      </p:grpSpPr>
+      <p:sp>
+        <p:nvSpPr>
+          <p:cNvPr id="2" name="Slide Image Placeholder 1"/>
+          <p:cNvSpPr>
+            <a:spLocks noGrp="1" noRot="1" noChangeAspect="1"/>
+          </p:cNvSpPr>
+          <p:nvPr>
+            <p:ph type="sldImg"/>
+          </p:nvPr>
+        </p:nvSpPr>
+        <p:spPr/>
+      </p:sp>
+      <p:sp>
+        <p:nvSpPr>
+          <p:cNvPr id="3" name="Notes Placeholder 2"/>
+          <p:cNvSpPr>
+            <a:spLocks noGrp="1"/>
+          </p:cNvSpPr>
+          <p:nvPr>
+            <p:ph type="body" idx="1"/>
+          </p:nvPr>
+        </p:nvSpPr>
+        <p:spPr/>
+        <p:txBody>
+          <a:bodyPr/>
+          <a:lstStyle/>
+          <a:p>
+            <a:endParaRPr lang="fr-FR"/>
+          </a:p>
+        </p:txBody>
+      </p:sp>
+      <p:sp>
+        <p:nvSpPr>
+          <p:cNvPr id="4" name="Slide Number Placeholder 3"/>
+          <p:cNvSpPr>
+            <a:spLocks noGrp="1"/>
+          </p:cNvSpPr>
+          <p:nvPr>
+            <p:ph type="sldNum" sz="quarter" idx="5"/>
+          </p:nvPr>
+        </p:nvSpPr>
+        <p:spPr/>
+        <p:txBody>
+          <a:bodyPr/>
+          <a:lstStyle/>
+          <a:p>
+            <a:fld id="{D6D60FB5-5EBC-4057-9FED-BC4DFF0A7531}" type="slidenum">
+              <a:rPr lang="fr-FR" smtClean="0"/>
+              <a:t>12</a:t>
+            </a:fld>
+            <a:endParaRPr lang="fr-FR"/>
+          </a:p>
+        </p:txBody>
+      </p:sp>
+    </p:spTree>
+    <p:extLst>
+      <p:ext uri="{BB962C8B-B14F-4D97-AF65-F5344CB8AC3E}">
+        <p14:creationId xmlns:p14="http://schemas.microsoft.com/office/powerpoint/2010/main" val="4256357891"/>
+      </p:ext>
+    </p:extLst>
+  </p:cSld>
+  <p:clrMapOvr>
+    <a:masterClrMapping/>
+  </p:clrMapOvr>
+</p:notes>
+</file>
+
+<file path=ppt/notesSlides/notesSlide13.xml><?xml version="1.0" encoding="utf-8"?>
+<p:notes xmlns:a="http://schemas.openxmlformats.org/drawingml/2006/main" xmlns:r="http://schemas.openxmlformats.org/officeDocument/2006/relationships" xmlns:p="http://schemas.openxmlformats.org/presentationml/2006/main">
+  <p:cSld>
+    <p:spTree>
+      <p:nvGrpSpPr>
+        <p:cNvPr id="1" name=""/>
+        <p:cNvGrpSpPr/>
+        <p:nvPr/>
+      </p:nvGrpSpPr>
+      <p:grpSpPr>
+        <a:xfrm>
+          <a:off x="0" y="0"/>
+          <a:ext cx="0" cy="0"/>
+          <a:chOff x="0" y="0"/>
+          <a:chExt cx="0" cy="0"/>
+        </a:xfrm>
+      </p:grpSpPr>
+      <p:sp>
+        <p:nvSpPr>
+          <p:cNvPr id="2" name="Slide Image Placeholder 1"/>
+          <p:cNvSpPr>
+            <a:spLocks noGrp="1" noRot="1" noChangeAspect="1"/>
+          </p:cNvSpPr>
+          <p:nvPr>
+            <p:ph type="sldImg"/>
+          </p:nvPr>
+        </p:nvSpPr>
+        <p:spPr/>
+      </p:sp>
+      <p:sp>
+        <p:nvSpPr>
+          <p:cNvPr id="3" name="Notes Placeholder 2"/>
+          <p:cNvSpPr>
+            <a:spLocks noGrp="1"/>
+          </p:cNvSpPr>
+          <p:nvPr>
+            <p:ph type="body" idx="1"/>
+          </p:nvPr>
+        </p:nvSpPr>
+        <p:spPr/>
+        <p:txBody>
+          <a:bodyPr/>
+          <a:lstStyle/>
+          <a:p>
+            <a:endParaRPr lang="fr-FR"/>
+          </a:p>
+        </p:txBody>
+      </p:sp>
+      <p:sp>
+        <p:nvSpPr>
+          <p:cNvPr id="4" name="Slide Number Placeholder 3"/>
+          <p:cNvSpPr>
+            <a:spLocks noGrp="1"/>
+          </p:cNvSpPr>
+          <p:nvPr>
+            <p:ph type="sldNum" sz="quarter" idx="5"/>
+          </p:nvPr>
+        </p:nvSpPr>
+        <p:spPr/>
+        <p:txBody>
+          <a:bodyPr/>
+          <a:lstStyle/>
+          <a:p>
+            <a:fld id="{D6D60FB5-5EBC-4057-9FED-BC4DFF0A7531}" type="slidenum">
+              <a:rPr lang="fr-FR" smtClean="0"/>
+              <a:t>13</a:t>
+            </a:fld>
+            <a:endParaRPr lang="fr-FR"/>
+          </a:p>
+        </p:txBody>
+      </p:sp>
+    </p:spTree>
+    <p:extLst>
+      <p:ext uri="{BB962C8B-B14F-4D97-AF65-F5344CB8AC3E}">
+        <p14:creationId xmlns:p14="http://schemas.microsoft.com/office/powerpoint/2010/main" val="3819191167"/>
+      </p:ext>
+    </p:extLst>
+  </p:cSld>
+  <p:clrMapOvr>
+    <a:masterClrMapping/>
+  </p:clrMapOvr>
+</p:notes>
+</file>
+
+<file path=ppt/notesSlides/notesSlide2.xml><?xml version="1.0" encoding="utf-8"?>
+<p:notes xmlns:a="http://schemas.openxmlformats.org/drawingml/2006/main" xmlns:r="http://schemas.openxmlformats.org/officeDocument/2006/relationships" xmlns:p="http://schemas.openxmlformats.org/presentationml/2006/main">
+  <p:cSld>
+    <p:spTree>
+      <p:nvGrpSpPr>
+        <p:cNvPr id="1" name=""/>
+        <p:cNvGrpSpPr/>
+        <p:nvPr/>
+      </p:nvGrpSpPr>
+      <p:grpSpPr>
+        <a:xfrm>
+          <a:off x="0" y="0"/>
+          <a:ext cx="0" cy="0"/>
+          <a:chOff x="0" y="0"/>
+          <a:chExt cx="0" cy="0"/>
+        </a:xfrm>
+      </p:grpSpPr>
+      <p:sp>
+        <p:nvSpPr>
+          <p:cNvPr id="2" name="Slide Image Placeholder 1"/>
+          <p:cNvSpPr>
+            <a:spLocks noGrp="1" noRot="1" noChangeAspect="1"/>
+          </p:cNvSpPr>
+          <p:nvPr>
+            <p:ph type="sldImg"/>
+          </p:nvPr>
+        </p:nvSpPr>
+        <p:spPr/>
+      </p:sp>
+      <p:sp>
+        <p:nvSpPr>
+          <p:cNvPr id="3" name="Notes Placeholder 2"/>
+          <p:cNvSpPr>
+            <a:spLocks noGrp="1"/>
+          </p:cNvSpPr>
+          <p:nvPr>
+            <p:ph type="body" idx="1"/>
+          </p:nvPr>
+        </p:nvSpPr>
+        <p:spPr/>
+        <p:txBody>
+          <a:bodyPr/>
+          <a:lstStyle/>
+          <a:p>
+            <a:r>
+              <a:rPr lang="en-US" dirty="0"/>
+              <a:t>Short professional intro</a:t>
+            </a:r>
+          </a:p>
+          <a:p>
+            <a:r>
+              <a:rPr lang="en-US" dirty="0"/>
+              <a:t>What the presentation will cover</a:t>
+            </a:r>
+            <a:endParaRPr lang="fr-FR" dirty="0"/>
+          </a:p>
+        </p:txBody>
+      </p:sp>
+      <p:sp>
+        <p:nvSpPr>
+          <p:cNvPr id="4" name="Slide Number Placeholder 3"/>
+          <p:cNvSpPr>
+            <a:spLocks noGrp="1"/>
+          </p:cNvSpPr>
+          <p:nvPr>
+            <p:ph type="sldNum" sz="quarter" idx="5"/>
+          </p:nvPr>
+        </p:nvSpPr>
+        <p:spPr/>
+        <p:txBody>
+          <a:bodyPr/>
+          <a:lstStyle/>
+          <a:p>
+            <a:fld id="{D6D60FB5-5EBC-4057-9FED-BC4DFF0A7531}" type="slidenum">
+              <a:rPr lang="fr-FR" smtClean="0"/>
+              <a:t>2</a:t>
+            </a:fld>
+            <a:endParaRPr lang="fr-FR"/>
+          </a:p>
+        </p:txBody>
+      </p:sp>
+    </p:spTree>
+    <p:extLst>
+      <p:ext uri="{BB962C8B-B14F-4D97-AF65-F5344CB8AC3E}">
+        <p14:creationId xmlns:p14="http://schemas.microsoft.com/office/powerpoint/2010/main" val="2037334167"/>
+      </p:ext>
+    </p:extLst>
+  </p:cSld>
+  <p:clrMapOvr>
+    <a:masterClrMapping/>
+  </p:clrMapOvr>
+</p:notes>
+</file>
+
+<file path=ppt/notesSlides/notesSlide3.xml><?xml version="1.0" encoding="utf-8"?>
+<p:notes xmlns:a="http://schemas.openxmlformats.org/drawingml/2006/main" xmlns:r="http://schemas.openxmlformats.org/officeDocument/2006/relationships" xmlns:p="http://schemas.openxmlformats.org/presentationml/2006/main">
+  <p:cSld>
+    <p:spTree>
+      <p:nvGrpSpPr>
+        <p:cNvPr id="1" name=""/>
+        <p:cNvGrpSpPr/>
+        <p:nvPr/>
+      </p:nvGrpSpPr>
+      <p:grpSpPr>
+        <a:xfrm>
+          <a:off x="0" y="0"/>
+          <a:ext cx="0" cy="0"/>
+          <a:chOff x="0" y="0"/>
+          <a:chExt cx="0" cy="0"/>
+        </a:xfrm>
+      </p:grpSpPr>
+      <p:sp>
+        <p:nvSpPr>
+          <p:cNvPr id="2" name="Slide Image Placeholder 1"/>
+          <p:cNvSpPr>
+            <a:spLocks noGrp="1" noRot="1" noChangeAspect="1"/>
+          </p:cNvSpPr>
+          <p:nvPr>
+            <p:ph type="sldImg"/>
+          </p:nvPr>
+        </p:nvSpPr>
+        <p:spPr/>
+      </p:sp>
+      <p:sp>
+        <p:nvSpPr>
+          <p:cNvPr id="3" name="Notes Placeholder 2"/>
+          <p:cNvSpPr>
+            <a:spLocks noGrp="1"/>
+          </p:cNvSpPr>
+          <p:nvPr>
+            <p:ph type="body" idx="1"/>
+          </p:nvPr>
+        </p:nvSpPr>
+        <p:spPr/>
+        <p:txBody>
+          <a:bodyPr/>
+          <a:lstStyle/>
+          <a:p>
+            <a:r>
+              <a:rPr lang="en-US" dirty="0"/>
+              <a:t>General info</a:t>
+            </a:r>
+          </a:p>
+          <a:p>
+            <a:r>
+              <a:rPr lang="en-US" dirty="0"/>
+              <a:t>What it allows the users to do</a:t>
+            </a:r>
+          </a:p>
+          <a:p>
+            <a:r>
+              <a:rPr lang="en-US" dirty="0"/>
+              <a:t>Functionality</a:t>
+            </a:r>
+          </a:p>
+          <a:p>
+            <a:r>
+              <a:rPr lang="en-US" dirty="0"/>
+              <a:t>Targe audience</a:t>
+            </a:r>
+            <a:endParaRPr lang="fr-FR" dirty="0"/>
+          </a:p>
+        </p:txBody>
+      </p:sp>
+      <p:sp>
+        <p:nvSpPr>
+          <p:cNvPr id="4" name="Slide Number Placeholder 3"/>
+          <p:cNvSpPr>
+            <a:spLocks noGrp="1"/>
+          </p:cNvSpPr>
+          <p:nvPr>
+            <p:ph type="sldNum" sz="quarter" idx="5"/>
+          </p:nvPr>
+        </p:nvSpPr>
+        <p:spPr/>
+        <p:txBody>
+          <a:bodyPr/>
+          <a:lstStyle/>
+          <a:p>
+            <a:fld id="{D6D60FB5-5EBC-4057-9FED-BC4DFF0A7531}" type="slidenum">
+              <a:rPr lang="fr-FR" smtClean="0"/>
+              <a:t>3</a:t>
+            </a:fld>
+            <a:endParaRPr lang="fr-FR"/>
+          </a:p>
+        </p:txBody>
+      </p:sp>
+    </p:spTree>
+    <p:extLst>
+      <p:ext uri="{BB962C8B-B14F-4D97-AF65-F5344CB8AC3E}">
+        <p14:creationId xmlns:p14="http://schemas.microsoft.com/office/powerpoint/2010/main" val="3497758512"/>
+      </p:ext>
+    </p:extLst>
+  </p:cSld>
+  <p:clrMapOvr>
+    <a:masterClrMapping/>
+  </p:clrMapOvr>
+</p:notes>
+</file>
+
+<file path=ppt/notesSlides/notesSlide4.xml><?xml version="1.0" encoding="utf-8"?>
+<p:notes xmlns:a="http://schemas.openxmlformats.org/drawingml/2006/main" xmlns:r="http://schemas.openxmlformats.org/officeDocument/2006/relationships" xmlns:p="http://schemas.openxmlformats.org/presentationml/2006/main">
+  <p:cSld>
+    <p:spTree>
+      <p:nvGrpSpPr>
+        <p:cNvPr id="1" name=""/>
+        <p:cNvGrpSpPr/>
+        <p:nvPr/>
+      </p:nvGrpSpPr>
+      <p:grpSpPr>
+        <a:xfrm>
+          <a:off x="0" y="0"/>
+          <a:ext cx="0" cy="0"/>
+          <a:chOff x="0" y="0"/>
+          <a:chExt cx="0" cy="0"/>
+        </a:xfrm>
+      </p:grpSpPr>
+      <p:sp>
+        <p:nvSpPr>
+          <p:cNvPr id="2" name="Slide Image Placeholder 1"/>
+          <p:cNvSpPr>
+            <a:spLocks noGrp="1" noRot="1" noChangeAspect="1"/>
+          </p:cNvSpPr>
+          <p:nvPr>
+            <p:ph type="sldImg"/>
+          </p:nvPr>
+        </p:nvSpPr>
+        <p:spPr/>
+      </p:sp>
+      <p:sp>
+        <p:nvSpPr>
+          <p:cNvPr id="3" name="Notes Placeholder 2"/>
+          <p:cNvSpPr>
+            <a:spLocks noGrp="1"/>
+          </p:cNvSpPr>
+          <p:nvPr>
+            <p:ph type="body" idx="1"/>
+          </p:nvPr>
+        </p:nvSpPr>
+        <p:spPr/>
+        <p:txBody>
+          <a:bodyPr/>
+          <a:lstStyle/>
+          <a:p>
+            <a:r>
+              <a:rPr lang="en-US" dirty="0"/>
+              <a:t>Fully responsive</a:t>
+            </a:r>
+          </a:p>
+          <a:p>
+            <a:r>
+              <a:rPr lang="en-US" dirty="0"/>
+              <a:t>Tech stack</a:t>
+            </a:r>
+            <a:endParaRPr lang="fr-FR" dirty="0"/>
+          </a:p>
+        </p:txBody>
+      </p:sp>
+      <p:sp>
+        <p:nvSpPr>
+          <p:cNvPr id="4" name="Slide Number Placeholder 3"/>
+          <p:cNvSpPr>
+            <a:spLocks noGrp="1"/>
+          </p:cNvSpPr>
+          <p:nvPr>
+            <p:ph type="sldNum" sz="quarter" idx="5"/>
+          </p:nvPr>
+        </p:nvSpPr>
+        <p:spPr/>
+        <p:txBody>
+          <a:bodyPr/>
+          <a:lstStyle/>
+          <a:p>
+            <a:fld id="{D6D60FB5-5EBC-4057-9FED-BC4DFF0A7531}" type="slidenum">
+              <a:rPr lang="fr-FR" smtClean="0"/>
+              <a:t>4</a:t>
+            </a:fld>
+            <a:endParaRPr lang="fr-FR"/>
+          </a:p>
+        </p:txBody>
+      </p:sp>
+    </p:spTree>
+    <p:extLst>
+      <p:ext uri="{BB962C8B-B14F-4D97-AF65-F5344CB8AC3E}">
+        <p14:creationId xmlns:p14="http://schemas.microsoft.com/office/powerpoint/2010/main" val="2763422089"/>
+      </p:ext>
+    </p:extLst>
+  </p:cSld>
+  <p:clrMapOvr>
+    <a:masterClrMapping/>
+  </p:clrMapOvr>
+</p:notes>
+</file>
+
+<file path=ppt/notesSlides/notesSlide5.xml><?xml version="1.0" encoding="utf-8"?>
+<p:notes xmlns:a="http://schemas.openxmlformats.org/drawingml/2006/main" xmlns:r="http://schemas.openxmlformats.org/officeDocument/2006/relationships" xmlns:p="http://schemas.openxmlformats.org/presentationml/2006/main">
+  <p:cSld>
+    <p:spTree>
+      <p:nvGrpSpPr>
+        <p:cNvPr id="1" name=""/>
+        <p:cNvGrpSpPr/>
+        <p:nvPr/>
+      </p:nvGrpSpPr>
+      <p:grpSpPr>
+        <a:xfrm>
+          <a:off x="0" y="0"/>
+          <a:ext cx="0" cy="0"/>
+          <a:chOff x="0" y="0"/>
+          <a:chExt cx="0" cy="0"/>
+        </a:xfrm>
+      </p:grpSpPr>
+      <p:sp>
+        <p:nvSpPr>
+          <p:cNvPr id="2" name="Slide Image Placeholder 1"/>
+          <p:cNvSpPr>
+            <a:spLocks noGrp="1" noRot="1" noChangeAspect="1"/>
+          </p:cNvSpPr>
+          <p:nvPr>
+            <p:ph type="sldImg"/>
+          </p:nvPr>
+        </p:nvSpPr>
+        <p:spPr/>
+      </p:sp>
+      <p:sp>
+        <p:nvSpPr>
+          <p:cNvPr id="3" name="Notes Placeholder 2"/>
+          <p:cNvSpPr>
+            <a:spLocks noGrp="1"/>
+          </p:cNvSpPr>
+          <p:nvPr>
+            <p:ph type="body" idx="1"/>
+          </p:nvPr>
+        </p:nvSpPr>
+        <p:spPr/>
+        <p:txBody>
+          <a:bodyPr/>
+          <a:lstStyle/>
+          <a:p>
+            <a:r>
+              <a:rPr lang="en-US" dirty="0"/>
+              <a:t>What architecture it follows</a:t>
+            </a:r>
+          </a:p>
+          <a:p>
+            <a:r>
+              <a:rPr lang="en-US" dirty="0"/>
+              <a:t>What models, controllers and routes do</a:t>
+            </a:r>
+          </a:p>
+          <a:p>
+            <a:r>
+              <a:rPr lang="en-US" dirty="0"/>
+              <a:t>Security measures I implemented (mis </a:t>
+            </a:r>
+            <a:r>
+              <a:rPr lang="en-US" dirty="0" err="1"/>
+              <a:t>en</a:t>
+            </a:r>
+            <a:r>
+              <a:rPr lang="en-US" dirty="0"/>
+              <a:t> </a:t>
+            </a:r>
+            <a:r>
+              <a:rPr lang="en-US" dirty="0" err="1"/>
+              <a:t>oevre</a:t>
+            </a:r>
+            <a:r>
+              <a:rPr lang="en-US" dirty="0"/>
+              <a:t>)</a:t>
+            </a:r>
+            <a:endParaRPr lang="fr-FR" dirty="0"/>
+          </a:p>
+        </p:txBody>
+      </p:sp>
+      <p:sp>
+        <p:nvSpPr>
+          <p:cNvPr id="4" name="Slide Number Placeholder 3"/>
+          <p:cNvSpPr>
+            <a:spLocks noGrp="1"/>
+          </p:cNvSpPr>
+          <p:nvPr>
+            <p:ph type="sldNum" sz="quarter" idx="5"/>
+          </p:nvPr>
+        </p:nvSpPr>
+        <p:spPr/>
+        <p:txBody>
+          <a:bodyPr/>
+          <a:lstStyle/>
+          <a:p>
+            <a:fld id="{D6D60FB5-5EBC-4057-9FED-BC4DFF0A7531}" type="slidenum">
+              <a:rPr lang="fr-FR" smtClean="0"/>
+              <a:t>5</a:t>
+            </a:fld>
+            <a:endParaRPr lang="fr-FR"/>
+          </a:p>
+        </p:txBody>
+      </p:sp>
+    </p:spTree>
+    <p:extLst>
+      <p:ext uri="{BB962C8B-B14F-4D97-AF65-F5344CB8AC3E}">
+        <p14:creationId xmlns:p14="http://schemas.microsoft.com/office/powerpoint/2010/main" val="2826303201"/>
+      </p:ext>
+    </p:extLst>
+  </p:cSld>
+  <p:clrMapOvr>
+    <a:masterClrMapping/>
+  </p:clrMapOvr>
+</p:notes>
+</file>
+
+<file path=ppt/notesSlides/notesSlide6.xml><?xml version="1.0" encoding="utf-8"?>
+<p:notes xmlns:a="http://schemas.openxmlformats.org/drawingml/2006/main" xmlns:r="http://schemas.openxmlformats.org/officeDocument/2006/relationships" xmlns:p="http://schemas.openxmlformats.org/presentationml/2006/main">
+  <p:cSld>
+    <p:spTree>
+      <p:nvGrpSpPr>
+        <p:cNvPr id="1" name=""/>
+        <p:cNvGrpSpPr/>
+        <p:nvPr/>
+      </p:nvGrpSpPr>
+      <p:grpSpPr>
+        <a:xfrm>
+          <a:off x="0" y="0"/>
+          <a:ext cx="0" cy="0"/>
+          <a:chOff x="0" y="0"/>
+          <a:chExt cx="0" cy="0"/>
+        </a:xfrm>
+      </p:grpSpPr>
+      <p:sp>
+        <p:nvSpPr>
+          <p:cNvPr id="2" name="Slide Image Placeholder 1"/>
+          <p:cNvSpPr>
+            <a:spLocks noGrp="1" noRot="1" noChangeAspect="1"/>
+          </p:cNvSpPr>
+          <p:nvPr>
+            <p:ph type="sldImg"/>
+          </p:nvPr>
+        </p:nvSpPr>
+        <p:spPr/>
+      </p:sp>
+      <p:sp>
+        <p:nvSpPr>
+          <p:cNvPr id="3" name="Notes Placeholder 2"/>
+          <p:cNvSpPr>
+            <a:spLocks noGrp="1"/>
+          </p:cNvSpPr>
+          <p:nvPr>
+            <p:ph type="body" idx="1"/>
+          </p:nvPr>
+        </p:nvSpPr>
+        <p:spPr/>
+        <p:txBody>
+          <a:bodyPr/>
+          <a:lstStyle/>
+          <a:p>
+            <a:r>
+              <a:rPr lang="en-US" dirty="0"/>
+              <a:t>For the models:</a:t>
+            </a:r>
+          </a:p>
+          <a:p>
+            <a:r>
+              <a:rPr lang="en-US" dirty="0"/>
+              <a:t>How they are structured</a:t>
+            </a:r>
+            <a:endParaRPr lang="fr-FR" dirty="0"/>
+          </a:p>
+        </p:txBody>
+      </p:sp>
+      <p:sp>
+        <p:nvSpPr>
+          <p:cNvPr id="4" name="Slide Number Placeholder 3"/>
+          <p:cNvSpPr>
+            <a:spLocks noGrp="1"/>
+          </p:cNvSpPr>
+          <p:nvPr>
+            <p:ph type="sldNum" sz="quarter" idx="5"/>
+          </p:nvPr>
+        </p:nvSpPr>
+        <p:spPr/>
+        <p:txBody>
+          <a:bodyPr/>
+          <a:lstStyle/>
+          <a:p>
+            <a:fld id="{D6D60FB5-5EBC-4057-9FED-BC4DFF0A7531}" type="slidenum">
+              <a:rPr lang="fr-FR" smtClean="0"/>
+              <a:t>6</a:t>
+            </a:fld>
+            <a:endParaRPr lang="fr-FR"/>
+          </a:p>
+        </p:txBody>
+      </p:sp>
+    </p:spTree>
+    <p:extLst>
+      <p:ext uri="{BB962C8B-B14F-4D97-AF65-F5344CB8AC3E}">
+        <p14:creationId xmlns:p14="http://schemas.microsoft.com/office/powerpoint/2010/main" val="2311320372"/>
+      </p:ext>
+    </p:extLst>
+  </p:cSld>
+  <p:clrMapOvr>
+    <a:masterClrMapping/>
+  </p:clrMapOvr>
+</p:notes>
+</file>
+
+<file path=ppt/notesSlides/notesSlide7.xml><?xml version="1.0" encoding="utf-8"?>
+<p:notes xmlns:a="http://schemas.openxmlformats.org/drawingml/2006/main" xmlns:r="http://schemas.openxmlformats.org/officeDocument/2006/relationships" xmlns:p="http://schemas.openxmlformats.org/presentationml/2006/main">
+  <p:cSld>
+    <p:spTree>
+      <p:nvGrpSpPr>
+        <p:cNvPr id="1" name=""/>
+        <p:cNvGrpSpPr/>
+        <p:nvPr/>
+      </p:nvGrpSpPr>
+      <p:grpSpPr>
+        <a:xfrm>
+          <a:off x="0" y="0"/>
+          <a:ext cx="0" cy="0"/>
+          <a:chOff x="0" y="0"/>
+          <a:chExt cx="0" cy="0"/>
+        </a:xfrm>
+      </p:grpSpPr>
+      <p:sp>
+        <p:nvSpPr>
+          <p:cNvPr id="2" name="Slide Image Placeholder 1"/>
+          <p:cNvSpPr>
+            <a:spLocks noGrp="1" noRot="1" noChangeAspect="1"/>
+          </p:cNvSpPr>
+          <p:nvPr>
+            <p:ph type="sldImg"/>
+          </p:nvPr>
+        </p:nvSpPr>
+        <p:spPr/>
+      </p:sp>
+      <p:sp>
+        <p:nvSpPr>
+          <p:cNvPr id="3" name="Notes Placeholder 2"/>
+          <p:cNvSpPr>
+            <a:spLocks noGrp="1"/>
+          </p:cNvSpPr>
+          <p:nvPr>
+            <p:ph type="body" idx="1"/>
+          </p:nvPr>
+        </p:nvSpPr>
+        <p:spPr/>
+        <p:txBody>
+          <a:bodyPr/>
+          <a:lstStyle/>
+          <a:p>
+            <a:r>
+              <a:rPr lang="en-US" dirty="0"/>
+              <a:t>Controllers and</a:t>
+            </a:r>
+            <a:endParaRPr lang="fr-FR" dirty="0"/>
+          </a:p>
+        </p:txBody>
+      </p:sp>
+      <p:sp>
+        <p:nvSpPr>
+          <p:cNvPr id="4" name="Slide Number Placeholder 3"/>
+          <p:cNvSpPr>
+            <a:spLocks noGrp="1"/>
+          </p:cNvSpPr>
+          <p:nvPr>
+            <p:ph type="sldNum" sz="quarter" idx="5"/>
+          </p:nvPr>
+        </p:nvSpPr>
+        <p:spPr/>
+        <p:txBody>
+          <a:bodyPr/>
+          <a:lstStyle/>
+          <a:p>
+            <a:fld id="{D6D60FB5-5EBC-4057-9FED-BC4DFF0A7531}" type="slidenum">
+              <a:rPr lang="fr-FR" smtClean="0"/>
+              <a:t>7</a:t>
+            </a:fld>
+            <a:endParaRPr lang="fr-FR"/>
+          </a:p>
+        </p:txBody>
+      </p:sp>
+    </p:spTree>
+    <p:extLst>
+      <p:ext uri="{BB962C8B-B14F-4D97-AF65-F5344CB8AC3E}">
+        <p14:creationId xmlns:p14="http://schemas.microsoft.com/office/powerpoint/2010/main" val="1565821955"/>
+      </p:ext>
+    </p:extLst>
+  </p:cSld>
+  <p:clrMapOvr>
+    <a:masterClrMapping/>
+  </p:clrMapOvr>
+</p:notes>
+</file>
+
+<file path=ppt/notesSlides/notesSlide8.xml><?xml version="1.0" encoding="utf-8"?>
+<p:notes xmlns:a="http://schemas.openxmlformats.org/drawingml/2006/main" xmlns:r="http://schemas.openxmlformats.org/officeDocument/2006/relationships" xmlns:p="http://schemas.openxmlformats.org/presentationml/2006/main">
+  <p:cSld>
+    <p:spTree>
+      <p:nvGrpSpPr>
+        <p:cNvPr id="1" name=""/>
+        <p:cNvGrpSpPr/>
+        <p:nvPr/>
+      </p:nvGrpSpPr>
+      <p:grpSpPr>
+        <a:xfrm>
+          <a:off x="0" y="0"/>
+          <a:ext cx="0" cy="0"/>
+          <a:chOff x="0" y="0"/>
+          <a:chExt cx="0" cy="0"/>
+        </a:xfrm>
+      </p:grpSpPr>
+      <p:sp>
+        <p:nvSpPr>
+          <p:cNvPr id="2" name="Slide Image Placeholder 1"/>
+          <p:cNvSpPr>
+            <a:spLocks noGrp="1" noRot="1" noChangeAspect="1"/>
+          </p:cNvSpPr>
+          <p:nvPr>
+            <p:ph type="sldImg"/>
+          </p:nvPr>
+        </p:nvSpPr>
+        <p:spPr/>
+      </p:sp>
+      <p:sp>
+        <p:nvSpPr>
+          <p:cNvPr id="3" name="Notes Placeholder 2"/>
+          <p:cNvSpPr>
+            <a:spLocks noGrp="1"/>
+          </p:cNvSpPr>
+          <p:nvPr>
+            <p:ph type="body" idx="1"/>
+          </p:nvPr>
+        </p:nvSpPr>
+        <p:spPr/>
+        <p:txBody>
+          <a:bodyPr/>
+          <a:lstStyle/>
+          <a:p>
+            <a:r>
+              <a:rPr lang="en-US" dirty="0"/>
+              <a:t>Routes vs Models</a:t>
+            </a:r>
+            <a:endParaRPr lang="fr-FR" dirty="0"/>
+          </a:p>
+        </p:txBody>
+      </p:sp>
+      <p:sp>
+        <p:nvSpPr>
+          <p:cNvPr id="4" name="Slide Number Placeholder 3"/>
+          <p:cNvSpPr>
+            <a:spLocks noGrp="1"/>
+          </p:cNvSpPr>
+          <p:nvPr>
+            <p:ph type="sldNum" sz="quarter" idx="5"/>
+          </p:nvPr>
+        </p:nvSpPr>
+        <p:spPr/>
+        <p:txBody>
+          <a:bodyPr/>
+          <a:lstStyle/>
+          <a:p>
+            <a:fld id="{D6D60FB5-5EBC-4057-9FED-BC4DFF0A7531}" type="slidenum">
+              <a:rPr lang="fr-FR" smtClean="0"/>
+              <a:t>8</a:t>
+            </a:fld>
+            <a:endParaRPr lang="fr-FR"/>
+          </a:p>
+        </p:txBody>
+      </p:sp>
+    </p:spTree>
+    <p:extLst>
+      <p:ext uri="{BB962C8B-B14F-4D97-AF65-F5344CB8AC3E}">
+        <p14:creationId xmlns:p14="http://schemas.microsoft.com/office/powerpoint/2010/main" val="3576046380"/>
+      </p:ext>
+    </p:extLst>
+  </p:cSld>
+  <p:clrMapOvr>
+    <a:masterClrMapping/>
+  </p:clrMapOvr>
+</p:notes>
+</file>
+
+<file path=ppt/notesSlides/notesSlide9.xml><?xml version="1.0" encoding="utf-8"?>
+<p:notes xmlns:a="http://schemas.openxmlformats.org/drawingml/2006/main" xmlns:r="http://schemas.openxmlformats.org/officeDocument/2006/relationships" xmlns:p="http://schemas.openxmlformats.org/presentationml/2006/main">
+  <p:cSld>
+    <p:spTree>
+      <p:nvGrpSpPr>
+        <p:cNvPr id="1" name=""/>
+        <p:cNvGrpSpPr/>
+        <p:nvPr/>
+      </p:nvGrpSpPr>
+      <p:grpSpPr>
+        <a:xfrm>
+          <a:off x="0" y="0"/>
+          <a:ext cx="0" cy="0"/>
+          <a:chOff x="0" y="0"/>
+          <a:chExt cx="0" cy="0"/>
+        </a:xfrm>
+      </p:grpSpPr>
+      <p:sp>
+        <p:nvSpPr>
+          <p:cNvPr id="2" name="Slide Image Placeholder 1"/>
+          <p:cNvSpPr>
+            <a:spLocks noGrp="1" noRot="1" noChangeAspect="1"/>
+          </p:cNvSpPr>
+          <p:nvPr>
+            <p:ph type="sldImg"/>
+          </p:nvPr>
+        </p:nvSpPr>
+        <p:spPr/>
+      </p:sp>
+      <p:sp>
+        <p:nvSpPr>
+          <p:cNvPr id="3" name="Notes Placeholder 2"/>
+          <p:cNvSpPr>
+            <a:spLocks noGrp="1"/>
+          </p:cNvSpPr>
+          <p:nvPr>
+            <p:ph type="body" idx="1"/>
+          </p:nvPr>
+        </p:nvSpPr>
+        <p:spPr/>
+        <p:txBody>
+          <a:bodyPr/>
+          <a:lstStyle/>
+          <a:p>
+            <a:r>
+              <a:rPr lang="en-US" dirty="0"/>
+              <a:t>What is it based on (components of Next)</a:t>
+            </a:r>
+          </a:p>
+          <a:p>
+            <a:r>
+              <a:rPr lang="en-US" dirty="0"/>
+              <a:t>Created UI</a:t>
+            </a:r>
+          </a:p>
+          <a:p>
+            <a:r>
+              <a:rPr lang="en-US" dirty="0"/>
+              <a:t>Managed state</a:t>
+            </a:r>
+          </a:p>
+          <a:p>
+            <a:r>
+              <a:rPr lang="en-US" dirty="0"/>
+              <a:t>Integrated API</a:t>
+            </a:r>
+            <a:endParaRPr lang="fr-FR" dirty="0"/>
+          </a:p>
+        </p:txBody>
+      </p:sp>
+      <p:sp>
+        <p:nvSpPr>
+          <p:cNvPr id="4" name="Slide Number Placeholder 3"/>
+          <p:cNvSpPr>
+            <a:spLocks noGrp="1"/>
+          </p:cNvSpPr>
+          <p:nvPr>
+            <p:ph type="sldNum" sz="quarter" idx="5"/>
+          </p:nvPr>
+        </p:nvSpPr>
+        <p:spPr/>
+        <p:txBody>
+          <a:bodyPr/>
+          <a:lstStyle/>
+          <a:p>
+            <a:fld id="{D6D60FB5-5EBC-4057-9FED-BC4DFF0A7531}" type="slidenum">
+              <a:rPr lang="fr-FR" smtClean="0"/>
+              <a:t>9</a:t>
+            </a:fld>
+            <a:endParaRPr lang="fr-FR"/>
+          </a:p>
+        </p:txBody>
+      </p:sp>
+    </p:spTree>
+    <p:extLst>
+      <p:ext uri="{BB962C8B-B14F-4D97-AF65-F5344CB8AC3E}">
+        <p14:creationId xmlns:p14="http://schemas.microsoft.com/office/powerpoint/2010/main" val="2345108294"/>
+      </p:ext>
+    </p:extLst>
+  </p:cSld>
+  <p:clrMapOvr>
+    <a:masterClrMapping/>
+  </p:clrMapOvr>
+</p:notes>
 </file>
 
 <file path=ppt/slideLayouts/slideLayout1.xml><?xml version="1.0" encoding="utf-8"?>
@@ -281,7 +1884,7 @@
           <a:p>
             <a:fld id="{D85CDBF1-970C-4EE7-B49A-41DD4DCEF239}" type="datetimeFigureOut">
               <a:rPr lang="fr-FR" smtClean="0"/>
-              <a:t>05/03/2025</a:t>
+              <a:t>06/03/2025</a:t>
             </a:fld>
             <a:endParaRPr lang="fr-FR"/>
           </a:p>
@@ -481,7 +2084,7 @@
           <a:p>
             <a:fld id="{D85CDBF1-970C-4EE7-B49A-41DD4DCEF239}" type="datetimeFigureOut">
               <a:rPr lang="fr-FR" smtClean="0"/>
-              <a:t>05/03/2025</a:t>
+              <a:t>06/03/2025</a:t>
             </a:fld>
             <a:endParaRPr lang="fr-FR"/>
           </a:p>
@@ -691,7 +2294,7 @@
           <a:p>
             <a:fld id="{D85CDBF1-970C-4EE7-B49A-41DD4DCEF239}" type="datetimeFigureOut">
               <a:rPr lang="fr-FR" smtClean="0"/>
-              <a:t>05/03/2025</a:t>
+              <a:t>06/03/2025</a:t>
             </a:fld>
             <a:endParaRPr lang="fr-FR"/>
           </a:p>
@@ -891,7 +2494,7 @@
           <a:p>
             <a:fld id="{D85CDBF1-970C-4EE7-B49A-41DD4DCEF239}" type="datetimeFigureOut">
               <a:rPr lang="fr-FR" smtClean="0"/>
-              <a:t>05/03/2025</a:t>
+              <a:t>06/03/2025</a:t>
             </a:fld>
             <a:endParaRPr lang="fr-FR"/>
           </a:p>
@@ -1167,7 +2770,7 @@
           <a:p>
             <a:fld id="{D85CDBF1-970C-4EE7-B49A-41DD4DCEF239}" type="datetimeFigureOut">
               <a:rPr lang="fr-FR" smtClean="0"/>
-              <a:t>05/03/2025</a:t>
+              <a:t>06/03/2025</a:t>
             </a:fld>
             <a:endParaRPr lang="fr-FR"/>
           </a:p>
@@ -1435,7 +3038,7 @@
           <a:p>
             <a:fld id="{D85CDBF1-970C-4EE7-B49A-41DD4DCEF239}" type="datetimeFigureOut">
               <a:rPr lang="fr-FR" smtClean="0"/>
-              <a:t>05/03/2025</a:t>
+              <a:t>06/03/2025</a:t>
             </a:fld>
             <a:endParaRPr lang="fr-FR"/>
           </a:p>
@@ -1850,7 +3453,7 @@
           <a:p>
             <a:fld id="{D85CDBF1-970C-4EE7-B49A-41DD4DCEF239}" type="datetimeFigureOut">
               <a:rPr lang="fr-FR" smtClean="0"/>
-              <a:t>05/03/2025</a:t>
+              <a:t>06/03/2025</a:t>
             </a:fld>
             <a:endParaRPr lang="fr-FR"/>
           </a:p>
@@ -1992,7 +3595,7 @@
           <a:p>
             <a:fld id="{D85CDBF1-970C-4EE7-B49A-41DD4DCEF239}" type="datetimeFigureOut">
               <a:rPr lang="fr-FR" smtClean="0"/>
-              <a:t>05/03/2025</a:t>
+              <a:t>06/03/2025</a:t>
             </a:fld>
             <a:endParaRPr lang="fr-FR"/>
           </a:p>
@@ -2105,7 +3708,7 @@
           <a:p>
             <a:fld id="{D85CDBF1-970C-4EE7-B49A-41DD4DCEF239}" type="datetimeFigureOut">
               <a:rPr lang="fr-FR" smtClean="0"/>
-              <a:t>05/03/2025</a:t>
+              <a:t>06/03/2025</a:t>
             </a:fld>
             <a:endParaRPr lang="fr-FR"/>
           </a:p>
@@ -2418,7 +4021,7 @@
           <a:p>
             <a:fld id="{D85CDBF1-970C-4EE7-B49A-41DD4DCEF239}" type="datetimeFigureOut">
               <a:rPr lang="fr-FR" smtClean="0"/>
-              <a:t>05/03/2025</a:t>
+              <a:t>06/03/2025</a:t>
             </a:fld>
             <a:endParaRPr lang="fr-FR"/>
           </a:p>
@@ -2707,7 +4310,7 @@
           <a:p>
             <a:fld id="{D85CDBF1-970C-4EE7-B49A-41DD4DCEF239}" type="datetimeFigureOut">
               <a:rPr lang="fr-FR" smtClean="0"/>
-              <a:t>05/03/2025</a:t>
+              <a:t>06/03/2025</a:t>
             </a:fld>
             <a:endParaRPr lang="fr-FR"/>
           </a:p>
@@ -2950,7 +4553,7 @@
           <a:p>
             <a:fld id="{D85CDBF1-970C-4EE7-B49A-41DD4DCEF239}" type="datetimeFigureOut">
               <a:rPr lang="fr-FR" smtClean="0"/>
-              <a:t>05/03/2025</a:t>
+              <a:t>06/03/2025</a:t>
             </a:fld>
             <a:endParaRPr lang="fr-FR"/>
           </a:p>
@@ -3473,7 +5076,7 @@
           <p:nvPr/>
         </p:nvPicPr>
         <p:blipFill>
-          <a:blip r:embed="rId2">
+          <a:blip r:embed="rId3">
             <a:extLst>
               <a:ext uri="{28A0092B-C50C-407E-A947-70E740481C1C}">
                 <a14:useLocalDpi xmlns:a14="http://schemas.microsoft.com/office/drawing/2010/main" val="0"/>
@@ -3638,7 +5241,7 @@
           <p:nvPr/>
         </p:nvPicPr>
         <p:blipFill>
-          <a:blip r:embed="rId2">
+          <a:blip r:embed="rId3">
             <a:extLst>
               <a:ext uri="{28A0092B-C50C-407E-A947-70E740481C1C}">
                 <a14:useLocalDpi xmlns:a14="http://schemas.microsoft.com/office/drawing/2010/main" val="0"/>
@@ -3809,7 +5412,7 @@
           <p:nvPr/>
         </p:nvPicPr>
         <p:blipFill>
-          <a:blip r:embed="rId2">
+          <a:blip r:embed="rId3">
             <a:extLst>
               <a:ext uri="{28A0092B-C50C-407E-A947-70E740481C1C}">
                 <a14:useLocalDpi xmlns:a14="http://schemas.microsoft.com/office/drawing/2010/main" val="0"/>
@@ -3980,7 +5583,7 @@
           <p:nvPr/>
         </p:nvPicPr>
         <p:blipFill>
-          <a:blip r:embed="rId2">
+          <a:blip r:embed="rId3">
             <a:extLst>
               <a:ext uri="{28A0092B-C50C-407E-A947-70E740481C1C}">
                 <a14:useLocalDpi xmlns:a14="http://schemas.microsoft.com/office/drawing/2010/main" val="0"/>
@@ -6595,7 +8198,7 @@
           <p:nvPr/>
         </p:nvPicPr>
         <p:blipFill>
-          <a:blip r:embed="rId2">
+          <a:blip r:embed="rId3">
             <a:extLst>
               <a:ext uri="{28A0092B-C50C-407E-A947-70E740481C1C}">
                 <a14:useLocalDpi xmlns:a14="http://schemas.microsoft.com/office/drawing/2010/main" val="0"/>
@@ -6766,7 +8369,7 @@
           <p:nvPr/>
         </p:nvPicPr>
         <p:blipFill>
-          <a:blip r:embed="rId2">
+          <a:blip r:embed="rId3">
             <a:extLst>
               <a:ext uri="{28A0092B-C50C-407E-A947-70E740481C1C}">
                 <a14:useLocalDpi xmlns:a14="http://schemas.microsoft.com/office/drawing/2010/main" val="0"/>
@@ -6937,7 +8540,7 @@
           <p:nvPr/>
         </p:nvPicPr>
         <p:blipFill>
-          <a:blip r:embed="rId2">
+          <a:blip r:embed="rId3">
             <a:extLst>
               <a:ext uri="{28A0092B-C50C-407E-A947-70E740481C1C}">
                 <a14:useLocalDpi xmlns:a14="http://schemas.microsoft.com/office/drawing/2010/main" val="0"/>
@@ -7471,4 +9074,319 @@
     </a:ext>
   </a:extLst>
 </a:theme>
+</file>
+
+<file path=ppt/theme/theme2.xml><?xml version="1.0" encoding="utf-8"?>
+<a:theme xmlns:a="http://schemas.openxmlformats.org/drawingml/2006/main" name="Office Theme">
+  <a:themeElements>
+    <a:clrScheme name="Office">
+      <a:dk1>
+        <a:sysClr val="windowText" lastClr="000000"/>
+      </a:dk1>
+      <a:lt1>
+        <a:sysClr val="window" lastClr="FFFFFF"/>
+      </a:lt1>
+      <a:dk2>
+        <a:srgbClr val="0E2841"/>
+      </a:dk2>
+      <a:lt2>
+        <a:srgbClr val="E8E8E8"/>
+      </a:lt2>
+      <a:accent1>
+        <a:srgbClr val="156082"/>
+      </a:accent1>
+      <a:accent2>
+        <a:srgbClr val="E97132"/>
+      </a:accent2>
+      <a:accent3>
+        <a:srgbClr val="196B24"/>
+      </a:accent3>
+      <a:accent4>
+        <a:srgbClr val="0F9ED5"/>
+      </a:accent4>
+      <a:accent5>
+        <a:srgbClr val="A02B93"/>
+      </a:accent5>
+      <a:accent6>
+        <a:srgbClr val="4EA72E"/>
+      </a:accent6>
+      <a:hlink>
+        <a:srgbClr val="467886"/>
+      </a:hlink>
+      <a:folHlink>
+        <a:srgbClr val="96607D"/>
+      </a:folHlink>
+    </a:clrScheme>
+    <a:fontScheme name="Office">
+      <a:majorFont>
+        <a:latin typeface="Aptos Display" panose="02110004020202020204"/>
+        <a:ea typeface=""/>
+        <a:cs typeface=""/>
+        <a:font script="Jpan" typeface="游ゴシック Light"/>
+        <a:font script="Hang" typeface="맑은 고딕"/>
+        <a:font script="Hans" typeface="等线 Light"/>
+        <a:font script="Hant" typeface="新細明體"/>
+        <a:font script="Arab" typeface="Times New Roman"/>
+        <a:font script="Hebr" typeface="Times New Roman"/>
+        <a:font script="Thai" typeface="Angsana New"/>
+        <a:font script="Ethi" typeface="Nyala"/>
+        <a:font script="Beng" typeface="Vrinda"/>
+        <a:font script="Gujr" typeface="Shruti"/>
+        <a:font script="Khmr" typeface="MoolBoran"/>
+        <a:font script="Knda" typeface="Tunga"/>
+        <a:font script="Guru" typeface="Raavi"/>
+        <a:font script="Cans" typeface="Euphemia"/>
+        <a:font script="Cher" typeface="Plantagenet Cherokee"/>
+        <a:font script="Yiii" typeface="Microsoft Yi Baiti"/>
+        <a:font script="Tibt" typeface="Microsoft Himalaya"/>
+        <a:font script="Thaa" typeface="MV Boli"/>
+        <a:font script="Deva" typeface="Mangal"/>
+        <a:font script="Telu" typeface="Gautami"/>
+        <a:font script="Taml" typeface="Latha"/>
+        <a:font script="Syrc" typeface="Estrangelo Edessa"/>
+        <a:font script="Orya" typeface="Kalinga"/>
+        <a:font script="Mlym" typeface="Kartika"/>
+        <a:font script="Laoo" typeface="DokChampa"/>
+        <a:font script="Sinh" typeface="Iskoola Pota"/>
+        <a:font script="Mong" typeface="Mongolian Baiti"/>
+        <a:font script="Viet" typeface="Times New Roman"/>
+        <a:font script="Uigh" typeface="Microsoft Uighur"/>
+        <a:font script="Geor" typeface="Sylfaen"/>
+        <a:font script="Armn" typeface="Arial"/>
+        <a:font script="Bugi" typeface="Leelawadee UI"/>
+        <a:font script="Bopo" typeface="Microsoft JhengHei"/>
+        <a:font script="Java" typeface="Javanese Text"/>
+        <a:font script="Lisu" typeface="Segoe UI"/>
+        <a:font script="Mymr" typeface="Myanmar Text"/>
+        <a:font script="Nkoo" typeface="Ebrima"/>
+        <a:font script="Olck" typeface="Nirmala UI"/>
+        <a:font script="Osma" typeface="Ebrima"/>
+        <a:font script="Phag" typeface="Phagspa"/>
+        <a:font script="Syrn" typeface="Estrangelo Edessa"/>
+        <a:font script="Syrj" typeface="Estrangelo Edessa"/>
+        <a:font script="Syre" typeface="Estrangelo Edessa"/>
+        <a:font script="Sora" typeface="Nirmala UI"/>
+        <a:font script="Tale" typeface="Microsoft Tai Le"/>
+        <a:font script="Talu" typeface="Microsoft New Tai Lue"/>
+        <a:font script="Tfng" typeface="Ebrima"/>
+      </a:majorFont>
+      <a:minorFont>
+        <a:latin typeface="Aptos" panose="02110004020202020204"/>
+        <a:ea typeface=""/>
+        <a:cs typeface=""/>
+        <a:font script="Jpan" typeface="游ゴシック"/>
+        <a:font script="Hang" typeface="맑은 고딕"/>
+        <a:font script="Hans" typeface="等线"/>
+        <a:font script="Hant" typeface="新細明體"/>
+        <a:font script="Arab" typeface="Arial"/>
+        <a:font script="Hebr" typeface="Arial"/>
+        <a:font script="Thai" typeface="Cordia New"/>
+        <a:font script="Ethi" typeface="Nyala"/>
+        <a:font script="Beng" typeface="Vrinda"/>
+        <a:font script="Gujr" typeface="Shruti"/>
+        <a:font script="Khmr" typeface="DaunPenh"/>
+        <a:font script="Knda" typeface="Tunga"/>
+        <a:font script="Guru" typeface="Raavi"/>
+        <a:font script="Cans" typeface="Euphemia"/>
+        <a:font script="Cher" typeface="Plantagenet Cherokee"/>
+        <a:font script="Yiii" typeface="Microsoft Yi Baiti"/>
+        <a:font script="Tibt" typeface="Microsoft Himalaya"/>
+        <a:font script="Thaa" typeface="MV Boli"/>
+        <a:font script="Deva" typeface="Mangal"/>
+        <a:font script="Telu" typeface="Gautami"/>
+        <a:font script="Taml" typeface="Latha"/>
+        <a:font script="Syrc" typeface="Estrangelo Edessa"/>
+        <a:font script="Orya" typeface="Kalinga"/>
+        <a:font script="Mlym" typeface="Kartika"/>
+        <a:font script="Laoo" typeface="DokChampa"/>
+        <a:font script="Sinh" typeface="Iskoola Pota"/>
+        <a:font script="Mong" typeface="Mongolian Baiti"/>
+        <a:font script="Viet" typeface="Arial"/>
+        <a:font script="Uigh" typeface="Microsoft Uighur"/>
+        <a:font script="Geor" typeface="Sylfaen"/>
+        <a:font script="Armn" typeface="Arial"/>
+        <a:font script="Bugi" typeface="Leelawadee UI"/>
+        <a:font script="Bopo" typeface="Microsoft JhengHei"/>
+        <a:font script="Java" typeface="Javanese Text"/>
+        <a:font script="Lisu" typeface="Segoe UI"/>
+        <a:font script="Mymr" typeface="Myanmar Text"/>
+        <a:font script="Nkoo" typeface="Ebrima"/>
+        <a:font script="Olck" typeface="Nirmala UI"/>
+        <a:font script="Osma" typeface="Ebrima"/>
+        <a:font script="Phag" typeface="Phagspa"/>
+        <a:font script="Syrn" typeface="Estrangelo Edessa"/>
+        <a:font script="Syrj" typeface="Estrangelo Edessa"/>
+        <a:font script="Syre" typeface="Estrangelo Edessa"/>
+        <a:font script="Sora" typeface="Nirmala UI"/>
+        <a:font script="Tale" typeface="Microsoft Tai Le"/>
+        <a:font script="Talu" typeface="Microsoft New Tai Lue"/>
+        <a:font script="Tfng" typeface="Ebrima"/>
+      </a:minorFont>
+    </a:fontScheme>
+    <a:fmtScheme name="Office">
+      <a:fillStyleLst>
+        <a:solidFill>
+          <a:schemeClr val="phClr"/>
+        </a:solidFill>
+        <a:gradFill rotWithShape="1">
+          <a:gsLst>
+            <a:gs pos="0">
+              <a:schemeClr val="phClr">
+                <a:lumMod val="110000"/>
+                <a:satMod val="105000"/>
+                <a:tint val="67000"/>
+              </a:schemeClr>
+            </a:gs>
+            <a:gs pos="50000">
+              <a:schemeClr val="phClr">
+                <a:lumMod val="105000"/>
+                <a:satMod val="103000"/>
+                <a:tint val="73000"/>
+              </a:schemeClr>
+            </a:gs>
+            <a:gs pos="100000">
+              <a:schemeClr val="phClr">
+                <a:lumMod val="105000"/>
+                <a:satMod val="109000"/>
+                <a:tint val="81000"/>
+              </a:schemeClr>
+            </a:gs>
+          </a:gsLst>
+          <a:lin ang="5400000" scaled="0"/>
+        </a:gradFill>
+        <a:gradFill rotWithShape="1">
+          <a:gsLst>
+            <a:gs pos="0">
+              <a:schemeClr val="phClr">
+                <a:satMod val="103000"/>
+                <a:lumMod val="102000"/>
+                <a:tint val="94000"/>
+              </a:schemeClr>
+            </a:gs>
+            <a:gs pos="50000">
+              <a:schemeClr val="phClr">
+                <a:satMod val="110000"/>
+                <a:lumMod val="100000"/>
+                <a:shade val="100000"/>
+              </a:schemeClr>
+            </a:gs>
+            <a:gs pos="100000">
+              <a:schemeClr val="phClr">
+                <a:lumMod val="99000"/>
+                <a:satMod val="120000"/>
+                <a:shade val="78000"/>
+              </a:schemeClr>
+            </a:gs>
+          </a:gsLst>
+          <a:lin ang="5400000" scaled="0"/>
+        </a:gradFill>
+      </a:fillStyleLst>
+      <a:lnStyleLst>
+        <a:ln w="12700" cap="flat" cmpd="sng" algn="ctr">
+          <a:solidFill>
+            <a:schemeClr val="phClr"/>
+          </a:solidFill>
+          <a:prstDash val="solid"/>
+          <a:miter lim="800000"/>
+        </a:ln>
+        <a:ln w="19050" cap="flat" cmpd="sng" algn="ctr">
+          <a:solidFill>
+            <a:schemeClr val="phClr"/>
+          </a:solidFill>
+          <a:prstDash val="solid"/>
+          <a:miter lim="800000"/>
+        </a:ln>
+        <a:ln w="25400" cap="flat" cmpd="sng" algn="ctr">
+          <a:solidFill>
+            <a:schemeClr val="phClr"/>
+          </a:solidFill>
+          <a:prstDash val="solid"/>
+          <a:miter lim="800000"/>
+        </a:ln>
+      </a:lnStyleLst>
+      <a:effectStyleLst>
+        <a:effectStyle>
+          <a:effectLst/>
+        </a:effectStyle>
+        <a:effectStyle>
+          <a:effectLst/>
+        </a:effectStyle>
+        <a:effectStyle>
+          <a:effectLst>
+            <a:outerShdw blurRad="57150" dist="19050" dir="5400000" algn="ctr" rotWithShape="0">
+              <a:srgbClr val="000000">
+                <a:alpha val="63000"/>
+              </a:srgbClr>
+            </a:outerShdw>
+          </a:effectLst>
+        </a:effectStyle>
+      </a:effectStyleLst>
+      <a:bgFillStyleLst>
+        <a:solidFill>
+          <a:schemeClr val="phClr"/>
+        </a:solidFill>
+        <a:solidFill>
+          <a:schemeClr val="phClr">
+            <a:tint val="95000"/>
+            <a:satMod val="170000"/>
+          </a:schemeClr>
+        </a:solidFill>
+        <a:gradFill rotWithShape="1">
+          <a:gsLst>
+            <a:gs pos="0">
+              <a:schemeClr val="phClr">
+                <a:tint val="93000"/>
+                <a:satMod val="150000"/>
+                <a:shade val="98000"/>
+                <a:lumMod val="102000"/>
+              </a:schemeClr>
+            </a:gs>
+            <a:gs pos="50000">
+              <a:schemeClr val="phClr">
+                <a:tint val="98000"/>
+                <a:satMod val="130000"/>
+                <a:shade val="90000"/>
+                <a:lumMod val="103000"/>
+              </a:schemeClr>
+            </a:gs>
+            <a:gs pos="100000">
+              <a:schemeClr val="phClr">
+                <a:shade val="63000"/>
+                <a:satMod val="120000"/>
+              </a:schemeClr>
+            </a:gs>
+          </a:gsLst>
+          <a:lin ang="5400000" scaled="0"/>
+        </a:gradFill>
+      </a:bgFillStyleLst>
+    </a:fmtScheme>
+  </a:themeElements>
+  <a:objectDefaults>
+    <a:lnDef>
+      <a:spPr/>
+      <a:bodyPr/>
+      <a:lstStyle/>
+      <a:style>
+        <a:lnRef idx="2">
+          <a:schemeClr val="accent1"/>
+        </a:lnRef>
+        <a:fillRef idx="0">
+          <a:schemeClr val="accent1"/>
+        </a:fillRef>
+        <a:effectRef idx="1">
+          <a:schemeClr val="accent1"/>
+        </a:effectRef>
+        <a:fontRef idx="minor">
+          <a:schemeClr val="tx1"/>
+        </a:fontRef>
+      </a:style>
+    </a:lnDef>
+  </a:objectDefaults>
+  <a:extraClrSchemeLst/>
+  <a:extLst>
+    <a:ext uri="{05A4C25C-085E-4340-85A3-A5531E510DB2}">
+      <thm15:themeFamily xmlns:thm15="http://schemas.microsoft.com/office/thememl/2012/main" name="Office Theme" id="{2E142A2C-CD16-42D6-873A-C26D2A0506FA}" vid="{1BDDFF52-6CD6-40A5-AB3C-68EB2F1E4D0A}"/>
+    </a:ext>
+  </a:extLst>
+</a:theme>
 </file>
--- a/to_send/presentation_fr.pptx
+++ b/to_send/presentation_fr.pptx
@@ -220,7 +220,7 @@
           <a:p>
             <a:fld id="{B999FF37-C543-4EA9-B67D-285E87A1D501}" type="datetimeFigureOut">
               <a:rPr lang="fr-FR" smtClean="0"/>
-              <a:t>06/03/2025</a:t>
+              <a:t>15/03/2025</a:t>
             </a:fld>
             <a:endParaRPr lang="fr-FR"/>
           </a:p>
@@ -909,7 +909,7 @@
           <a:bodyPr/>
           <a:lstStyle/>
           <a:p>
-            <a:endParaRPr lang="fr-FR"/>
+            <a:endParaRPr lang="fr-FR" dirty="0"/>
           </a:p>
         </p:txBody>
       </p:sp>
@@ -940,6 +940,522 @@
     <p:extLst>
       <p:ext uri="{BB962C8B-B14F-4D97-AF65-F5344CB8AC3E}">
         <p14:creationId xmlns:p14="http://schemas.microsoft.com/office/powerpoint/2010/main" val="3819191167"/>
+      </p:ext>
+    </p:extLst>
+  </p:cSld>
+  <p:clrMapOvr>
+    <a:masterClrMapping/>
+  </p:clrMapOvr>
+</p:notes>
+</file>
+
+<file path=ppt/notesSlides/notesSlide14.xml><?xml version="1.0" encoding="utf-8"?>
+<p:notes xmlns:a="http://schemas.openxmlformats.org/drawingml/2006/main" xmlns:r="http://schemas.openxmlformats.org/officeDocument/2006/relationships" xmlns:p="http://schemas.openxmlformats.org/presentationml/2006/main">
+  <p:cSld>
+    <p:spTree>
+      <p:nvGrpSpPr>
+        <p:cNvPr id="1" name=""/>
+        <p:cNvGrpSpPr/>
+        <p:nvPr/>
+      </p:nvGrpSpPr>
+      <p:grpSpPr>
+        <a:xfrm>
+          <a:off x="0" y="0"/>
+          <a:ext cx="0" cy="0"/>
+          <a:chOff x="0" y="0"/>
+          <a:chExt cx="0" cy="0"/>
+        </a:xfrm>
+      </p:grpSpPr>
+      <p:sp>
+        <p:nvSpPr>
+          <p:cNvPr id="2" name="Slide Image Placeholder 1"/>
+          <p:cNvSpPr>
+            <a:spLocks noGrp="1" noRot="1" noChangeAspect="1"/>
+          </p:cNvSpPr>
+          <p:nvPr>
+            <p:ph type="sldImg"/>
+          </p:nvPr>
+        </p:nvSpPr>
+        <p:spPr/>
+      </p:sp>
+      <p:sp>
+        <p:nvSpPr>
+          <p:cNvPr id="3" name="Notes Placeholder 2"/>
+          <p:cNvSpPr>
+            <a:spLocks noGrp="1"/>
+          </p:cNvSpPr>
+          <p:nvPr>
+            <p:ph type="body" idx="1"/>
+          </p:nvPr>
+        </p:nvSpPr>
+        <p:spPr/>
+        <p:txBody>
+          <a:bodyPr/>
+          <a:lstStyle/>
+          <a:p>
+            <a:endParaRPr lang="fr-FR" dirty="0"/>
+          </a:p>
+        </p:txBody>
+      </p:sp>
+      <p:sp>
+        <p:nvSpPr>
+          <p:cNvPr id="4" name="Slide Number Placeholder 3"/>
+          <p:cNvSpPr>
+            <a:spLocks noGrp="1"/>
+          </p:cNvSpPr>
+          <p:nvPr>
+            <p:ph type="sldNum" sz="quarter" idx="5"/>
+          </p:nvPr>
+        </p:nvSpPr>
+        <p:spPr/>
+        <p:txBody>
+          <a:bodyPr/>
+          <a:lstStyle/>
+          <a:p>
+            <a:fld id="{D6D60FB5-5EBC-4057-9FED-BC4DFF0A7531}" type="slidenum">
+              <a:rPr lang="fr-FR" smtClean="0"/>
+              <a:t>14</a:t>
+            </a:fld>
+            <a:endParaRPr lang="fr-FR"/>
+          </a:p>
+        </p:txBody>
+      </p:sp>
+    </p:spTree>
+    <p:extLst>
+      <p:ext uri="{BB962C8B-B14F-4D97-AF65-F5344CB8AC3E}">
+        <p14:creationId xmlns:p14="http://schemas.microsoft.com/office/powerpoint/2010/main" val="2918566930"/>
+      </p:ext>
+    </p:extLst>
+  </p:cSld>
+  <p:clrMapOvr>
+    <a:masterClrMapping/>
+  </p:clrMapOvr>
+</p:notes>
+</file>
+
+<file path=ppt/notesSlides/notesSlide15.xml><?xml version="1.0" encoding="utf-8"?>
+<p:notes xmlns:a="http://schemas.openxmlformats.org/drawingml/2006/main" xmlns:r="http://schemas.openxmlformats.org/officeDocument/2006/relationships" xmlns:p="http://schemas.openxmlformats.org/presentationml/2006/main">
+  <p:cSld>
+    <p:spTree>
+      <p:nvGrpSpPr>
+        <p:cNvPr id="1" name=""/>
+        <p:cNvGrpSpPr/>
+        <p:nvPr/>
+      </p:nvGrpSpPr>
+      <p:grpSpPr>
+        <a:xfrm>
+          <a:off x="0" y="0"/>
+          <a:ext cx="0" cy="0"/>
+          <a:chOff x="0" y="0"/>
+          <a:chExt cx="0" cy="0"/>
+        </a:xfrm>
+      </p:grpSpPr>
+      <p:sp>
+        <p:nvSpPr>
+          <p:cNvPr id="2" name="Slide Image Placeholder 1"/>
+          <p:cNvSpPr>
+            <a:spLocks noGrp="1" noRot="1" noChangeAspect="1"/>
+          </p:cNvSpPr>
+          <p:nvPr>
+            <p:ph type="sldImg"/>
+          </p:nvPr>
+        </p:nvSpPr>
+        <p:spPr/>
+      </p:sp>
+      <p:sp>
+        <p:nvSpPr>
+          <p:cNvPr id="3" name="Notes Placeholder 2"/>
+          <p:cNvSpPr>
+            <a:spLocks noGrp="1"/>
+          </p:cNvSpPr>
+          <p:nvPr>
+            <p:ph type="body" idx="1"/>
+          </p:nvPr>
+        </p:nvSpPr>
+        <p:spPr/>
+        <p:txBody>
+          <a:bodyPr/>
+          <a:lstStyle/>
+          <a:p>
+            <a:r>
+              <a:rPr lang="en-US" dirty="0"/>
+              <a:t>Same structure as the rest of the files</a:t>
+            </a:r>
+            <a:endParaRPr lang="fr-FR" dirty="0"/>
+          </a:p>
+        </p:txBody>
+      </p:sp>
+      <p:sp>
+        <p:nvSpPr>
+          <p:cNvPr id="4" name="Slide Number Placeholder 3"/>
+          <p:cNvSpPr>
+            <a:spLocks noGrp="1"/>
+          </p:cNvSpPr>
+          <p:nvPr>
+            <p:ph type="sldNum" sz="quarter" idx="5"/>
+          </p:nvPr>
+        </p:nvSpPr>
+        <p:spPr/>
+        <p:txBody>
+          <a:bodyPr/>
+          <a:lstStyle/>
+          <a:p>
+            <a:fld id="{D6D60FB5-5EBC-4057-9FED-BC4DFF0A7531}" type="slidenum">
+              <a:rPr lang="fr-FR" smtClean="0"/>
+              <a:t>15</a:t>
+            </a:fld>
+            <a:endParaRPr lang="fr-FR"/>
+          </a:p>
+        </p:txBody>
+      </p:sp>
+    </p:spTree>
+    <p:extLst>
+      <p:ext uri="{BB962C8B-B14F-4D97-AF65-F5344CB8AC3E}">
+        <p14:creationId xmlns:p14="http://schemas.microsoft.com/office/powerpoint/2010/main" val="4106575067"/>
+      </p:ext>
+    </p:extLst>
+  </p:cSld>
+  <p:clrMapOvr>
+    <a:masterClrMapping/>
+  </p:clrMapOvr>
+</p:notes>
+</file>
+
+<file path=ppt/notesSlides/notesSlide16.xml><?xml version="1.0" encoding="utf-8"?>
+<p:notes xmlns:a="http://schemas.openxmlformats.org/drawingml/2006/main" xmlns:r="http://schemas.openxmlformats.org/officeDocument/2006/relationships" xmlns:p="http://schemas.openxmlformats.org/presentationml/2006/main">
+  <p:cSld>
+    <p:spTree>
+      <p:nvGrpSpPr>
+        <p:cNvPr id="1" name=""/>
+        <p:cNvGrpSpPr/>
+        <p:nvPr/>
+      </p:nvGrpSpPr>
+      <p:grpSpPr>
+        <a:xfrm>
+          <a:off x="0" y="0"/>
+          <a:ext cx="0" cy="0"/>
+          <a:chOff x="0" y="0"/>
+          <a:chExt cx="0" cy="0"/>
+        </a:xfrm>
+      </p:grpSpPr>
+      <p:sp>
+        <p:nvSpPr>
+          <p:cNvPr id="2" name="Slide Image Placeholder 1"/>
+          <p:cNvSpPr>
+            <a:spLocks noGrp="1" noRot="1" noChangeAspect="1"/>
+          </p:cNvSpPr>
+          <p:nvPr>
+            <p:ph type="sldImg"/>
+          </p:nvPr>
+        </p:nvSpPr>
+        <p:spPr/>
+      </p:sp>
+      <p:sp>
+        <p:nvSpPr>
+          <p:cNvPr id="3" name="Notes Placeholder 2"/>
+          <p:cNvSpPr>
+            <a:spLocks noGrp="1"/>
+          </p:cNvSpPr>
+          <p:nvPr>
+            <p:ph type="body" idx="1"/>
+          </p:nvPr>
+        </p:nvSpPr>
+        <p:spPr/>
+        <p:txBody>
+          <a:bodyPr/>
+          <a:lstStyle/>
+          <a:p>
+            <a:endParaRPr lang="fr-FR" dirty="0"/>
+          </a:p>
+        </p:txBody>
+      </p:sp>
+      <p:sp>
+        <p:nvSpPr>
+          <p:cNvPr id="4" name="Slide Number Placeholder 3"/>
+          <p:cNvSpPr>
+            <a:spLocks noGrp="1"/>
+          </p:cNvSpPr>
+          <p:nvPr>
+            <p:ph type="sldNum" sz="quarter" idx="5"/>
+          </p:nvPr>
+        </p:nvSpPr>
+        <p:spPr/>
+        <p:txBody>
+          <a:bodyPr/>
+          <a:lstStyle/>
+          <a:p>
+            <a:fld id="{D6D60FB5-5EBC-4057-9FED-BC4DFF0A7531}" type="slidenum">
+              <a:rPr lang="fr-FR" smtClean="0"/>
+              <a:t>16</a:t>
+            </a:fld>
+            <a:endParaRPr lang="fr-FR"/>
+          </a:p>
+        </p:txBody>
+      </p:sp>
+    </p:spTree>
+    <p:extLst>
+      <p:ext uri="{BB962C8B-B14F-4D97-AF65-F5344CB8AC3E}">
+        <p14:creationId xmlns:p14="http://schemas.microsoft.com/office/powerpoint/2010/main" val="189407411"/>
+      </p:ext>
+    </p:extLst>
+  </p:cSld>
+  <p:clrMapOvr>
+    <a:masterClrMapping/>
+  </p:clrMapOvr>
+</p:notes>
+</file>
+
+<file path=ppt/notesSlides/notesSlide17.xml><?xml version="1.0" encoding="utf-8"?>
+<p:notes xmlns:a="http://schemas.openxmlformats.org/drawingml/2006/main" xmlns:r="http://schemas.openxmlformats.org/officeDocument/2006/relationships" xmlns:p="http://schemas.openxmlformats.org/presentationml/2006/main">
+  <p:cSld>
+    <p:spTree>
+      <p:nvGrpSpPr>
+        <p:cNvPr id="1" name=""/>
+        <p:cNvGrpSpPr/>
+        <p:nvPr/>
+      </p:nvGrpSpPr>
+      <p:grpSpPr>
+        <a:xfrm>
+          <a:off x="0" y="0"/>
+          <a:ext cx="0" cy="0"/>
+          <a:chOff x="0" y="0"/>
+          <a:chExt cx="0" cy="0"/>
+        </a:xfrm>
+      </p:grpSpPr>
+      <p:sp>
+        <p:nvSpPr>
+          <p:cNvPr id="2" name="Slide Image Placeholder 1"/>
+          <p:cNvSpPr>
+            <a:spLocks noGrp="1" noRot="1" noChangeAspect="1"/>
+          </p:cNvSpPr>
+          <p:nvPr>
+            <p:ph type="sldImg"/>
+          </p:nvPr>
+        </p:nvSpPr>
+        <p:spPr/>
+      </p:sp>
+      <p:sp>
+        <p:nvSpPr>
+          <p:cNvPr id="3" name="Notes Placeholder 2"/>
+          <p:cNvSpPr>
+            <a:spLocks noGrp="1"/>
+          </p:cNvSpPr>
+          <p:nvPr>
+            <p:ph type="body" idx="1"/>
+          </p:nvPr>
+        </p:nvSpPr>
+        <p:spPr/>
+        <p:txBody>
+          <a:bodyPr/>
+          <a:lstStyle/>
+          <a:p>
+            <a:endParaRPr lang="fr-FR" dirty="0"/>
+          </a:p>
+        </p:txBody>
+      </p:sp>
+      <p:sp>
+        <p:nvSpPr>
+          <p:cNvPr id="4" name="Slide Number Placeholder 3"/>
+          <p:cNvSpPr>
+            <a:spLocks noGrp="1"/>
+          </p:cNvSpPr>
+          <p:nvPr>
+            <p:ph type="sldNum" sz="quarter" idx="5"/>
+          </p:nvPr>
+        </p:nvSpPr>
+        <p:spPr/>
+        <p:txBody>
+          <a:bodyPr/>
+          <a:lstStyle/>
+          <a:p>
+            <a:fld id="{D6D60FB5-5EBC-4057-9FED-BC4DFF0A7531}" type="slidenum">
+              <a:rPr lang="fr-FR" smtClean="0"/>
+              <a:t>17</a:t>
+            </a:fld>
+            <a:endParaRPr lang="fr-FR"/>
+          </a:p>
+        </p:txBody>
+      </p:sp>
+    </p:spTree>
+    <p:extLst>
+      <p:ext uri="{BB962C8B-B14F-4D97-AF65-F5344CB8AC3E}">
+        <p14:creationId xmlns:p14="http://schemas.microsoft.com/office/powerpoint/2010/main" val="992942556"/>
+      </p:ext>
+    </p:extLst>
+  </p:cSld>
+  <p:clrMapOvr>
+    <a:masterClrMapping/>
+  </p:clrMapOvr>
+</p:notes>
+</file>
+
+<file path=ppt/notesSlides/notesSlide18.xml><?xml version="1.0" encoding="utf-8"?>
+<p:notes xmlns:a="http://schemas.openxmlformats.org/drawingml/2006/main" xmlns:r="http://schemas.openxmlformats.org/officeDocument/2006/relationships" xmlns:p="http://schemas.openxmlformats.org/presentationml/2006/main">
+  <p:cSld>
+    <p:spTree>
+      <p:nvGrpSpPr>
+        <p:cNvPr id="1" name=""/>
+        <p:cNvGrpSpPr/>
+        <p:nvPr/>
+      </p:nvGrpSpPr>
+      <p:grpSpPr>
+        <a:xfrm>
+          <a:off x="0" y="0"/>
+          <a:ext cx="0" cy="0"/>
+          <a:chOff x="0" y="0"/>
+          <a:chExt cx="0" cy="0"/>
+        </a:xfrm>
+      </p:grpSpPr>
+      <p:sp>
+        <p:nvSpPr>
+          <p:cNvPr id="2" name="Slide Image Placeholder 1"/>
+          <p:cNvSpPr>
+            <a:spLocks noGrp="1" noRot="1" noChangeAspect="1"/>
+          </p:cNvSpPr>
+          <p:nvPr>
+            <p:ph type="sldImg"/>
+          </p:nvPr>
+        </p:nvSpPr>
+        <p:spPr/>
+      </p:sp>
+      <p:sp>
+        <p:nvSpPr>
+          <p:cNvPr id="3" name="Notes Placeholder 2"/>
+          <p:cNvSpPr>
+            <a:spLocks noGrp="1"/>
+          </p:cNvSpPr>
+          <p:nvPr>
+            <p:ph type="body" idx="1"/>
+          </p:nvPr>
+        </p:nvSpPr>
+        <p:spPr/>
+        <p:txBody>
+          <a:bodyPr/>
+          <a:lstStyle/>
+          <a:p>
+            <a:r>
+              <a:rPr lang="en-US" dirty="0"/>
+              <a:t>Assurer </a:t>
+            </a:r>
+            <a:r>
+              <a:rPr lang="en-US" dirty="0" err="1"/>
+              <a:t>conformite</a:t>
+            </a:r>
+            <a:endParaRPr lang="fr-FR" dirty="0"/>
+          </a:p>
+        </p:txBody>
+      </p:sp>
+      <p:sp>
+        <p:nvSpPr>
+          <p:cNvPr id="4" name="Slide Number Placeholder 3"/>
+          <p:cNvSpPr>
+            <a:spLocks noGrp="1"/>
+          </p:cNvSpPr>
+          <p:nvPr>
+            <p:ph type="sldNum" sz="quarter" idx="5"/>
+          </p:nvPr>
+        </p:nvSpPr>
+        <p:spPr/>
+        <p:txBody>
+          <a:bodyPr/>
+          <a:lstStyle/>
+          <a:p>
+            <a:fld id="{D6D60FB5-5EBC-4057-9FED-BC4DFF0A7531}" type="slidenum">
+              <a:rPr lang="fr-FR" smtClean="0"/>
+              <a:t>18</a:t>
+            </a:fld>
+            <a:endParaRPr lang="fr-FR"/>
+          </a:p>
+        </p:txBody>
+      </p:sp>
+    </p:spTree>
+    <p:extLst>
+      <p:ext uri="{BB962C8B-B14F-4D97-AF65-F5344CB8AC3E}">
+        <p14:creationId xmlns:p14="http://schemas.microsoft.com/office/powerpoint/2010/main" val="3251413946"/>
+      </p:ext>
+    </p:extLst>
+  </p:cSld>
+  <p:clrMapOvr>
+    <a:masterClrMapping/>
+  </p:clrMapOvr>
+</p:notes>
+</file>
+
+<file path=ppt/notesSlides/notesSlide19.xml><?xml version="1.0" encoding="utf-8"?>
+<p:notes xmlns:a="http://schemas.openxmlformats.org/drawingml/2006/main" xmlns:r="http://schemas.openxmlformats.org/officeDocument/2006/relationships" xmlns:p="http://schemas.openxmlformats.org/presentationml/2006/main">
+  <p:cSld>
+    <p:spTree>
+      <p:nvGrpSpPr>
+        <p:cNvPr id="1" name=""/>
+        <p:cNvGrpSpPr/>
+        <p:nvPr/>
+      </p:nvGrpSpPr>
+      <p:grpSpPr>
+        <a:xfrm>
+          <a:off x="0" y="0"/>
+          <a:ext cx="0" cy="0"/>
+          <a:chOff x="0" y="0"/>
+          <a:chExt cx="0" cy="0"/>
+        </a:xfrm>
+      </p:grpSpPr>
+      <p:sp>
+        <p:nvSpPr>
+          <p:cNvPr id="2" name="Slide Image Placeholder 1"/>
+          <p:cNvSpPr>
+            <a:spLocks noGrp="1" noRot="1" noChangeAspect="1"/>
+          </p:cNvSpPr>
+          <p:nvPr>
+            <p:ph type="sldImg"/>
+          </p:nvPr>
+        </p:nvSpPr>
+        <p:spPr/>
+      </p:sp>
+      <p:sp>
+        <p:nvSpPr>
+          <p:cNvPr id="3" name="Notes Placeholder 2"/>
+          <p:cNvSpPr>
+            <a:spLocks noGrp="1"/>
+          </p:cNvSpPr>
+          <p:nvPr>
+            <p:ph type="body" idx="1"/>
+          </p:nvPr>
+        </p:nvSpPr>
+        <p:spPr/>
+        <p:txBody>
+          <a:bodyPr/>
+          <a:lstStyle/>
+          <a:p>
+            <a:endParaRPr lang="fr-FR"/>
+          </a:p>
+        </p:txBody>
+      </p:sp>
+      <p:sp>
+        <p:nvSpPr>
+          <p:cNvPr id="4" name="Slide Number Placeholder 3"/>
+          <p:cNvSpPr>
+            <a:spLocks noGrp="1"/>
+          </p:cNvSpPr>
+          <p:nvPr>
+            <p:ph type="sldNum" sz="quarter" idx="5"/>
+          </p:nvPr>
+        </p:nvSpPr>
+        <p:spPr/>
+        <p:txBody>
+          <a:bodyPr/>
+          <a:lstStyle/>
+          <a:p>
+            <a:fld id="{D6D60FB5-5EBC-4057-9FED-BC4DFF0A7531}" type="slidenum">
+              <a:rPr lang="fr-FR" smtClean="0"/>
+              <a:t>19</a:t>
+            </a:fld>
+            <a:endParaRPr lang="fr-FR"/>
+          </a:p>
+        </p:txBody>
+      </p:sp>
+    </p:spTree>
+    <p:extLst>
+      <p:ext uri="{BB962C8B-B14F-4D97-AF65-F5344CB8AC3E}">
+        <p14:creationId xmlns:p14="http://schemas.microsoft.com/office/powerpoint/2010/main" val="3546369038"/>
       </p:ext>
     </p:extLst>
   </p:cSld>
@@ -1034,6 +1550,174 @@
     <p:extLst>
       <p:ext uri="{BB962C8B-B14F-4D97-AF65-F5344CB8AC3E}">
         <p14:creationId xmlns:p14="http://schemas.microsoft.com/office/powerpoint/2010/main" val="2037334167"/>
+      </p:ext>
+    </p:extLst>
+  </p:cSld>
+  <p:clrMapOvr>
+    <a:masterClrMapping/>
+  </p:clrMapOvr>
+</p:notes>
+</file>
+
+<file path=ppt/notesSlides/notesSlide20.xml><?xml version="1.0" encoding="utf-8"?>
+<p:notes xmlns:a="http://schemas.openxmlformats.org/drawingml/2006/main" xmlns:r="http://schemas.openxmlformats.org/officeDocument/2006/relationships" xmlns:p="http://schemas.openxmlformats.org/presentationml/2006/main">
+  <p:cSld>
+    <p:spTree>
+      <p:nvGrpSpPr>
+        <p:cNvPr id="1" name=""/>
+        <p:cNvGrpSpPr/>
+        <p:nvPr/>
+      </p:nvGrpSpPr>
+      <p:grpSpPr>
+        <a:xfrm>
+          <a:off x="0" y="0"/>
+          <a:ext cx="0" cy="0"/>
+          <a:chOff x="0" y="0"/>
+          <a:chExt cx="0" cy="0"/>
+        </a:xfrm>
+      </p:grpSpPr>
+      <p:sp>
+        <p:nvSpPr>
+          <p:cNvPr id="2" name="Slide Image Placeholder 1"/>
+          <p:cNvSpPr>
+            <a:spLocks noGrp="1" noRot="1" noChangeAspect="1"/>
+          </p:cNvSpPr>
+          <p:nvPr>
+            <p:ph type="sldImg"/>
+          </p:nvPr>
+        </p:nvSpPr>
+        <p:spPr/>
+      </p:sp>
+      <p:sp>
+        <p:nvSpPr>
+          <p:cNvPr id="3" name="Notes Placeholder 2"/>
+          <p:cNvSpPr>
+            <a:spLocks noGrp="1"/>
+          </p:cNvSpPr>
+          <p:nvPr>
+            <p:ph type="body" idx="1"/>
+          </p:nvPr>
+        </p:nvSpPr>
+        <p:spPr/>
+        <p:txBody>
+          <a:bodyPr/>
+          <a:lstStyle/>
+          <a:p>
+            <a:endParaRPr lang="fr-FR"/>
+          </a:p>
+        </p:txBody>
+      </p:sp>
+      <p:sp>
+        <p:nvSpPr>
+          <p:cNvPr id="4" name="Slide Number Placeholder 3"/>
+          <p:cNvSpPr>
+            <a:spLocks noGrp="1"/>
+          </p:cNvSpPr>
+          <p:nvPr>
+            <p:ph type="sldNum" sz="quarter" idx="5"/>
+          </p:nvPr>
+        </p:nvSpPr>
+        <p:spPr/>
+        <p:txBody>
+          <a:bodyPr/>
+          <a:lstStyle/>
+          <a:p>
+            <a:fld id="{D6D60FB5-5EBC-4057-9FED-BC4DFF0A7531}" type="slidenum">
+              <a:rPr lang="fr-FR" smtClean="0"/>
+              <a:t>20</a:t>
+            </a:fld>
+            <a:endParaRPr lang="fr-FR"/>
+          </a:p>
+        </p:txBody>
+      </p:sp>
+    </p:spTree>
+    <p:extLst>
+      <p:ext uri="{BB962C8B-B14F-4D97-AF65-F5344CB8AC3E}">
+        <p14:creationId xmlns:p14="http://schemas.microsoft.com/office/powerpoint/2010/main" val="1793288619"/>
+      </p:ext>
+    </p:extLst>
+  </p:cSld>
+  <p:clrMapOvr>
+    <a:masterClrMapping/>
+  </p:clrMapOvr>
+</p:notes>
+</file>
+
+<file path=ppt/notesSlides/notesSlide21.xml><?xml version="1.0" encoding="utf-8"?>
+<p:notes xmlns:a="http://schemas.openxmlformats.org/drawingml/2006/main" xmlns:r="http://schemas.openxmlformats.org/officeDocument/2006/relationships" xmlns:p="http://schemas.openxmlformats.org/presentationml/2006/main">
+  <p:cSld>
+    <p:spTree>
+      <p:nvGrpSpPr>
+        <p:cNvPr id="1" name=""/>
+        <p:cNvGrpSpPr/>
+        <p:nvPr/>
+      </p:nvGrpSpPr>
+      <p:grpSpPr>
+        <a:xfrm>
+          <a:off x="0" y="0"/>
+          <a:ext cx="0" cy="0"/>
+          <a:chOff x="0" y="0"/>
+          <a:chExt cx="0" cy="0"/>
+        </a:xfrm>
+      </p:grpSpPr>
+      <p:sp>
+        <p:nvSpPr>
+          <p:cNvPr id="2" name="Slide Image Placeholder 1"/>
+          <p:cNvSpPr>
+            <a:spLocks noGrp="1" noRot="1" noChangeAspect="1"/>
+          </p:cNvSpPr>
+          <p:nvPr>
+            <p:ph type="sldImg"/>
+          </p:nvPr>
+        </p:nvSpPr>
+        <p:spPr/>
+      </p:sp>
+      <p:sp>
+        <p:nvSpPr>
+          <p:cNvPr id="3" name="Notes Placeholder 2"/>
+          <p:cNvSpPr>
+            <a:spLocks noGrp="1"/>
+          </p:cNvSpPr>
+          <p:nvPr>
+            <p:ph type="body" idx="1"/>
+          </p:nvPr>
+        </p:nvSpPr>
+        <p:spPr/>
+        <p:txBody>
+          <a:bodyPr/>
+          <a:lstStyle/>
+          <a:p>
+            <a:endParaRPr lang="fr-FR"/>
+          </a:p>
+        </p:txBody>
+      </p:sp>
+      <p:sp>
+        <p:nvSpPr>
+          <p:cNvPr id="4" name="Slide Number Placeholder 3"/>
+          <p:cNvSpPr>
+            <a:spLocks noGrp="1"/>
+          </p:cNvSpPr>
+          <p:nvPr>
+            <p:ph type="sldNum" sz="quarter" idx="5"/>
+          </p:nvPr>
+        </p:nvSpPr>
+        <p:spPr/>
+        <p:txBody>
+          <a:bodyPr/>
+          <a:lstStyle/>
+          <a:p>
+            <a:fld id="{D6D60FB5-5EBC-4057-9FED-BC4DFF0A7531}" type="slidenum">
+              <a:rPr lang="fr-FR" smtClean="0"/>
+              <a:t>21</a:t>
+            </a:fld>
+            <a:endParaRPr lang="fr-FR"/>
+          </a:p>
+        </p:txBody>
+      </p:sp>
+    </p:spTree>
+    <p:extLst>
+      <p:ext uri="{BB962C8B-B14F-4D97-AF65-F5344CB8AC3E}">
+        <p14:creationId xmlns:p14="http://schemas.microsoft.com/office/powerpoint/2010/main" val="2364803643"/>
       </p:ext>
     </p:extLst>
   </p:cSld>
@@ -1884,7 +2568,7 @@
           <a:p>
             <a:fld id="{D85CDBF1-970C-4EE7-B49A-41DD4DCEF239}" type="datetimeFigureOut">
               <a:rPr lang="fr-FR" smtClean="0"/>
-              <a:t>06/03/2025</a:t>
+              <a:t>15/03/2025</a:t>
             </a:fld>
             <a:endParaRPr lang="fr-FR"/>
           </a:p>
@@ -2084,7 +2768,7 @@
           <a:p>
             <a:fld id="{D85CDBF1-970C-4EE7-B49A-41DD4DCEF239}" type="datetimeFigureOut">
               <a:rPr lang="fr-FR" smtClean="0"/>
-              <a:t>06/03/2025</a:t>
+              <a:t>15/03/2025</a:t>
             </a:fld>
             <a:endParaRPr lang="fr-FR"/>
           </a:p>
@@ -2294,7 +2978,7 @@
           <a:p>
             <a:fld id="{D85CDBF1-970C-4EE7-B49A-41DD4DCEF239}" type="datetimeFigureOut">
               <a:rPr lang="fr-FR" smtClean="0"/>
-              <a:t>06/03/2025</a:t>
+              <a:t>15/03/2025</a:t>
             </a:fld>
             <a:endParaRPr lang="fr-FR"/>
           </a:p>
@@ -2494,7 +3178,7 @@
           <a:p>
             <a:fld id="{D85CDBF1-970C-4EE7-B49A-41DD4DCEF239}" type="datetimeFigureOut">
               <a:rPr lang="fr-FR" smtClean="0"/>
-              <a:t>06/03/2025</a:t>
+              <a:t>15/03/2025</a:t>
             </a:fld>
             <a:endParaRPr lang="fr-FR"/>
           </a:p>
@@ -2770,7 +3454,7 @@
           <a:p>
             <a:fld id="{D85CDBF1-970C-4EE7-B49A-41DD4DCEF239}" type="datetimeFigureOut">
               <a:rPr lang="fr-FR" smtClean="0"/>
-              <a:t>06/03/2025</a:t>
+              <a:t>15/03/2025</a:t>
             </a:fld>
             <a:endParaRPr lang="fr-FR"/>
           </a:p>
@@ -3038,7 +3722,7 @@
           <a:p>
             <a:fld id="{D85CDBF1-970C-4EE7-B49A-41DD4DCEF239}" type="datetimeFigureOut">
               <a:rPr lang="fr-FR" smtClean="0"/>
-              <a:t>06/03/2025</a:t>
+              <a:t>15/03/2025</a:t>
             </a:fld>
             <a:endParaRPr lang="fr-FR"/>
           </a:p>
@@ -3453,7 +4137,7 @@
           <a:p>
             <a:fld id="{D85CDBF1-970C-4EE7-B49A-41DD4DCEF239}" type="datetimeFigureOut">
               <a:rPr lang="fr-FR" smtClean="0"/>
-              <a:t>06/03/2025</a:t>
+              <a:t>15/03/2025</a:t>
             </a:fld>
             <a:endParaRPr lang="fr-FR"/>
           </a:p>
@@ -3595,7 +4279,7 @@
           <a:p>
             <a:fld id="{D85CDBF1-970C-4EE7-B49A-41DD4DCEF239}" type="datetimeFigureOut">
               <a:rPr lang="fr-FR" smtClean="0"/>
-              <a:t>06/03/2025</a:t>
+              <a:t>15/03/2025</a:t>
             </a:fld>
             <a:endParaRPr lang="fr-FR"/>
           </a:p>
@@ -3708,7 +4392,7 @@
           <a:p>
             <a:fld id="{D85CDBF1-970C-4EE7-B49A-41DD4DCEF239}" type="datetimeFigureOut">
               <a:rPr lang="fr-FR" smtClean="0"/>
-              <a:t>06/03/2025</a:t>
+              <a:t>15/03/2025</a:t>
             </a:fld>
             <a:endParaRPr lang="fr-FR"/>
           </a:p>
@@ -4021,7 +4705,7 @@
           <a:p>
             <a:fld id="{D85CDBF1-970C-4EE7-B49A-41DD4DCEF239}" type="datetimeFigureOut">
               <a:rPr lang="fr-FR" smtClean="0"/>
-              <a:t>06/03/2025</a:t>
+              <a:t>15/03/2025</a:t>
             </a:fld>
             <a:endParaRPr lang="fr-FR"/>
           </a:p>
@@ -4310,7 +4994,7 @@
           <a:p>
             <a:fld id="{D85CDBF1-970C-4EE7-B49A-41DD4DCEF239}" type="datetimeFigureOut">
               <a:rPr lang="fr-FR" smtClean="0"/>
-              <a:t>06/03/2025</a:t>
+              <a:t>15/03/2025</a:t>
             </a:fld>
             <a:endParaRPr lang="fr-FR"/>
           </a:p>
@@ -4553,7 +5237,7 @@
           <a:p>
             <a:fld id="{D85CDBF1-970C-4EE7-B49A-41DD4DCEF239}" type="datetimeFigureOut">
               <a:rPr lang="fr-FR" smtClean="0"/>
-              <a:t>06/03/2025</a:t>
+              <a:t>15/03/2025</a:t>
             </a:fld>
             <a:endParaRPr lang="fr-FR"/>
           </a:p>
@@ -6087,7 +6771,7 @@
           <p:nvPr/>
         </p:nvPicPr>
         <p:blipFill>
-          <a:blip r:embed="rId2">
+          <a:blip r:embed="rId3">
             <a:extLst>
               <a:ext uri="{28A0092B-C50C-407E-A947-70E740481C1C}">
                 <a14:useLocalDpi xmlns:a14="http://schemas.microsoft.com/office/drawing/2010/main" val="0"/>
@@ -6731,6 +7415,29 @@
               </a:rPr>
               <a:t>Importance du projet</a:t>
             </a:r>
+            <a:br>
+              <a:rPr lang="fr-FR" dirty="0">
+                <a:latin typeface="Garamond" panose="02020404030301010803" pitchFamily="18" charset="0"/>
+              </a:rPr>
+            </a:br>
+            <a:endParaRPr lang="fr-FR" dirty="0">
+              <a:latin typeface="Garamond" panose="02020404030301010803" pitchFamily="18" charset="0"/>
+            </a:endParaRPr>
+          </a:p>
+          <a:p>
+            <a:pPr marL="285750" indent="-285750"/>
+            <a:r>
+              <a:rPr lang="fr-FR" dirty="0">
+                <a:latin typeface="Garamond" panose="02020404030301010803" pitchFamily="18" charset="0"/>
+              </a:rPr>
+              <a:t>Démonstration</a:t>
+            </a:r>
+          </a:p>
+          <a:p>
+            <a:pPr marL="285750" indent="-285750"/>
+            <a:endParaRPr lang="fr-FR" dirty="0">
+              <a:latin typeface="Garamond" panose="02020404030301010803" pitchFamily="18" charset="0"/>
+            </a:endParaRPr>
           </a:p>
           <a:p>
             <a:pPr>

--- a/to_send/presentation_fr.pptx
+++ b/to_send/presentation_fr.pptx
@@ -6330,6 +6330,36 @@
           <a:chExt cx="0" cy="0"/>
         </a:xfrm>
       </p:grpSpPr>
+      <p:pic>
+        <p:nvPicPr>
+          <p:cNvPr id="4" name="Picture 3">
+            <a:extLst>
+              <a:ext uri="{FF2B5EF4-FFF2-40B4-BE49-F238E27FC236}">
+                <a16:creationId xmlns:a16="http://schemas.microsoft.com/office/drawing/2014/main" id="{EE3004D2-4E29-D91C-5D3F-29FACBDF9855}"/>
+              </a:ext>
+            </a:extLst>
+          </p:cNvPr>
+          <p:cNvPicPr>
+            <a:picLocks noChangeAspect="1"/>
+          </p:cNvPicPr>
+          <p:nvPr/>
+        </p:nvPicPr>
+        <p:blipFill>
+          <a:blip r:embed="rId3"/>
+          <a:stretch>
+            <a:fillRect/>
+          </a:stretch>
+        </p:blipFill>
+        <p:spPr>
+          <a:xfrm>
+            <a:off x="5603695" y="3130720"/>
+            <a:ext cx="6588305" cy="3727280"/>
+          </a:xfrm>
+          <a:prstGeom prst="rect">
+            <a:avLst/>
+          </a:prstGeom>
+        </p:spPr>
+      </p:pic>
       <p:sp>
         <p:nvSpPr>
           <p:cNvPr id="2" name="Title 1">

--- a/to_send/presentation_fr.pptx
+++ b/to_send/presentation_fr.pptx
@@ -220,7 +220,7 @@
           <a:p>
             <a:fld id="{B999FF37-C543-4EA9-B67D-285E87A1D501}" type="datetimeFigureOut">
               <a:rPr lang="fr-FR" smtClean="0"/>
-              <a:t>15/03/2025</a:t>
+              <a:t>16/03/2025</a:t>
             </a:fld>
             <a:endParaRPr lang="fr-FR"/>
           </a:p>
@@ -1249,6 +1249,10 @@
           <a:bodyPr/>
           <a:lstStyle/>
           <a:p>
+            <a:r>
+              <a:rPr lang="en-US" dirty="0"/>
+              <a:t>5 phases</a:t>
+            </a:r>
             <a:endParaRPr lang="fr-FR" dirty="0"/>
           </a:p>
         </p:txBody>
@@ -1425,7 +1429,34 @@
           <a:bodyPr/>
           <a:lstStyle/>
           <a:p>
-            <a:endParaRPr lang="fr-FR"/>
+            <a:r>
+              <a:rPr lang="en-US" dirty="0"/>
+              <a:t>Proposes community engagement</a:t>
+            </a:r>
+            <a:br>
+              <a:rPr lang="en-US" dirty="0"/>
+            </a:br>
+            <a:r>
+              <a:rPr lang="en-US" dirty="0"/>
+              <a:t>aborded </a:t>
+            </a:r>
+            <a:r>
+              <a:rPr lang="en-US" dirty="0" err="1"/>
+              <a:t>en</a:t>
+            </a:r>
+            <a:r>
+              <a:rPr lang="en-US" dirty="0"/>
+              <a:t> </a:t>
+            </a:r>
+            <a:r>
+              <a:rPr lang="en-US" dirty="0" err="1"/>
+              <a:t>parallele</a:t>
+            </a:r>
+            <a:r>
+              <a:rPr lang="en-US"/>
+              <a:t> demo</a:t>
+            </a:r>
+            <a:endParaRPr lang="fr-FR" dirty="0"/>
           </a:p>
         </p:txBody>
       </p:sp>
@@ -2568,7 +2599,7 @@
           <a:p>
             <a:fld id="{D85CDBF1-970C-4EE7-B49A-41DD4DCEF239}" type="datetimeFigureOut">
               <a:rPr lang="fr-FR" smtClean="0"/>
-              <a:t>15/03/2025</a:t>
+              <a:t>16/03/2025</a:t>
             </a:fld>
             <a:endParaRPr lang="fr-FR"/>
           </a:p>
@@ -2768,7 +2799,7 @@
           <a:p>
             <a:fld id="{D85CDBF1-970C-4EE7-B49A-41DD4DCEF239}" type="datetimeFigureOut">
               <a:rPr lang="fr-FR" smtClean="0"/>
-              <a:t>15/03/2025</a:t>
+              <a:t>16/03/2025</a:t>
             </a:fld>
             <a:endParaRPr lang="fr-FR"/>
           </a:p>
@@ -2978,7 +3009,7 @@
           <a:p>
             <a:fld id="{D85CDBF1-970C-4EE7-B49A-41DD4DCEF239}" type="datetimeFigureOut">
               <a:rPr lang="fr-FR" smtClean="0"/>
-              <a:t>15/03/2025</a:t>
+              <a:t>16/03/2025</a:t>
             </a:fld>
             <a:endParaRPr lang="fr-FR"/>
           </a:p>
@@ -3178,7 +3209,7 @@
           <a:p>
             <a:fld id="{D85CDBF1-970C-4EE7-B49A-41DD4DCEF239}" type="datetimeFigureOut">
               <a:rPr lang="fr-FR" smtClean="0"/>
-              <a:t>15/03/2025</a:t>
+              <a:t>16/03/2025</a:t>
             </a:fld>
             <a:endParaRPr lang="fr-FR"/>
           </a:p>
@@ -3454,7 +3485,7 @@
           <a:p>
             <a:fld id="{D85CDBF1-970C-4EE7-B49A-41DD4DCEF239}" type="datetimeFigureOut">
               <a:rPr lang="fr-FR" smtClean="0"/>
-              <a:t>15/03/2025</a:t>
+              <a:t>16/03/2025</a:t>
             </a:fld>
             <a:endParaRPr lang="fr-FR"/>
           </a:p>
@@ -3722,7 +3753,7 @@
           <a:p>
             <a:fld id="{D85CDBF1-970C-4EE7-B49A-41DD4DCEF239}" type="datetimeFigureOut">
               <a:rPr lang="fr-FR" smtClean="0"/>
-              <a:t>15/03/2025</a:t>
+              <a:t>16/03/2025</a:t>
             </a:fld>
             <a:endParaRPr lang="fr-FR"/>
           </a:p>
@@ -4137,7 +4168,7 @@
           <a:p>
             <a:fld id="{D85CDBF1-970C-4EE7-B49A-41DD4DCEF239}" type="datetimeFigureOut">
               <a:rPr lang="fr-FR" smtClean="0"/>
-              <a:t>15/03/2025</a:t>
+              <a:t>16/03/2025</a:t>
             </a:fld>
             <a:endParaRPr lang="fr-FR"/>
           </a:p>
@@ -4279,7 +4310,7 @@
           <a:p>
             <a:fld id="{D85CDBF1-970C-4EE7-B49A-41DD4DCEF239}" type="datetimeFigureOut">
               <a:rPr lang="fr-FR" smtClean="0"/>
-              <a:t>15/03/2025</a:t>
+              <a:t>16/03/2025</a:t>
             </a:fld>
             <a:endParaRPr lang="fr-FR"/>
           </a:p>
@@ -4392,7 +4423,7 @@
           <a:p>
             <a:fld id="{D85CDBF1-970C-4EE7-B49A-41DD4DCEF239}" type="datetimeFigureOut">
               <a:rPr lang="fr-FR" smtClean="0"/>
-              <a:t>15/03/2025</a:t>
+              <a:t>16/03/2025</a:t>
             </a:fld>
             <a:endParaRPr lang="fr-FR"/>
           </a:p>
@@ -4705,7 +4736,7 @@
           <a:p>
             <a:fld id="{D85CDBF1-970C-4EE7-B49A-41DD4DCEF239}" type="datetimeFigureOut">
               <a:rPr lang="fr-FR" smtClean="0"/>
-              <a:t>15/03/2025</a:t>
+              <a:t>16/03/2025</a:t>
             </a:fld>
             <a:endParaRPr lang="fr-FR"/>
           </a:p>
@@ -4994,7 +5025,7 @@
           <a:p>
             <a:fld id="{D85CDBF1-970C-4EE7-B49A-41DD4DCEF239}" type="datetimeFigureOut">
               <a:rPr lang="fr-FR" smtClean="0"/>
-              <a:t>15/03/2025</a:t>
+              <a:t>16/03/2025</a:t>
             </a:fld>
             <a:endParaRPr lang="fr-FR"/>
           </a:p>
@@ -5237,7 +5268,7 @@
           <a:p>
             <a:fld id="{D85CDBF1-970C-4EE7-B49A-41DD4DCEF239}" type="datetimeFigureOut">
               <a:rPr lang="fr-FR" smtClean="0"/>
-              <a:t>15/03/2025</a:t>
+              <a:t>16/03/2025</a:t>
             </a:fld>
             <a:endParaRPr lang="fr-FR"/>
           </a:p>

--- a/to_send/presentation_fr.pptx
+++ b/to_send/presentation_fr.pptx
@@ -5,30 +5,32 @@
     <p:sldMasterId id="2147483648" r:id="rId1"/>
   </p:sldMasterIdLst>
   <p:notesMasterIdLst>
-    <p:notesMasterId r:id="rId23"/>
+    <p:notesMasterId r:id="rId25"/>
   </p:notesMasterIdLst>
   <p:sldIdLst>
     <p:sldId id="256" r:id="rId2"/>
-    <p:sldId id="257" r:id="rId3"/>
-    <p:sldId id="258" r:id="rId4"/>
-    <p:sldId id="259" r:id="rId5"/>
-    <p:sldId id="260" r:id="rId6"/>
-    <p:sldId id="261" r:id="rId7"/>
-    <p:sldId id="282" r:id="rId8"/>
-    <p:sldId id="281" r:id="rId9"/>
-    <p:sldId id="262" r:id="rId10"/>
-    <p:sldId id="263" r:id="rId11"/>
-    <p:sldId id="284" r:id="rId12"/>
-    <p:sldId id="283" r:id="rId13"/>
-    <p:sldId id="264" r:id="rId14"/>
-    <p:sldId id="265" r:id="rId15"/>
-    <p:sldId id="266" r:id="rId16"/>
-    <p:sldId id="267" r:id="rId17"/>
-    <p:sldId id="268" r:id="rId18"/>
-    <p:sldId id="269" r:id="rId19"/>
-    <p:sldId id="270" r:id="rId20"/>
-    <p:sldId id="279" r:id="rId21"/>
-    <p:sldId id="271" r:id="rId22"/>
+    <p:sldId id="285" r:id="rId3"/>
+    <p:sldId id="257" r:id="rId4"/>
+    <p:sldId id="258" r:id="rId5"/>
+    <p:sldId id="259" r:id="rId6"/>
+    <p:sldId id="286" r:id="rId7"/>
+    <p:sldId id="260" r:id="rId8"/>
+    <p:sldId id="261" r:id="rId9"/>
+    <p:sldId id="282" r:id="rId10"/>
+    <p:sldId id="281" r:id="rId11"/>
+    <p:sldId id="262" r:id="rId12"/>
+    <p:sldId id="263" r:id="rId13"/>
+    <p:sldId id="284" r:id="rId14"/>
+    <p:sldId id="283" r:id="rId15"/>
+    <p:sldId id="264" r:id="rId16"/>
+    <p:sldId id="265" r:id="rId17"/>
+    <p:sldId id="266" r:id="rId18"/>
+    <p:sldId id="267" r:id="rId19"/>
+    <p:sldId id="268" r:id="rId20"/>
+    <p:sldId id="269" r:id="rId21"/>
+    <p:sldId id="270" r:id="rId22"/>
+    <p:sldId id="279" r:id="rId23"/>
+    <p:sldId id="271" r:id="rId24"/>
   </p:sldIdLst>
   <p:sldSz cx="12192000" cy="6858000"/>
   <p:notesSz cx="6858000" cy="9144000"/>
@@ -220,7 +222,7 @@
           <a:p>
             <a:fld id="{B999FF37-C543-4EA9-B67D-285E87A1D501}" type="datetimeFigureOut">
               <a:rPr lang="fr-FR" smtClean="0"/>
-              <a:t>16/03/2025</a:t>
+              <a:t>17/03/2025</a:t>
             </a:fld>
             <a:endParaRPr lang="fr-FR"/>
           </a:p>
@@ -678,7 +680,7 @@
           <a:p>
             <a:fld id="{D6D60FB5-5EBC-4057-9FED-BC4DFF0A7531}" type="slidenum">
               <a:rPr lang="fr-FR" smtClean="0"/>
-              <a:t>10</a:t>
+              <a:t>12</a:t>
             </a:fld>
             <a:endParaRPr lang="fr-FR"/>
           </a:p>
@@ -762,7 +764,7 @@
           <a:p>
             <a:fld id="{D6D60FB5-5EBC-4057-9FED-BC4DFF0A7531}" type="slidenum">
               <a:rPr lang="fr-FR" smtClean="0"/>
-              <a:t>11</a:t>
+              <a:t>13</a:t>
             </a:fld>
             <a:endParaRPr lang="fr-FR"/>
           </a:p>
@@ -846,7 +848,7 @@
           <a:p>
             <a:fld id="{D6D60FB5-5EBC-4057-9FED-BC4DFF0A7531}" type="slidenum">
               <a:rPr lang="fr-FR" smtClean="0"/>
-              <a:t>12</a:t>
+              <a:t>14</a:t>
             </a:fld>
             <a:endParaRPr lang="fr-FR"/>
           </a:p>
@@ -909,7 +911,26 @@
           <a:bodyPr/>
           <a:lstStyle/>
           <a:p>
-            <a:endParaRPr lang="fr-FR" dirty="0"/>
+            <a:r>
+              <a:rPr lang="fr-FR" dirty="0"/>
+              <a:t>Talk about relations (</a:t>
+            </a:r>
+            <a:r>
+              <a:rPr lang="fr-FR" dirty="0" err="1"/>
+              <a:t>especially</a:t>
+            </a:r>
+            <a:r>
+              <a:rPr lang="fr-FR" dirty="0"/>
+              <a:t> photos – </a:t>
+            </a:r>
+            <a:r>
+              <a:rPr lang="fr-FR" dirty="0" err="1"/>
+              <a:t>categories</a:t>
+            </a:r>
+            <a:r>
+              <a:rPr lang="fr-FR" dirty="0"/>
+              <a:t>)</a:t>
+            </a:r>
           </a:p>
         </p:txBody>
       </p:sp>
@@ -930,7 +951,7 @@
           <a:p>
             <a:fld id="{D6D60FB5-5EBC-4057-9FED-BC4DFF0A7531}" type="slidenum">
               <a:rPr lang="fr-FR" smtClean="0"/>
-              <a:t>13</a:t>
+              <a:t>15</a:t>
             </a:fld>
             <a:endParaRPr lang="fr-FR"/>
           </a:p>
@@ -1014,7 +1035,7 @@
           <a:p>
             <a:fld id="{D6D60FB5-5EBC-4057-9FED-BC4DFF0A7531}" type="slidenum">
               <a:rPr lang="fr-FR" smtClean="0"/>
-              <a:t>14</a:t>
+              <a:t>16</a:t>
             </a:fld>
             <a:endParaRPr lang="fr-FR"/>
           </a:p>
@@ -1102,7 +1123,7 @@
           <a:p>
             <a:fld id="{D6D60FB5-5EBC-4057-9FED-BC4DFF0A7531}" type="slidenum">
               <a:rPr lang="fr-FR" smtClean="0"/>
-              <a:t>15</a:t>
+              <a:t>17</a:t>
             </a:fld>
             <a:endParaRPr lang="fr-FR"/>
           </a:p>
@@ -1186,7 +1207,7 @@
           <a:p>
             <a:fld id="{D6D60FB5-5EBC-4057-9FED-BC4DFF0A7531}" type="slidenum">
               <a:rPr lang="fr-FR" smtClean="0"/>
-              <a:t>16</a:t>
+              <a:t>18</a:t>
             </a:fld>
             <a:endParaRPr lang="fr-FR"/>
           </a:p>
@@ -1274,7 +1295,7 @@
           <a:p>
             <a:fld id="{D6D60FB5-5EBC-4057-9FED-BC4DFF0A7531}" type="slidenum">
               <a:rPr lang="fr-FR" smtClean="0"/>
-              <a:t>17</a:t>
+              <a:t>19</a:t>
             </a:fld>
             <a:endParaRPr lang="fr-FR"/>
           </a:p>
@@ -1366,7 +1387,7 @@
           <a:p>
             <a:fld id="{D6D60FB5-5EBC-4057-9FED-BC4DFF0A7531}" type="slidenum">
               <a:rPr lang="fr-FR" smtClean="0"/>
-              <a:t>18</a:t>
+              <a:t>20</a:t>
             </a:fld>
             <a:endParaRPr lang="fr-FR"/>
           </a:p>
@@ -1453,8 +1474,15 @@
               <a:t>parallele</a:t>
             </a:r>
             <a:r>
-              <a:rPr lang="en-US"/>
+              <a:rPr lang="en-US" dirty="0"/>
               <a:t> demo</a:t>
+            </a:r>
+            <a:br>
+              <a:rPr lang="en-US" dirty="0"/>
+            </a:br>
+            <a:r>
+              <a:rPr lang="en-US" dirty="0"/>
+              <a:t>Show add photo and filter!</a:t>
             </a:r>
             <a:endParaRPr lang="fr-FR" dirty="0"/>
           </a:p>
@@ -1477,7 +1505,7 @@
           <a:p>
             <a:fld id="{D6D60FB5-5EBC-4057-9FED-BC4DFF0A7531}" type="slidenum">
               <a:rPr lang="fr-FR" smtClean="0"/>
-              <a:t>19</a:t>
+              <a:t>21</a:t>
             </a:fld>
             <a:endParaRPr lang="fr-FR"/>
           </a:p>
@@ -1571,7 +1599,7 @@
           <a:p>
             <a:fld id="{D6D60FB5-5EBC-4057-9FED-BC4DFF0A7531}" type="slidenum">
               <a:rPr lang="fr-FR" smtClean="0"/>
-              <a:t>2</a:t>
+              <a:t>3</a:t>
             </a:fld>
             <a:endParaRPr lang="fr-FR"/>
           </a:p>
@@ -1655,7 +1683,7 @@
           <a:p>
             <a:fld id="{D6D60FB5-5EBC-4057-9FED-BC4DFF0A7531}" type="slidenum">
               <a:rPr lang="fr-FR" smtClean="0"/>
-              <a:t>20</a:t>
+              <a:t>22</a:t>
             </a:fld>
             <a:endParaRPr lang="fr-FR"/>
           </a:p>
@@ -1739,7 +1767,7 @@
           <a:p>
             <a:fld id="{D6D60FB5-5EBC-4057-9FED-BC4DFF0A7531}" type="slidenum">
               <a:rPr lang="fr-FR" smtClean="0"/>
-              <a:t>21</a:t>
+              <a:t>23</a:t>
             </a:fld>
             <a:endParaRPr lang="fr-FR"/>
           </a:p>
@@ -1845,7 +1873,7 @@
           <a:p>
             <a:fld id="{D6D60FB5-5EBC-4057-9FED-BC4DFF0A7531}" type="slidenum">
               <a:rPr lang="fr-FR" smtClean="0"/>
-              <a:t>3</a:t>
+              <a:t>4</a:t>
             </a:fld>
             <a:endParaRPr lang="fr-FR"/>
           </a:p>
@@ -1918,6 +1946,13 @@
               <a:rPr lang="en-US" dirty="0"/>
               <a:t>Tech stack</a:t>
             </a:r>
+            <a:br>
+              <a:rPr lang="en-US" dirty="0"/>
+            </a:br>
+            <a:r>
+              <a:rPr lang="en-US" dirty="0"/>
+              <a:t>Why Next</a:t>
+            </a:r>
             <a:endParaRPr lang="fr-FR" dirty="0"/>
           </a:p>
         </p:txBody>
@@ -1939,7 +1974,7 @@
           <a:p>
             <a:fld id="{D6D60FB5-5EBC-4057-9FED-BC4DFF0A7531}" type="slidenum">
               <a:rPr lang="fr-FR" smtClean="0"/>
-              <a:t>4</a:t>
+              <a:t>5</a:t>
             </a:fld>
             <a:endParaRPr lang="fr-FR"/>
           </a:p>
@@ -2055,7 +2090,7 @@
           <a:p>
             <a:fld id="{D6D60FB5-5EBC-4057-9FED-BC4DFF0A7531}" type="slidenum">
               <a:rPr lang="fr-FR" smtClean="0"/>
-              <a:t>5</a:t>
+              <a:t>7</a:t>
             </a:fld>
             <a:endParaRPr lang="fr-FR"/>
           </a:p>
@@ -2149,7 +2184,7 @@
           <a:p>
             <a:fld id="{D6D60FB5-5EBC-4057-9FED-BC4DFF0A7531}" type="slidenum">
               <a:rPr lang="fr-FR" smtClean="0"/>
-              <a:t>6</a:t>
+              <a:t>8</a:t>
             </a:fld>
             <a:endParaRPr lang="fr-FR"/>
           </a:p>
@@ -2237,7 +2272,7 @@
           <a:p>
             <a:fld id="{D6D60FB5-5EBC-4057-9FED-BC4DFF0A7531}" type="slidenum">
               <a:rPr lang="fr-FR" smtClean="0"/>
-              <a:t>7</a:t>
+              <a:t>9</a:t>
             </a:fld>
             <a:endParaRPr lang="fr-FR"/>
           </a:p>
@@ -2325,7 +2360,7 @@
           <a:p>
             <a:fld id="{D6D60FB5-5EBC-4057-9FED-BC4DFF0A7531}" type="slidenum">
               <a:rPr lang="fr-FR" smtClean="0"/>
-              <a:t>8</a:t>
+              <a:t>10</a:t>
             </a:fld>
             <a:endParaRPr lang="fr-FR"/>
           </a:p>
@@ -2431,7 +2466,7 @@
           <a:p>
             <a:fld id="{D6D60FB5-5EBC-4057-9FED-BC4DFF0A7531}" type="slidenum">
               <a:rPr lang="fr-FR" smtClean="0"/>
-              <a:t>9</a:t>
+              <a:t>11</a:t>
             </a:fld>
             <a:endParaRPr lang="fr-FR"/>
           </a:p>
@@ -2599,7 +2634,7 @@
           <a:p>
             <a:fld id="{D85CDBF1-970C-4EE7-B49A-41DD4DCEF239}" type="datetimeFigureOut">
               <a:rPr lang="fr-FR" smtClean="0"/>
-              <a:t>16/03/2025</a:t>
+              <a:t>17/03/2025</a:t>
             </a:fld>
             <a:endParaRPr lang="fr-FR"/>
           </a:p>
@@ -2799,7 +2834,7 @@
           <a:p>
             <a:fld id="{D85CDBF1-970C-4EE7-B49A-41DD4DCEF239}" type="datetimeFigureOut">
               <a:rPr lang="fr-FR" smtClean="0"/>
-              <a:t>16/03/2025</a:t>
+              <a:t>17/03/2025</a:t>
             </a:fld>
             <a:endParaRPr lang="fr-FR"/>
           </a:p>
@@ -3009,7 +3044,7 @@
           <a:p>
             <a:fld id="{D85CDBF1-970C-4EE7-B49A-41DD4DCEF239}" type="datetimeFigureOut">
               <a:rPr lang="fr-FR" smtClean="0"/>
-              <a:t>16/03/2025</a:t>
+              <a:t>17/03/2025</a:t>
             </a:fld>
             <a:endParaRPr lang="fr-FR"/>
           </a:p>
@@ -3209,7 +3244,7 @@
           <a:p>
             <a:fld id="{D85CDBF1-970C-4EE7-B49A-41DD4DCEF239}" type="datetimeFigureOut">
               <a:rPr lang="fr-FR" smtClean="0"/>
-              <a:t>16/03/2025</a:t>
+              <a:t>17/03/2025</a:t>
             </a:fld>
             <a:endParaRPr lang="fr-FR"/>
           </a:p>
@@ -3485,7 +3520,7 @@
           <a:p>
             <a:fld id="{D85CDBF1-970C-4EE7-B49A-41DD4DCEF239}" type="datetimeFigureOut">
               <a:rPr lang="fr-FR" smtClean="0"/>
-              <a:t>16/03/2025</a:t>
+              <a:t>17/03/2025</a:t>
             </a:fld>
             <a:endParaRPr lang="fr-FR"/>
           </a:p>
@@ -3753,7 +3788,7 @@
           <a:p>
             <a:fld id="{D85CDBF1-970C-4EE7-B49A-41DD4DCEF239}" type="datetimeFigureOut">
               <a:rPr lang="fr-FR" smtClean="0"/>
-              <a:t>16/03/2025</a:t>
+              <a:t>17/03/2025</a:t>
             </a:fld>
             <a:endParaRPr lang="fr-FR"/>
           </a:p>
@@ -4168,7 +4203,7 @@
           <a:p>
             <a:fld id="{D85CDBF1-970C-4EE7-B49A-41DD4DCEF239}" type="datetimeFigureOut">
               <a:rPr lang="fr-FR" smtClean="0"/>
-              <a:t>16/03/2025</a:t>
+              <a:t>17/03/2025</a:t>
             </a:fld>
             <a:endParaRPr lang="fr-FR"/>
           </a:p>
@@ -4310,7 +4345,7 @@
           <a:p>
             <a:fld id="{D85CDBF1-970C-4EE7-B49A-41DD4DCEF239}" type="datetimeFigureOut">
               <a:rPr lang="fr-FR" smtClean="0"/>
-              <a:t>16/03/2025</a:t>
+              <a:t>17/03/2025</a:t>
             </a:fld>
             <a:endParaRPr lang="fr-FR"/>
           </a:p>
@@ -4423,7 +4458,7 @@
           <a:p>
             <a:fld id="{D85CDBF1-970C-4EE7-B49A-41DD4DCEF239}" type="datetimeFigureOut">
               <a:rPr lang="fr-FR" smtClean="0"/>
-              <a:t>16/03/2025</a:t>
+              <a:t>17/03/2025</a:t>
             </a:fld>
             <a:endParaRPr lang="fr-FR"/>
           </a:p>
@@ -4736,7 +4771,7 @@
           <a:p>
             <a:fld id="{D85CDBF1-970C-4EE7-B49A-41DD4DCEF239}" type="datetimeFigureOut">
               <a:rPr lang="fr-FR" smtClean="0"/>
-              <a:t>16/03/2025</a:t>
+              <a:t>17/03/2025</a:t>
             </a:fld>
             <a:endParaRPr lang="fr-FR"/>
           </a:p>
@@ -5025,7 +5060,7 @@
           <a:p>
             <a:fld id="{D85CDBF1-970C-4EE7-B49A-41DD4DCEF239}" type="datetimeFigureOut">
               <a:rPr lang="fr-FR" smtClean="0"/>
-              <a:t>16/03/2025</a:t>
+              <a:t>17/03/2025</a:t>
             </a:fld>
             <a:endParaRPr lang="fr-FR"/>
           </a:p>
@@ -5268,7 +5303,7 @@
           <a:p>
             <a:fld id="{D85CDBF1-970C-4EE7-B49A-41DD4DCEF239}" type="datetimeFigureOut">
               <a:rPr lang="fr-FR" smtClean="0"/>
-              <a:t>16/03/2025</a:t>
+              <a:t>17/03/2025</a:t>
             </a:fld>
             <a:endParaRPr lang="fr-FR"/>
           </a:p>
@@ -5842,6 +5877,186 @@
   <p:cSld>
     <p:spTree>
       <p:nvGrpSpPr>
+        <p:cNvPr id="1" name="">
+          <a:extLst>
+            <a:ext uri="{FF2B5EF4-FFF2-40B4-BE49-F238E27FC236}">
+              <a16:creationId xmlns:a16="http://schemas.microsoft.com/office/drawing/2014/main" id="{CC360CBB-5826-C2F7-8225-815AEA152D60}"/>
+            </a:ext>
+          </a:extLst>
+        </p:cNvPr>
+        <p:cNvGrpSpPr/>
+        <p:nvPr/>
+      </p:nvGrpSpPr>
+      <p:grpSpPr>
+        <a:xfrm>
+          <a:off x="0" y="0"/>
+          <a:ext cx="0" cy="0"/>
+          <a:chOff x="0" y="0"/>
+          <a:chExt cx="0" cy="0"/>
+        </a:xfrm>
+      </p:grpSpPr>
+      <p:sp>
+        <p:nvSpPr>
+          <p:cNvPr id="2" name="Title 1">
+            <a:extLst>
+              <a:ext uri="{FF2B5EF4-FFF2-40B4-BE49-F238E27FC236}">
+                <a16:creationId xmlns:a16="http://schemas.microsoft.com/office/drawing/2014/main" id="{6A5276FC-1CCB-DB73-2854-7D2D4A198387}"/>
+              </a:ext>
+            </a:extLst>
+          </p:cNvPr>
+          <p:cNvSpPr>
+            <a:spLocks noGrp="1"/>
+          </p:cNvSpPr>
+          <p:nvPr>
+            <p:ph type="title"/>
+          </p:nvPr>
+        </p:nvSpPr>
+        <p:spPr/>
+        <p:txBody>
+          <a:bodyPr/>
+          <a:lstStyle/>
+          <a:p>
+            <a:r>
+              <a:rPr lang="fr-FR" dirty="0">
+                <a:latin typeface="Garamond" panose="02020404030301010803" pitchFamily="18" charset="0"/>
+              </a:rPr>
+              <a:t>Exemples de code </a:t>
+            </a:r>
+            <a:r>
+              <a:rPr lang="fr-FR" dirty="0" err="1">
+                <a:latin typeface="Garamond" panose="02020404030301010803" pitchFamily="18" charset="0"/>
+              </a:rPr>
+              <a:t>Back-end</a:t>
+            </a:r>
+            <a:endParaRPr lang="fr-FR" dirty="0">
+              <a:latin typeface="Garamond" panose="02020404030301010803" pitchFamily="18" charset="0"/>
+            </a:endParaRPr>
+          </a:p>
+        </p:txBody>
+      </p:sp>
+      <p:sp>
+        <p:nvSpPr>
+          <p:cNvPr id="3" name="Content Placeholder 2">
+            <a:extLst>
+              <a:ext uri="{FF2B5EF4-FFF2-40B4-BE49-F238E27FC236}">
+                <a16:creationId xmlns:a16="http://schemas.microsoft.com/office/drawing/2014/main" id="{E183EB23-CA1D-2DBF-DDCE-4EF7B4B2C853}"/>
+              </a:ext>
+            </a:extLst>
+          </p:cNvPr>
+          <p:cNvSpPr>
+            <a:spLocks noGrp="1"/>
+          </p:cNvSpPr>
+          <p:nvPr>
+            <p:ph idx="1"/>
+          </p:nvPr>
+        </p:nvSpPr>
+        <p:spPr/>
+        <p:txBody>
+          <a:bodyPr/>
+          <a:lstStyle/>
+          <a:p>
+            <a:r>
+              <a:rPr lang="fr-FR" dirty="0">
+                <a:latin typeface="Garamond" panose="02020404030301010803" pitchFamily="18" charset="0"/>
+              </a:rPr>
+              <a:t>Exemple de routes</a:t>
+            </a:r>
+          </a:p>
+          <a:p>
+            <a:pPr lvl="1"/>
+            <a:r>
+              <a:rPr lang="fr-FR" dirty="0">
+                <a:latin typeface="Garamond" panose="02020404030301010803" pitchFamily="18" charset="0"/>
+              </a:rPr>
+              <a:t>Importations</a:t>
+            </a:r>
+          </a:p>
+          <a:p>
+            <a:pPr lvl="1"/>
+            <a:r>
+              <a:rPr lang="fr-FR" dirty="0">
+                <a:latin typeface="Garamond" panose="02020404030301010803" pitchFamily="18" charset="0"/>
+              </a:rPr>
+              <a:t>Routage</a:t>
+            </a:r>
+          </a:p>
+          <a:p>
+            <a:pPr lvl="1"/>
+            <a:r>
+              <a:rPr lang="fr-FR" dirty="0">
+                <a:latin typeface="Garamond" panose="02020404030301010803" pitchFamily="18" charset="0"/>
+              </a:rPr>
+              <a:t>Exportations</a:t>
+            </a:r>
+          </a:p>
+        </p:txBody>
+      </p:sp>
+      <p:pic>
+        <p:nvPicPr>
+          <p:cNvPr id="5" name="Picture 4" descr="A screen shot of a computer code&#10;&#10;AI-generated content may be incorrect.">
+            <a:extLst>
+              <a:ext uri="{FF2B5EF4-FFF2-40B4-BE49-F238E27FC236}">
+                <a16:creationId xmlns:a16="http://schemas.microsoft.com/office/drawing/2014/main" id="{5B38C094-73D7-6CAE-9D51-0952025BB846}"/>
+              </a:ext>
+            </a:extLst>
+          </p:cNvPr>
+          <p:cNvPicPr>
+            <a:picLocks noChangeAspect="1"/>
+          </p:cNvPicPr>
+          <p:nvPr/>
+        </p:nvPicPr>
+        <p:blipFill>
+          <a:blip r:embed="rId3">
+            <a:extLst>
+              <a:ext uri="{28A0092B-C50C-407E-A947-70E740481C1C}">
+                <a14:useLocalDpi xmlns:a14="http://schemas.microsoft.com/office/drawing/2010/main" val="0"/>
+              </a:ext>
+            </a:extLst>
+          </a:blip>
+          <a:stretch>
+            <a:fillRect/>
+          </a:stretch>
+        </p:blipFill>
+        <p:spPr>
+          <a:xfrm>
+            <a:off x="5796663" y="1825625"/>
+            <a:ext cx="5557137" cy="2636885"/>
+          </a:xfrm>
+          <a:prstGeom prst="rect">
+            <a:avLst/>
+          </a:prstGeom>
+        </p:spPr>
+      </p:pic>
+    </p:spTree>
+    <p:extLst>
+      <p:ext uri="{BB962C8B-B14F-4D97-AF65-F5344CB8AC3E}">
+        <p14:creationId xmlns:p14="http://schemas.microsoft.com/office/powerpoint/2010/main" val="3517696948"/>
+      </p:ext>
+    </p:extLst>
+  </p:cSld>
+  <p:clrMapOvr>
+    <a:masterClrMapping/>
+  </p:clrMapOvr>
+  <mc:AlternateContent xmlns:mc="http://schemas.openxmlformats.org/markup-compatibility/2006" xmlns:p14="http://schemas.microsoft.com/office/powerpoint/2010/main">
+    <mc:Choice Requires="p14">
+      <p:transition spd="med" p14:dur="700">
+        <p:fade/>
+      </p:transition>
+    </mc:Choice>
+    <mc:Fallback xmlns="">
+      <p:transition spd="med">
+        <p:fade/>
+      </p:transition>
+    </mc:Fallback>
+  </mc:AlternateContent>
+</p:sld>
+</file>
+
+<file path=ppt/slides/slide11.xml><?xml version="1.0" encoding="utf-8"?>
+<p:sld xmlns:a="http://schemas.openxmlformats.org/drawingml/2006/main" xmlns:r="http://schemas.openxmlformats.org/officeDocument/2006/relationships" xmlns:p="http://schemas.openxmlformats.org/presentationml/2006/main">
+  <p:cSld>
+    <p:spTree>
+      <p:nvGrpSpPr>
         <p:cNvPr id="1" name=""/>
         <p:cNvGrpSpPr/>
         <p:nvPr/>
@@ -5859,6 +6074,190 @@
           <p:cNvPr id="2" name="Title 1">
             <a:extLst>
               <a:ext uri="{FF2B5EF4-FFF2-40B4-BE49-F238E27FC236}">
+                <a16:creationId xmlns:a16="http://schemas.microsoft.com/office/drawing/2014/main" id="{93898B03-6207-C0B5-2586-2B73B264DDB7}"/>
+              </a:ext>
+            </a:extLst>
+          </p:cNvPr>
+          <p:cNvSpPr>
+            <a:spLocks noGrp="1"/>
+          </p:cNvSpPr>
+          <p:nvPr>
+            <p:ph type="title"/>
+          </p:nvPr>
+        </p:nvSpPr>
+        <p:spPr/>
+        <p:txBody>
+          <a:bodyPr/>
+          <a:lstStyle/>
+          <a:p>
+            <a:r>
+              <a:rPr lang="fr-FR" dirty="0">
+                <a:latin typeface="Garamond" panose="02020404030301010803" pitchFamily="18" charset="0"/>
+              </a:rPr>
+              <a:t>Architecture </a:t>
+            </a:r>
+            <a:r>
+              <a:rPr lang="fr-FR" dirty="0" err="1">
+                <a:latin typeface="Garamond" panose="02020404030301010803" pitchFamily="18" charset="0"/>
+              </a:rPr>
+              <a:t>Front-end</a:t>
+            </a:r>
+            <a:endParaRPr lang="fr-FR" dirty="0">
+              <a:latin typeface="Garamond" panose="02020404030301010803" pitchFamily="18" charset="0"/>
+            </a:endParaRPr>
+          </a:p>
+        </p:txBody>
+      </p:sp>
+      <p:sp>
+        <p:nvSpPr>
+          <p:cNvPr id="3" name="Content Placeholder 2">
+            <a:extLst>
+              <a:ext uri="{FF2B5EF4-FFF2-40B4-BE49-F238E27FC236}">
+                <a16:creationId xmlns:a16="http://schemas.microsoft.com/office/drawing/2014/main" id="{317DFD97-1ADA-8120-9D28-F2394F3AA7D3}"/>
+              </a:ext>
+            </a:extLst>
+          </p:cNvPr>
+          <p:cNvSpPr>
+            <a:spLocks noGrp="1"/>
+          </p:cNvSpPr>
+          <p:nvPr>
+            <p:ph idx="1"/>
+          </p:nvPr>
+        </p:nvSpPr>
+        <p:spPr/>
+        <p:txBody>
+          <a:bodyPr/>
+          <a:lstStyle/>
+          <a:p>
+            <a:pPr>
+              <a:buFont typeface="Arial" panose="020B0604020202020204" pitchFamily="34" charset="0"/>
+              <a:buChar char="•"/>
+            </a:pPr>
+            <a:r>
+              <a:rPr lang="fr-FR" dirty="0">
+                <a:latin typeface="Garamond" panose="02020404030301010803" pitchFamily="18" charset="0"/>
+              </a:rPr>
+              <a:t>Architecture basée sur les composants</a:t>
+            </a:r>
+          </a:p>
+          <a:p>
+            <a:pPr>
+              <a:buFont typeface="Arial" panose="020B0604020202020204" pitchFamily="34" charset="0"/>
+              <a:buChar char="•"/>
+            </a:pPr>
+            <a:r>
+              <a:rPr lang="fr-FR" dirty="0">
+                <a:latin typeface="Garamond" panose="02020404030301010803" pitchFamily="18" charset="0"/>
+              </a:rPr>
+              <a:t>Éléments UI réutilisables</a:t>
+            </a:r>
+          </a:p>
+          <a:p>
+            <a:pPr>
+              <a:buFont typeface="Arial" panose="020B0604020202020204" pitchFamily="34" charset="0"/>
+              <a:buChar char="•"/>
+            </a:pPr>
+            <a:r>
+              <a:rPr lang="fr-FR" dirty="0">
+                <a:latin typeface="Garamond" panose="02020404030301010803" pitchFamily="18" charset="0"/>
+              </a:rPr>
+              <a:t>Gestion d'état</a:t>
+            </a:r>
+          </a:p>
+          <a:p>
+            <a:pPr>
+              <a:buFont typeface="Arial" panose="020B0604020202020204" pitchFamily="34" charset="0"/>
+              <a:buChar char="•"/>
+            </a:pPr>
+            <a:r>
+              <a:rPr lang="fr-FR" dirty="0">
+                <a:latin typeface="Garamond" panose="02020404030301010803" pitchFamily="18" charset="0"/>
+              </a:rPr>
+              <a:t>Intégration de l'API</a:t>
+            </a:r>
+          </a:p>
+          <a:p>
+            <a:pPr>
+              <a:buFont typeface="Arial" panose="020B0604020202020204" pitchFamily="34" charset="0"/>
+              <a:buChar char="•"/>
+            </a:pPr>
+            <a:r>
+              <a:rPr lang="fr-FR" dirty="0">
+                <a:latin typeface="Garamond" panose="02020404030301010803" pitchFamily="18" charset="0"/>
+              </a:rPr>
+              <a:t>Design réactif : </a:t>
+            </a:r>
+          </a:p>
+          <a:p>
+            <a:pPr lvl="1"/>
+            <a:r>
+              <a:rPr lang="fr-FR" dirty="0">
+                <a:latin typeface="Garamond" panose="02020404030301010803" pitchFamily="18" charset="0"/>
+              </a:rPr>
+              <a:t>Approche mobile-first (</a:t>
+            </a:r>
+            <a:r>
+              <a:rPr lang="fr-FR" dirty="0" err="1">
+                <a:latin typeface="Garamond" panose="02020404030301010803" pitchFamily="18" charset="0"/>
+              </a:rPr>
+              <a:t>Tailwind</a:t>
+            </a:r>
+            <a:r>
+              <a:rPr lang="fr-FR" dirty="0">
+                <a:latin typeface="Garamond" panose="02020404030301010803" pitchFamily="18" charset="0"/>
+              </a:rPr>
+              <a:t>)</a:t>
+            </a:r>
+          </a:p>
+        </p:txBody>
+      </p:sp>
+    </p:spTree>
+    <p:extLst>
+      <p:ext uri="{BB962C8B-B14F-4D97-AF65-F5344CB8AC3E}">
+        <p14:creationId xmlns:p14="http://schemas.microsoft.com/office/powerpoint/2010/main" val="828301887"/>
+      </p:ext>
+    </p:extLst>
+  </p:cSld>
+  <p:clrMapOvr>
+    <a:masterClrMapping/>
+  </p:clrMapOvr>
+  <mc:AlternateContent xmlns:mc="http://schemas.openxmlformats.org/markup-compatibility/2006" xmlns:p14="http://schemas.microsoft.com/office/powerpoint/2010/main">
+    <mc:Choice Requires="p14">
+      <p:transition spd="med" p14:dur="700">
+        <p:fade/>
+      </p:transition>
+    </mc:Choice>
+    <mc:Fallback xmlns="">
+      <p:transition spd="med">
+        <p:fade/>
+      </p:transition>
+    </mc:Fallback>
+  </mc:AlternateContent>
+</p:sld>
+</file>
+
+<file path=ppt/slides/slide12.xml><?xml version="1.0" encoding="utf-8"?>
+<p:sld xmlns:a="http://schemas.openxmlformats.org/drawingml/2006/main" xmlns:r="http://schemas.openxmlformats.org/officeDocument/2006/relationships" xmlns:p="http://schemas.openxmlformats.org/presentationml/2006/main">
+  <p:cSld>
+    <p:spTree>
+      <p:nvGrpSpPr>
+        <p:cNvPr id="1" name=""/>
+        <p:cNvGrpSpPr/>
+        <p:nvPr/>
+      </p:nvGrpSpPr>
+      <p:grpSpPr>
+        <a:xfrm>
+          <a:off x="0" y="0"/>
+          <a:ext cx="0" cy="0"/>
+          <a:chOff x="0" y="0"/>
+          <a:chExt cx="0" cy="0"/>
+        </a:xfrm>
+      </p:grpSpPr>
+      <p:sp>
+        <p:nvSpPr>
+          <p:cNvPr id="2" name="Title 1">
+            <a:extLst>
+              <a:ext uri="{FF2B5EF4-FFF2-40B4-BE49-F238E27FC236}">
                 <a16:creationId xmlns:a16="http://schemas.microsoft.com/office/drawing/2014/main" id="{34B07B47-5956-3AFB-FB81-C21E4052BEF4}"/>
               </a:ext>
             </a:extLst>
@@ -5879,8 +6278,17 @@
               <a:rPr lang="fr-FR" dirty="0">
                 <a:latin typeface="Garamond" panose="02020404030301010803" pitchFamily="18" charset="0"/>
               </a:rPr>
-              <a:t>Exemples de code Frontend</a:t>
-            </a:r>
+              <a:t>Exemples de code </a:t>
+            </a:r>
+            <a:r>
+              <a:rPr lang="fr-FR" dirty="0" err="1">
+                <a:latin typeface="Garamond" panose="02020404030301010803" pitchFamily="18" charset="0"/>
+              </a:rPr>
+              <a:t>Front-end</a:t>
+            </a:r>
+            <a:endParaRPr lang="fr-FR" dirty="0">
+              <a:latin typeface="Garamond" panose="02020404030301010803" pitchFamily="18" charset="0"/>
+            </a:endParaRPr>
           </a:p>
         </p:txBody>
       </p:sp>
@@ -6002,7 +6410,7 @@
 </p:sld>
 </file>
 
-<file path=ppt/slides/slide11.xml><?xml version="1.0" encoding="utf-8"?>
+<file path=ppt/slides/slide13.xml><?xml version="1.0" encoding="utf-8"?>
 <p:sld xmlns:a="http://schemas.openxmlformats.org/drawingml/2006/main" xmlns:r="http://schemas.openxmlformats.org/officeDocument/2006/relationships" xmlns:p="http://schemas.openxmlformats.org/presentationml/2006/main">
   <p:cSld>
     <p:spTree>
@@ -6050,8 +6458,17 @@
               <a:rPr lang="fr-FR" dirty="0">
                 <a:latin typeface="Garamond" panose="02020404030301010803" pitchFamily="18" charset="0"/>
               </a:rPr>
-              <a:t>Exemples de code Frontend</a:t>
-            </a:r>
+              <a:t>Exemples de code </a:t>
+            </a:r>
+            <a:r>
+              <a:rPr lang="fr-FR" dirty="0" err="1">
+                <a:latin typeface="Garamond" panose="02020404030301010803" pitchFamily="18" charset="0"/>
+              </a:rPr>
+              <a:t>Front-end</a:t>
+            </a:r>
+            <a:endParaRPr lang="fr-FR" dirty="0">
+              <a:latin typeface="Garamond" panose="02020404030301010803" pitchFamily="18" charset="0"/>
+            </a:endParaRPr>
           </a:p>
         </p:txBody>
       </p:sp>
@@ -6173,7 +6590,7 @@
 </p:sld>
 </file>
 
-<file path=ppt/slides/slide12.xml><?xml version="1.0" encoding="utf-8"?>
+<file path=ppt/slides/slide14.xml><?xml version="1.0" encoding="utf-8"?>
 <p:sld xmlns:a="http://schemas.openxmlformats.org/drawingml/2006/main" xmlns:r="http://schemas.openxmlformats.org/officeDocument/2006/relationships" xmlns:p="http://schemas.openxmlformats.org/presentationml/2006/main">
   <p:cSld>
     <p:spTree>
@@ -6221,8 +6638,17 @@
               <a:rPr lang="fr-FR" dirty="0">
                 <a:latin typeface="Garamond" panose="02020404030301010803" pitchFamily="18" charset="0"/>
               </a:rPr>
-              <a:t>Exemples de code Frontend</a:t>
-            </a:r>
+              <a:t>Exemples de code </a:t>
+            </a:r>
+            <a:r>
+              <a:rPr lang="fr-FR" dirty="0" err="1">
+                <a:latin typeface="Garamond" panose="02020404030301010803" pitchFamily="18" charset="0"/>
+              </a:rPr>
+              <a:t>Front-end</a:t>
+            </a:r>
+            <a:endParaRPr lang="fr-FR" dirty="0">
+              <a:latin typeface="Garamond" panose="02020404030301010803" pitchFamily="18" charset="0"/>
+            </a:endParaRPr>
           </a:p>
         </p:txBody>
       </p:sp>
@@ -6311,8 +6737,8 @@
         </p:blipFill>
         <p:spPr>
           <a:xfrm>
-            <a:off x="7097040" y="533400"/>
-            <a:ext cx="4974310" cy="6242176"/>
+            <a:off x="7214690" y="681036"/>
+            <a:ext cx="4856660" cy="6094539"/>
           </a:xfrm>
           <a:prstGeom prst="rect">
             <a:avLst/>
@@ -6344,7 +6770,7 @@
 </p:sld>
 </file>
 
-<file path=ppt/slides/slide13.xml><?xml version="1.0" encoding="utf-8"?>
+<file path=ppt/slides/slide15.xml><?xml version="1.0" encoding="utf-8"?>
 <p:sld xmlns:a="http://schemas.openxmlformats.org/drawingml/2006/main" xmlns:r="http://schemas.openxmlformats.org/officeDocument/2006/relationships" xmlns:p="http://schemas.openxmlformats.org/presentationml/2006/main">
   <p:cSld>
     <p:spTree>
@@ -6578,7 +7004,7 @@
 </p:sld>
 </file>
 
-<file path=ppt/slides/slide14.xml><?xml version="1.0" encoding="utf-8"?>
+<file path=ppt/slides/slide16.xml><?xml version="1.0" encoding="utf-8"?>
 <p:sld xmlns:a="http://schemas.openxmlformats.org/drawingml/2006/main" xmlns:r="http://schemas.openxmlformats.org/officeDocument/2006/relationships" xmlns:p="http://schemas.openxmlformats.org/presentationml/2006/main">
   <p:cSld>
     <p:spTree>
@@ -6704,7 +7130,7 @@
 </p:sld>
 </file>
 
-<file path=ppt/slides/slide15.xml><?xml version="1.0" encoding="utf-8"?>
+<file path=ppt/slides/slide17.xml><?xml version="1.0" encoding="utf-8"?>
 <p:sld xmlns:a="http://schemas.openxmlformats.org/drawingml/2006/main" xmlns:r="http://schemas.openxmlformats.org/officeDocument/2006/relationships" xmlns:p="http://schemas.openxmlformats.org/presentationml/2006/main">
   <p:cSld>
     <p:spTree>
@@ -6878,348 +7304,6 @@
 </p:sld>
 </file>
 
-<file path=ppt/slides/slide16.xml><?xml version="1.0" encoding="utf-8"?>
-<p:sld xmlns:a="http://schemas.openxmlformats.org/drawingml/2006/main" xmlns:r="http://schemas.openxmlformats.org/officeDocument/2006/relationships" xmlns:p="http://schemas.openxmlformats.org/presentationml/2006/main">
-  <p:cSld>
-    <p:spTree>
-      <p:nvGrpSpPr>
-        <p:cNvPr id="1" name=""/>
-        <p:cNvGrpSpPr/>
-        <p:nvPr/>
-      </p:nvGrpSpPr>
-      <p:grpSpPr>
-        <a:xfrm>
-          <a:off x="0" y="0"/>
-          <a:ext cx="0" cy="0"/>
-          <a:chOff x="0" y="0"/>
-          <a:chExt cx="0" cy="0"/>
-        </a:xfrm>
-      </p:grpSpPr>
-      <p:sp>
-        <p:nvSpPr>
-          <p:cNvPr id="2" name="Title 1">
-            <a:extLst>
-              <a:ext uri="{FF2B5EF4-FFF2-40B4-BE49-F238E27FC236}">
-                <a16:creationId xmlns:a16="http://schemas.microsoft.com/office/drawing/2014/main" id="{1FFC5252-2450-061D-A0D9-CF293A609FFC}"/>
-              </a:ext>
-            </a:extLst>
-          </p:cNvPr>
-          <p:cNvSpPr>
-            <a:spLocks noGrp="1"/>
-          </p:cNvSpPr>
-          <p:nvPr>
-            <p:ph type="title"/>
-          </p:nvPr>
-        </p:nvSpPr>
-        <p:spPr/>
-        <p:txBody>
-          <a:bodyPr/>
-          <a:lstStyle/>
-          <a:p>
-            <a:r>
-              <a:rPr lang="fr-FR" dirty="0">
-                <a:latin typeface="Garamond" panose="02020404030301010803" pitchFamily="18" charset="0"/>
-              </a:rPr>
-              <a:t>Défis &amp; Solutions</a:t>
-            </a:r>
-          </a:p>
-        </p:txBody>
-      </p:sp>
-      <p:sp>
-        <p:nvSpPr>
-          <p:cNvPr id="3" name="Content Placeholder 2">
-            <a:extLst>
-              <a:ext uri="{FF2B5EF4-FFF2-40B4-BE49-F238E27FC236}">
-                <a16:creationId xmlns:a16="http://schemas.microsoft.com/office/drawing/2014/main" id="{9898DE25-446D-9AAE-F497-832FCFCB8A88}"/>
-              </a:ext>
-            </a:extLst>
-          </p:cNvPr>
-          <p:cNvSpPr>
-            <a:spLocks noGrp="1"/>
-          </p:cNvSpPr>
-          <p:nvPr>
-            <p:ph idx="1"/>
-          </p:nvPr>
-        </p:nvSpPr>
-        <p:spPr/>
-        <p:txBody>
-          <a:bodyPr/>
-          <a:lstStyle/>
-          <a:p>
-            <a:pPr>
-              <a:buFont typeface="Arial" panose="020B0604020202020204" pitchFamily="34" charset="0"/>
-              <a:buChar char="•"/>
-            </a:pPr>
-            <a:r>
-              <a:rPr lang="fr-FR" dirty="0">
-                <a:latin typeface="Garamond" panose="02020404030301010803" pitchFamily="18" charset="0"/>
-              </a:rPr>
-              <a:t>Défis techniques :</a:t>
-            </a:r>
-          </a:p>
-          <a:p>
-            <a:pPr marL="742950" lvl="1" indent="-285750">
-              <a:buFont typeface="Arial" panose="020B0604020202020204" pitchFamily="34" charset="0"/>
-              <a:buChar char="•"/>
-            </a:pPr>
-            <a:r>
-              <a:rPr lang="fr-FR" dirty="0">
-                <a:latin typeface="Garamond" panose="02020404030301010803" pitchFamily="18" charset="0"/>
-              </a:rPr>
-              <a:t>Prototypage avec Adobe XD</a:t>
-            </a:r>
-          </a:p>
-          <a:p>
-            <a:pPr marL="742950" lvl="1" indent="-285750">
-              <a:buFont typeface="Arial" panose="020B0604020202020204" pitchFamily="34" charset="0"/>
-              <a:buChar char="•"/>
-            </a:pPr>
-            <a:r>
-              <a:rPr lang="fr-FR" dirty="0">
-                <a:latin typeface="Garamond" panose="02020404030301010803" pitchFamily="18" charset="0"/>
-              </a:rPr>
-              <a:t>Reconversion du style pour un design mobile-first</a:t>
-            </a:r>
-          </a:p>
-          <a:p>
-            <a:pPr marL="742950" lvl="1" indent="-285750">
-              <a:buFont typeface="Arial" panose="020B0604020202020204" pitchFamily="34" charset="0"/>
-              <a:buChar char="•"/>
-            </a:pPr>
-            <a:r>
-              <a:rPr lang="fr-FR" dirty="0">
-                <a:latin typeface="Garamond" panose="02020404030301010803" pitchFamily="18" charset="0"/>
-              </a:rPr>
-              <a:t>Gestion des JWT</a:t>
-            </a:r>
-          </a:p>
-          <a:p>
-            <a:pPr>
-              <a:buFont typeface="Arial" panose="020B0604020202020204" pitchFamily="34" charset="0"/>
-              <a:buChar char="•"/>
-            </a:pPr>
-            <a:r>
-              <a:rPr lang="fr-FR" dirty="0">
-                <a:latin typeface="Garamond" panose="02020404030301010803" pitchFamily="18" charset="0"/>
-              </a:rPr>
-              <a:t>Solutions :</a:t>
-            </a:r>
-          </a:p>
-          <a:p>
-            <a:pPr marL="742950" lvl="1" indent="-285750">
-              <a:buFont typeface="Arial" panose="020B0604020202020204" pitchFamily="34" charset="0"/>
-              <a:buChar char="•"/>
-            </a:pPr>
-            <a:r>
-              <a:rPr lang="fr-FR" dirty="0">
-                <a:latin typeface="Garamond" panose="02020404030301010803" pitchFamily="18" charset="0"/>
-              </a:rPr>
-              <a:t>Regarder des tutoriels et demander des conseils sur les forums</a:t>
-            </a:r>
-          </a:p>
-          <a:p>
-            <a:pPr marL="742950" lvl="1" indent="-285750">
-              <a:buFont typeface="Arial" panose="020B0604020202020204" pitchFamily="34" charset="0"/>
-              <a:buChar char="•"/>
-            </a:pPr>
-            <a:r>
-              <a:rPr lang="fr-FR" dirty="0">
-                <a:latin typeface="Garamond" panose="02020404030301010803" pitchFamily="18" charset="0"/>
-              </a:rPr>
-              <a:t>Relire les styles et les réimaginer en mobile-first</a:t>
-            </a:r>
-          </a:p>
-          <a:p>
-            <a:pPr marL="742950" lvl="1" indent="-285750">
-              <a:buFont typeface="Arial" panose="020B0604020202020204" pitchFamily="34" charset="0"/>
-              <a:buChar char="•"/>
-            </a:pPr>
-            <a:r>
-              <a:rPr lang="fr-FR" dirty="0">
-                <a:latin typeface="Garamond" panose="02020404030301010803" pitchFamily="18" charset="0"/>
-              </a:rPr>
-              <a:t>Apprendre à partir de projets de formation pour la gestion JWT et des cookies</a:t>
-            </a:r>
-          </a:p>
-          <a:p>
-            <a:endParaRPr lang="en-US" dirty="0">
-              <a:latin typeface="Garamond" panose="02020404030301010803" pitchFamily="18" charset="0"/>
-            </a:endParaRPr>
-          </a:p>
-        </p:txBody>
-      </p:sp>
-    </p:spTree>
-    <p:extLst>
-      <p:ext uri="{BB962C8B-B14F-4D97-AF65-F5344CB8AC3E}">
-        <p14:creationId xmlns:p14="http://schemas.microsoft.com/office/powerpoint/2010/main" val="1151645210"/>
-      </p:ext>
-    </p:extLst>
-  </p:cSld>
-  <p:clrMapOvr>
-    <a:masterClrMapping/>
-  </p:clrMapOvr>
-  <mc:AlternateContent xmlns:mc="http://schemas.openxmlformats.org/markup-compatibility/2006" xmlns:p14="http://schemas.microsoft.com/office/powerpoint/2010/main">
-    <mc:Choice Requires="p14">
-      <p:transition spd="med" p14:dur="700">
-        <p:fade/>
-      </p:transition>
-    </mc:Choice>
-    <mc:Fallback xmlns="">
-      <p:transition spd="med">
-        <p:fade/>
-      </p:transition>
-    </mc:Fallback>
-  </mc:AlternateContent>
-</p:sld>
-</file>
-
-<file path=ppt/slides/slide17.xml><?xml version="1.0" encoding="utf-8"?>
-<p:sld xmlns:a="http://schemas.openxmlformats.org/drawingml/2006/main" xmlns:r="http://schemas.openxmlformats.org/officeDocument/2006/relationships" xmlns:p="http://schemas.openxmlformats.org/presentationml/2006/main">
-  <p:cSld>
-    <p:spTree>
-      <p:nvGrpSpPr>
-        <p:cNvPr id="1" name=""/>
-        <p:cNvGrpSpPr/>
-        <p:nvPr/>
-      </p:nvGrpSpPr>
-      <p:grpSpPr>
-        <a:xfrm>
-          <a:off x="0" y="0"/>
-          <a:ext cx="0" cy="0"/>
-          <a:chOff x="0" y="0"/>
-          <a:chExt cx="0" cy="0"/>
-        </a:xfrm>
-      </p:grpSpPr>
-      <p:sp>
-        <p:nvSpPr>
-          <p:cNvPr id="2" name="Title 1">
-            <a:extLst>
-              <a:ext uri="{FF2B5EF4-FFF2-40B4-BE49-F238E27FC236}">
-                <a16:creationId xmlns:a16="http://schemas.microsoft.com/office/drawing/2014/main" id="{57B3D0B4-04A9-397A-50A8-C5DF170197F7}"/>
-              </a:ext>
-            </a:extLst>
-          </p:cNvPr>
-          <p:cNvSpPr>
-            <a:spLocks noGrp="1"/>
-          </p:cNvSpPr>
-          <p:nvPr>
-            <p:ph type="title"/>
-          </p:nvPr>
-        </p:nvSpPr>
-        <p:spPr/>
-        <p:txBody>
-          <a:bodyPr/>
-          <a:lstStyle/>
-          <a:p>
-            <a:r>
-              <a:rPr lang="fr-FR" dirty="0">
-                <a:latin typeface="Garamond" panose="02020404030301010803" pitchFamily="18" charset="0"/>
-              </a:rPr>
-              <a:t>Chronologie du projet &amp; jalons</a:t>
-            </a:r>
-          </a:p>
-        </p:txBody>
-      </p:sp>
-      <p:sp>
-        <p:nvSpPr>
-          <p:cNvPr id="3" name="Content Placeholder 2">
-            <a:extLst>
-              <a:ext uri="{FF2B5EF4-FFF2-40B4-BE49-F238E27FC236}">
-                <a16:creationId xmlns:a16="http://schemas.microsoft.com/office/drawing/2014/main" id="{A2EEFAA7-8AA1-DD73-D310-748E5F49108A}"/>
-              </a:ext>
-            </a:extLst>
-          </p:cNvPr>
-          <p:cNvSpPr>
-            <a:spLocks noGrp="1"/>
-          </p:cNvSpPr>
-          <p:nvPr>
-            <p:ph idx="1"/>
-          </p:nvPr>
-        </p:nvSpPr>
-        <p:spPr/>
-        <p:txBody>
-          <a:bodyPr/>
-          <a:lstStyle/>
-          <a:p>
-            <a:r>
-              <a:rPr lang="en-US" dirty="0">
-                <a:latin typeface="Garamond" panose="02020404030301010803" pitchFamily="18" charset="0"/>
-              </a:rPr>
-              <a:t>Phases:</a:t>
-            </a:r>
-          </a:p>
-          <a:p>
-            <a:pPr lvl="1"/>
-            <a:r>
-              <a:rPr lang="fr-FR" dirty="0">
-                <a:latin typeface="Garamond" panose="02020404030301010803" pitchFamily="18" charset="0"/>
-              </a:rPr>
-              <a:t>Document de spécification (mai 2024)</a:t>
-            </a:r>
-          </a:p>
-          <a:p>
-            <a:pPr lvl="1"/>
-            <a:r>
-              <a:rPr lang="fr-FR" dirty="0">
-                <a:latin typeface="Garamond" panose="02020404030301010803" pitchFamily="18" charset="0"/>
-              </a:rPr>
-              <a:t>Diagrammes UML et définitions visuelles (juin-juillet 2024)</a:t>
-            </a:r>
-          </a:p>
-          <a:p>
-            <a:pPr lvl="1"/>
-            <a:r>
-              <a:rPr lang="fr-FR" dirty="0">
-                <a:latin typeface="Garamond" panose="02020404030301010803" pitchFamily="18" charset="0"/>
-              </a:rPr>
-              <a:t>Développement Backend (août-septembre 2024)</a:t>
-            </a:r>
-          </a:p>
-          <a:p>
-            <a:pPr lvl="1"/>
-            <a:r>
-              <a:rPr lang="fr-FR" dirty="0">
-                <a:latin typeface="Garamond" panose="02020404030301010803" pitchFamily="18" charset="0"/>
-              </a:rPr>
-              <a:t>Développement Frontend (septembre-décembre 2024)</a:t>
-            </a:r>
-          </a:p>
-          <a:p>
-            <a:pPr lvl="1"/>
-            <a:r>
-              <a:rPr lang="fr-FR" dirty="0">
-                <a:latin typeface="Garamond" panose="02020404030301010803" pitchFamily="18" charset="0"/>
-              </a:rPr>
-              <a:t>Finalisation (février 2025)</a:t>
-            </a:r>
-          </a:p>
-        </p:txBody>
-      </p:sp>
-    </p:spTree>
-    <p:extLst>
-      <p:ext uri="{BB962C8B-B14F-4D97-AF65-F5344CB8AC3E}">
-        <p14:creationId xmlns:p14="http://schemas.microsoft.com/office/powerpoint/2010/main" val="139857989"/>
-      </p:ext>
-    </p:extLst>
-  </p:cSld>
-  <p:clrMapOvr>
-    <a:masterClrMapping/>
-  </p:clrMapOvr>
-  <mc:AlternateContent xmlns:mc="http://schemas.openxmlformats.org/markup-compatibility/2006" xmlns:p14="http://schemas.microsoft.com/office/powerpoint/2010/main">
-    <mc:Choice Requires="p14">
-      <p:transition spd="med" p14:dur="700">
-        <p:fade/>
-      </p:transition>
-    </mc:Choice>
-    <mc:Fallback xmlns="">
-      <p:transition spd="med">
-        <p:fade/>
-      </p:transition>
-    </mc:Fallback>
-  </mc:AlternateContent>
-</p:sld>
-</file>
-
 <file path=ppt/slides/slide18.xml><?xml version="1.0" encoding="utf-8"?>
 <p:sld xmlns:a="http://schemas.openxmlformats.org/drawingml/2006/main" xmlns:r="http://schemas.openxmlformats.org/officeDocument/2006/relationships" xmlns:p="http://schemas.openxmlformats.org/presentationml/2006/main">
   <p:cSld>
@@ -7242,7 +7326,7 @@
           <p:cNvPr id="2" name="Title 1">
             <a:extLst>
               <a:ext uri="{FF2B5EF4-FFF2-40B4-BE49-F238E27FC236}">
-                <a16:creationId xmlns:a16="http://schemas.microsoft.com/office/drawing/2014/main" id="{19045542-6E4F-160A-B3C9-7E226A8C6E1D}"/>
+                <a16:creationId xmlns:a16="http://schemas.microsoft.com/office/drawing/2014/main" id="{1FFC5252-2450-061D-A0D9-CF293A609FFC}"/>
               </a:ext>
             </a:extLst>
           </p:cNvPr>
@@ -7262,7 +7346,7 @@
               <a:rPr lang="fr-FR" dirty="0">
                 <a:latin typeface="Garamond" panose="02020404030301010803" pitchFamily="18" charset="0"/>
               </a:rPr>
-              <a:t>Légal &amp; Conformité</a:t>
+              <a:t>Défis &amp; Solutions</a:t>
             </a:r>
           </a:p>
         </p:txBody>
@@ -7272,7 +7356,7 @@
           <p:cNvPr id="3" name="Content Placeholder 2">
             <a:extLst>
               <a:ext uri="{FF2B5EF4-FFF2-40B4-BE49-F238E27FC236}">
-                <a16:creationId xmlns:a16="http://schemas.microsoft.com/office/drawing/2014/main" id="{E39FBA9F-70BF-9222-A791-08F5C879EEF3}"/>
+                <a16:creationId xmlns:a16="http://schemas.microsoft.com/office/drawing/2014/main" id="{9898DE25-446D-9AAE-F497-832FCFCB8A88}"/>
               </a:ext>
             </a:extLst>
           </p:cNvPr>
@@ -7296,7 +7380,7 @@
               <a:rPr lang="fr-FR" dirty="0">
                 <a:latin typeface="Garamond" panose="02020404030301010803" pitchFamily="18" charset="0"/>
               </a:rPr>
-              <a:t>Propriété intellectuelle :</a:t>
+              <a:t>Défis techniques :</a:t>
             </a:r>
           </a:p>
           <a:p>
@@ -7308,7 +7392,31 @@
               <a:rPr lang="fr-FR" dirty="0">
                 <a:latin typeface="Garamond" panose="02020404030301010803" pitchFamily="18" charset="0"/>
               </a:rPr>
-              <a:t>Sous licence MIT (open-source)</a:t>
+              <a:t>Prototypage avec Adobe XD</a:t>
+            </a:r>
+          </a:p>
+          <a:p>
+            <a:pPr marL="742950" lvl="1" indent="-285750">
+              <a:buFont typeface="Arial" panose="020B0604020202020204" pitchFamily="34" charset="0"/>
+              <a:buChar char="•"/>
+            </a:pPr>
+            <a:r>
+              <a:rPr lang="fr-FR" dirty="0">
+                <a:latin typeface="Garamond" panose="02020404030301010803" pitchFamily="18" charset="0"/>
+              </a:rPr>
+              <a:t>Reconversion du style pour un design mobile-first</a:t>
+            </a:r>
+          </a:p>
+          <a:p>
+            <a:pPr marL="742950" lvl="1" indent="-285750">
+              <a:buFont typeface="Arial" panose="020B0604020202020204" pitchFamily="34" charset="0"/>
+              <a:buChar char="•"/>
+            </a:pPr>
+            <a:r>
+              <a:rPr lang="fr-FR" dirty="0">
+                <a:latin typeface="Garamond" panose="02020404030301010803" pitchFamily="18" charset="0"/>
+              </a:rPr>
+              <a:t>Gestion des JWT</a:t>
             </a:r>
           </a:p>
           <a:p>
@@ -7320,7 +7428,7 @@
               <a:rPr lang="fr-FR" dirty="0">
                 <a:latin typeface="Garamond" panose="02020404030301010803" pitchFamily="18" charset="0"/>
               </a:rPr>
-              <a:t>Conformité :</a:t>
+              <a:t>Solutions :</a:t>
             </a:r>
           </a:p>
           <a:p>
@@ -7332,7 +7440,7 @@
               <a:rPr lang="fr-FR" dirty="0">
                 <a:latin typeface="Garamond" panose="02020404030301010803" pitchFamily="18" charset="0"/>
               </a:rPr>
-              <a:t>RGPD et lois européennes</a:t>
+              <a:t>Regarder des tutoriels et demander des conseils sur les forums</a:t>
             </a:r>
           </a:p>
           <a:p>
@@ -7344,15 +7452,32 @@
               <a:rPr lang="fr-FR" dirty="0">
                 <a:latin typeface="Garamond" panose="02020404030301010803" pitchFamily="18" charset="0"/>
               </a:rPr>
-              <a:t>Conditions générales</a:t>
-            </a:r>
+              <a:t>Relire les styles et les réimaginer en mobile-first</a:t>
+            </a:r>
+          </a:p>
+          <a:p>
+            <a:pPr marL="742950" lvl="1" indent="-285750">
+              <a:buFont typeface="Arial" panose="020B0604020202020204" pitchFamily="34" charset="0"/>
+              <a:buChar char="•"/>
+            </a:pPr>
+            <a:r>
+              <a:rPr lang="fr-FR" dirty="0">
+                <a:latin typeface="Garamond" panose="02020404030301010803" pitchFamily="18" charset="0"/>
+              </a:rPr>
+              <a:t>Apprendre à partir de projets de formation pour la gestion JWT et des cookies</a:t>
+            </a:r>
+          </a:p>
+          <a:p>
+            <a:endParaRPr lang="en-US" dirty="0">
+              <a:latin typeface="Garamond" panose="02020404030301010803" pitchFamily="18" charset="0"/>
+            </a:endParaRPr>
           </a:p>
         </p:txBody>
       </p:sp>
     </p:spTree>
     <p:extLst>
       <p:ext uri="{BB962C8B-B14F-4D97-AF65-F5344CB8AC3E}">
-        <p14:creationId xmlns:p14="http://schemas.microsoft.com/office/powerpoint/2010/main" val="3305658643"/>
+        <p14:creationId xmlns:p14="http://schemas.microsoft.com/office/powerpoint/2010/main" val="1151645210"/>
       </p:ext>
     </p:extLst>
   </p:cSld>
@@ -7396,7 +7521,7 @@
           <p:cNvPr id="2" name="Title 1">
             <a:extLst>
               <a:ext uri="{FF2B5EF4-FFF2-40B4-BE49-F238E27FC236}">
-                <a16:creationId xmlns:a16="http://schemas.microsoft.com/office/drawing/2014/main" id="{76D83DCA-030B-5965-0D4C-A7DD098F692B}"/>
+                <a16:creationId xmlns:a16="http://schemas.microsoft.com/office/drawing/2014/main" id="{57B3D0B4-04A9-397A-50A8-C5DF170197F7}"/>
               </a:ext>
             </a:extLst>
           </p:cNvPr>
@@ -7416,7 +7541,7 @@
               <a:rPr lang="fr-FR" dirty="0">
                 <a:latin typeface="Garamond" panose="02020404030301010803" pitchFamily="18" charset="0"/>
               </a:rPr>
-              <a:t>Conclusion &amp; Validation</a:t>
+              <a:t>Chronologie du projet &amp; jalons</a:t>
             </a:r>
           </a:p>
         </p:txBody>
@@ -7426,7 +7551,7 @@
           <p:cNvPr id="3" name="Content Placeholder 2">
             <a:extLst>
               <a:ext uri="{FF2B5EF4-FFF2-40B4-BE49-F238E27FC236}">
-                <a16:creationId xmlns:a16="http://schemas.microsoft.com/office/drawing/2014/main" id="{833D90FB-787E-FE5A-76A7-54045D11463B}"/>
+                <a16:creationId xmlns:a16="http://schemas.microsoft.com/office/drawing/2014/main" id="{A2EEFAA7-8AA1-DD73-D310-748E5F49108A}"/>
               </a:ext>
             </a:extLst>
           </p:cNvPr>
@@ -7442,98 +7567,56 @@
           <a:bodyPr/>
           <a:lstStyle/>
           <a:p>
-            <a:pPr>
-              <a:buFont typeface="Arial" panose="020B0604020202020204" pitchFamily="34" charset="0"/>
-              <a:buChar char="•"/>
-            </a:pPr>
-            <a:r>
-              <a:rPr lang="fr-FR" dirty="0">
-                <a:latin typeface="Garamond" panose="02020404030301010803" pitchFamily="18" charset="0"/>
-              </a:rPr>
-              <a:t>Résumé :</a:t>
-            </a:r>
-          </a:p>
-          <a:p>
-            <a:pPr marL="742950" lvl="1" indent="-285750">
-              <a:buFont typeface="Arial" panose="020B0604020202020204" pitchFamily="34" charset="0"/>
-              <a:buChar char="•"/>
-            </a:pPr>
-            <a:r>
-              <a:rPr lang="fr-FR" dirty="0">
-                <a:latin typeface="Garamond" panose="02020404030301010803" pitchFamily="18" charset="0"/>
-              </a:rPr>
-              <a:t>Récapitulation des points clés</a:t>
-            </a:r>
-          </a:p>
-          <a:p>
-            <a:pPr marL="742950" lvl="1" indent="-285750">
-              <a:buFont typeface="Arial" panose="020B0604020202020204" pitchFamily="34" charset="0"/>
-              <a:buChar char="•"/>
-            </a:pPr>
-            <a:r>
-              <a:rPr lang="fr-FR" dirty="0">
-                <a:latin typeface="Garamond" panose="02020404030301010803" pitchFamily="18" charset="0"/>
-              </a:rPr>
-              <a:t>Importance du projet</a:t>
-            </a:r>
-            <a:br>
-              <a:rPr lang="fr-FR" dirty="0">
-                <a:latin typeface="Garamond" panose="02020404030301010803" pitchFamily="18" charset="0"/>
-              </a:rPr>
-            </a:br>
-            <a:endParaRPr lang="fr-FR" dirty="0">
-              <a:latin typeface="Garamond" panose="02020404030301010803" pitchFamily="18" charset="0"/>
-            </a:endParaRPr>
-          </a:p>
-          <a:p>
-            <a:pPr marL="285750" indent="-285750"/>
-            <a:r>
-              <a:rPr lang="fr-FR" dirty="0">
-                <a:latin typeface="Garamond" panose="02020404030301010803" pitchFamily="18" charset="0"/>
-              </a:rPr>
-              <a:t>Démonstration</a:t>
-            </a:r>
-          </a:p>
-          <a:p>
-            <a:pPr marL="285750" indent="-285750"/>
-            <a:endParaRPr lang="fr-FR" dirty="0">
-              <a:latin typeface="Garamond" panose="02020404030301010803" pitchFamily="18" charset="0"/>
-            </a:endParaRPr>
-          </a:p>
-          <a:p>
-            <a:pPr>
-              <a:buFont typeface="Arial" panose="020B0604020202020204" pitchFamily="34" charset="0"/>
-              <a:buChar char="•"/>
-            </a:pPr>
-            <a:r>
-              <a:rPr lang="fr-FR" dirty="0">
-                <a:latin typeface="Garamond" panose="02020404030301010803" pitchFamily="18" charset="0"/>
-              </a:rPr>
-              <a:t>Considérations supplémentaires :</a:t>
-            </a:r>
-          </a:p>
-          <a:p>
-            <a:pPr marL="742950" lvl="1" indent="-285750">
-              <a:buFont typeface="Arial" panose="020B0604020202020204" pitchFamily="34" charset="0"/>
-              <a:buChar char="•"/>
-            </a:pPr>
-            <a:r>
-              <a:rPr lang="fr-FR" dirty="0">
-                <a:latin typeface="Garamond" panose="02020404030301010803" pitchFamily="18" charset="0"/>
-              </a:rPr>
-              <a:t>Documentation</a:t>
-            </a:r>
-          </a:p>
-          <a:p>
-            <a:pPr marL="742950" lvl="1" indent="-285750">
-              <a:buFont typeface="Arial" panose="020B0604020202020204" pitchFamily="34" charset="0"/>
-              <a:buChar char="•"/>
-            </a:pPr>
-            <a:r>
-              <a:rPr lang="fr-FR" dirty="0">
-                <a:latin typeface="Garamond" panose="02020404030301010803" pitchFamily="18" charset="0"/>
-              </a:rPr>
-              <a:t>Améliorations futures</a:t>
+            <a:r>
+              <a:rPr lang="en-US" dirty="0">
+                <a:latin typeface="Garamond" panose="02020404030301010803" pitchFamily="18" charset="0"/>
+              </a:rPr>
+              <a:t>Phases:</a:t>
+            </a:r>
+          </a:p>
+          <a:p>
+            <a:pPr lvl="1"/>
+            <a:r>
+              <a:rPr lang="fr-FR" dirty="0">
+                <a:latin typeface="Garamond" panose="02020404030301010803" pitchFamily="18" charset="0"/>
+              </a:rPr>
+              <a:t>Document de spécification (mai 2024)</a:t>
+            </a:r>
+          </a:p>
+          <a:p>
+            <a:pPr lvl="1"/>
+            <a:r>
+              <a:rPr lang="fr-FR" dirty="0">
+                <a:latin typeface="Garamond" panose="02020404030301010803" pitchFamily="18" charset="0"/>
+              </a:rPr>
+              <a:t>Diagrammes UML et définitions visuelles (juin-juillet 2024)</a:t>
+            </a:r>
+          </a:p>
+          <a:p>
+            <a:pPr lvl="1"/>
+            <a:r>
+              <a:rPr lang="fr-FR" dirty="0">
+                <a:latin typeface="Garamond" panose="02020404030301010803" pitchFamily="18" charset="0"/>
+              </a:rPr>
+              <a:t>Développement Backend (août-septembre 2024)</a:t>
+            </a:r>
+          </a:p>
+          <a:p>
+            <a:pPr lvl="1"/>
+            <a:r>
+              <a:rPr lang="fr-FR" dirty="0">
+                <a:latin typeface="Garamond" panose="02020404030301010803" pitchFamily="18" charset="0"/>
+              </a:rPr>
+              <a:t>Développement Frontend (septembre-décembre 2024)</a:t>
+            </a:r>
+          </a:p>
+          <a:p>
+            <a:pPr lvl="1"/>
+            <a:r>
+              <a:rPr lang="fr-FR" dirty="0">
+                <a:latin typeface="Garamond" panose="02020404030301010803" pitchFamily="18" charset="0"/>
+              </a:rPr>
+              <a:t>Finalisation (février 2025)</a:t>
             </a:r>
           </a:p>
         </p:txBody>
@@ -7541,7 +7624,7 @@
     </p:spTree>
     <p:extLst>
       <p:ext uri="{BB962C8B-B14F-4D97-AF65-F5344CB8AC3E}">
-        <p14:creationId xmlns:p14="http://schemas.microsoft.com/office/powerpoint/2010/main" val="1307890701"/>
+        <p14:creationId xmlns:p14="http://schemas.microsoft.com/office/powerpoint/2010/main" val="139857989"/>
       </p:ext>
     </p:extLst>
   </p:cSld>
@@ -7585,7 +7668,7 @@
           <p:cNvPr id="2" name="Title 1">
             <a:extLst>
               <a:ext uri="{FF2B5EF4-FFF2-40B4-BE49-F238E27FC236}">
-                <a16:creationId xmlns:a16="http://schemas.microsoft.com/office/drawing/2014/main" id="{922C27D1-FA79-A26A-F0D4-3DA3159F362A}"/>
+                <a16:creationId xmlns:a16="http://schemas.microsoft.com/office/drawing/2014/main" id="{C98FDC31-5107-BDAA-E145-6988C0FECF3C}"/>
               </a:ext>
             </a:extLst>
           </p:cNvPr>
@@ -7605,94 +7688,295 @@
               <a:rPr lang="en-US" dirty="0">
                 <a:latin typeface="Garamond" panose="02020404030301010803" pitchFamily="18" charset="0"/>
               </a:rPr>
+              <a:t>Summary</a:t>
+            </a:r>
+          </a:p>
+        </p:txBody>
+      </p:sp>
+      <p:sp>
+        <p:nvSpPr>
+          <p:cNvPr id="3" name="Content Placeholder 2">
+            <a:extLst>
+              <a:ext uri="{FF2B5EF4-FFF2-40B4-BE49-F238E27FC236}">
+                <a16:creationId xmlns:a16="http://schemas.microsoft.com/office/drawing/2014/main" id="{559B4B5B-9D7A-EC48-0BF2-9D279E4302ED}"/>
+              </a:ext>
+            </a:extLst>
+          </p:cNvPr>
+          <p:cNvSpPr>
+            <a:spLocks noGrp="1"/>
+          </p:cNvSpPr>
+          <p:nvPr>
+            <p:ph idx="1"/>
+          </p:nvPr>
+        </p:nvSpPr>
+        <p:spPr>
+          <a:xfrm>
+            <a:off x="838200" y="1825625"/>
+            <a:ext cx="4204317" cy="4351338"/>
+          </a:xfrm>
+        </p:spPr>
+        <p:txBody>
+          <a:bodyPr/>
+          <a:lstStyle/>
+          <a:p>
+            <a:r>
+              <a:rPr lang="en-US" dirty="0">
+                <a:latin typeface="Garamond" panose="02020404030301010803" pitchFamily="18" charset="0"/>
+              </a:rPr>
               <a:t>Introduction</a:t>
+            </a:r>
+          </a:p>
+          <a:p>
+            <a:r>
+              <a:rPr lang="en-US" dirty="0">
+                <a:latin typeface="Garamond" panose="02020404030301010803" pitchFamily="18" charset="0"/>
+              </a:rPr>
+              <a:t>Vue </a:t>
+            </a:r>
+            <a:r>
+              <a:rPr lang="en-US" dirty="0" err="1">
+                <a:latin typeface="Garamond" panose="02020404030301010803" pitchFamily="18" charset="0"/>
+              </a:rPr>
+              <a:t>d’ensemble</a:t>
+            </a:r>
+            <a:r>
+              <a:rPr lang="en-US" dirty="0">
+                <a:latin typeface="Garamond" panose="02020404030301010803" pitchFamily="18" charset="0"/>
+              </a:rPr>
+              <a:t> de </a:t>
+            </a:r>
+            <a:r>
+              <a:rPr lang="en-US" dirty="0" err="1">
+                <a:latin typeface="Garamond" panose="02020404030301010803" pitchFamily="18" charset="0"/>
+              </a:rPr>
+              <a:t>projet</a:t>
+            </a:r>
+            <a:endParaRPr lang="en-US" dirty="0">
+              <a:latin typeface="Garamond" panose="02020404030301010803" pitchFamily="18" charset="0"/>
+            </a:endParaRPr>
+          </a:p>
+          <a:p>
+            <a:r>
+              <a:rPr lang="en-US" dirty="0">
+                <a:latin typeface="Garamond" panose="02020404030301010803" pitchFamily="18" charset="0"/>
+              </a:rPr>
+              <a:t>Specification techniques</a:t>
+            </a:r>
+          </a:p>
+          <a:p>
+            <a:r>
+              <a:rPr lang="en-US" dirty="0">
+                <a:latin typeface="Garamond" panose="02020404030301010803" pitchFamily="18" charset="0"/>
+              </a:rPr>
+              <a:t>Maquettes</a:t>
+            </a:r>
+          </a:p>
+          <a:p>
+            <a:r>
+              <a:rPr lang="en-US" dirty="0">
+                <a:latin typeface="Garamond" panose="02020404030301010803" pitchFamily="18" charset="0"/>
+              </a:rPr>
+              <a:t>Architecture Back-end</a:t>
+            </a:r>
+          </a:p>
+          <a:p>
+            <a:pPr lvl="1"/>
+            <a:r>
+              <a:rPr lang="en-US" dirty="0" err="1">
+                <a:latin typeface="Garamond" panose="02020404030301010803" pitchFamily="18" charset="0"/>
+              </a:rPr>
+              <a:t>Exemples</a:t>
+            </a:r>
+            <a:r>
+              <a:rPr lang="en-US" dirty="0">
+                <a:latin typeface="Garamond" panose="02020404030301010803" pitchFamily="18" charset="0"/>
+              </a:rPr>
+              <a:t> de code</a:t>
+            </a:r>
+          </a:p>
+          <a:p>
+            <a:r>
+              <a:rPr lang="fr-FR" dirty="0">
+                <a:latin typeface="Garamond" panose="02020404030301010803" pitchFamily="18" charset="0"/>
+              </a:rPr>
+              <a:t>Architecture </a:t>
+            </a:r>
+            <a:r>
+              <a:rPr lang="fr-FR" dirty="0" err="1">
+                <a:latin typeface="Garamond" panose="02020404030301010803" pitchFamily="18" charset="0"/>
+              </a:rPr>
+              <a:t>Front-end</a:t>
             </a:r>
             <a:endParaRPr lang="fr-FR" dirty="0">
               <a:latin typeface="Garamond" panose="02020404030301010803" pitchFamily="18" charset="0"/>
             </a:endParaRPr>
           </a:p>
-        </p:txBody>
-      </p:sp>
-      <p:sp>
-        <p:nvSpPr>
-          <p:cNvPr id="3" name="Content Placeholder 2">
-            <a:extLst>
-              <a:ext uri="{FF2B5EF4-FFF2-40B4-BE49-F238E27FC236}">
-                <a16:creationId xmlns:a16="http://schemas.microsoft.com/office/drawing/2014/main" id="{56136D91-DAF3-F794-25F1-5DE5F09C81E9}"/>
-              </a:ext>
-            </a:extLst>
-          </p:cNvPr>
-          <p:cNvSpPr>
-            <a:spLocks noGrp="1"/>
-          </p:cNvSpPr>
-          <p:nvPr>
-            <p:ph idx="1"/>
-          </p:nvPr>
-        </p:nvSpPr>
-        <p:spPr/>
-        <p:txBody>
-          <a:bodyPr/>
-          <a:lstStyle/>
-          <a:p>
-            <a:pPr marL="0" indent="0">
-              <a:buNone/>
-            </a:pPr>
-            <a:r>
-              <a:rPr lang="fr-FR" dirty="0">
-                <a:latin typeface="Garamond" panose="02020404030301010803" pitchFamily="18" charset="0"/>
-              </a:rPr>
-              <a:t>Présentation personnelle </a:t>
+          <a:p>
+            <a:pPr lvl="1"/>
+            <a:r>
+              <a:rPr lang="en-US" dirty="0" err="1">
+                <a:latin typeface="Garamond" panose="02020404030301010803" pitchFamily="18" charset="0"/>
+              </a:rPr>
+              <a:t>Exemples</a:t>
             </a:r>
             <a:r>
               <a:rPr lang="en-US" dirty="0">
                 <a:latin typeface="Garamond" panose="02020404030301010803" pitchFamily="18" charset="0"/>
               </a:rPr>
-              <a:t>:</a:t>
-            </a:r>
-          </a:p>
-          <a:p>
-            <a:r>
-              <a:rPr lang="en-US" dirty="0">
-                <a:latin typeface="Garamond" panose="02020404030301010803" pitchFamily="18" charset="0"/>
-              </a:rPr>
-              <a:t>Nom</a:t>
-            </a:r>
-          </a:p>
-          <a:p>
-            <a:r>
-              <a:rPr lang="en-US" dirty="0" err="1">
-                <a:latin typeface="Garamond" panose="02020404030301010803" pitchFamily="18" charset="0"/>
-              </a:rPr>
-              <a:t>Expérience</a:t>
+              <a:t> de code</a:t>
+            </a:r>
+          </a:p>
+          <a:p>
+            <a:r>
+              <a:rPr lang="fr-FR" dirty="0">
+                <a:latin typeface="Garamond" panose="02020404030301010803" pitchFamily="18" charset="0"/>
+              </a:rPr>
+              <a:t>Gestion des données</a:t>
             </a:r>
             <a:endParaRPr lang="en-US" dirty="0">
               <a:latin typeface="Garamond" panose="02020404030301010803" pitchFamily="18" charset="0"/>
             </a:endParaRPr>
           </a:p>
+          <a:p>
+            <a:endParaRPr lang="en-US" dirty="0">
+              <a:latin typeface="Garamond" panose="02020404030301010803" pitchFamily="18" charset="0"/>
+            </a:endParaRPr>
+          </a:p>
+        </p:txBody>
+      </p:sp>
+      <p:sp>
+        <p:nvSpPr>
+          <p:cNvPr id="5" name="TextBox 4">
+            <a:extLst>
+              <a:ext uri="{FF2B5EF4-FFF2-40B4-BE49-F238E27FC236}">
+                <a16:creationId xmlns:a16="http://schemas.microsoft.com/office/drawing/2014/main" id="{4EE3EE89-2251-65D0-DB64-B69BA2F12B57}"/>
+              </a:ext>
+            </a:extLst>
+          </p:cNvPr>
+          <p:cNvSpPr txBox="1"/>
+          <p:nvPr/>
+        </p:nvSpPr>
+        <p:spPr>
+          <a:xfrm>
+            <a:off x="5042517" y="1814976"/>
+            <a:ext cx="4810932" cy="4124206"/>
+          </a:xfrm>
+          <a:prstGeom prst="rect">
+            <a:avLst/>
+          </a:prstGeom>
+          <a:noFill/>
+        </p:spPr>
+        <p:txBody>
+          <a:bodyPr wrap="none" rtlCol="0">
+            <a:spAutoFit/>
+          </a:bodyPr>
+          <a:lstStyle/>
+          <a:p>
+            <a:pPr marL="285750" indent="-285750">
+              <a:lnSpc>
+                <a:spcPct val="150000"/>
+              </a:lnSpc>
+              <a:buFont typeface="Arial" panose="020B0604020202020204" pitchFamily="34" charset="0"/>
+              <a:buChar char="•"/>
+            </a:pPr>
+            <a:r>
+              <a:rPr lang="fr-FR" sz="2800" dirty="0">
+                <a:latin typeface="Garamond" panose="02020404030301010803" pitchFamily="18" charset="0"/>
+              </a:rPr>
+              <a:t>Tests &amp; Assurance qualité</a:t>
+            </a:r>
+          </a:p>
+          <a:p>
+            <a:pPr marL="742950" lvl="1" indent="-285750">
+              <a:buFont typeface="Arial" panose="020B0604020202020204" pitchFamily="34" charset="0"/>
+              <a:buChar char="•"/>
+            </a:pPr>
+            <a:r>
+              <a:rPr lang="fr-FR" sz="2400" dirty="0">
+                <a:latin typeface="Garamond" panose="02020404030301010803" pitchFamily="18" charset="0"/>
+              </a:rPr>
+              <a:t>Exemples de code</a:t>
+            </a:r>
+          </a:p>
+          <a:p>
+            <a:pPr marL="285750" indent="-285750">
+              <a:lnSpc>
+                <a:spcPct val="150000"/>
+              </a:lnSpc>
+              <a:buFont typeface="Arial" panose="020B0604020202020204" pitchFamily="34" charset="0"/>
+              <a:buChar char="•"/>
+            </a:pPr>
+            <a:r>
+              <a:rPr lang="fr-FR" sz="2800" dirty="0">
+                <a:latin typeface="Garamond" panose="02020404030301010803" pitchFamily="18" charset="0"/>
+              </a:rPr>
+              <a:t>Défis &amp; Solutions</a:t>
+            </a:r>
+          </a:p>
+          <a:p>
+            <a:pPr marL="285750" indent="-285750">
+              <a:lnSpc>
+                <a:spcPct val="150000"/>
+              </a:lnSpc>
+              <a:buFont typeface="Arial" panose="020B0604020202020204" pitchFamily="34" charset="0"/>
+              <a:buChar char="•"/>
+            </a:pPr>
+            <a:r>
+              <a:rPr lang="fr-FR" sz="2800" dirty="0">
+                <a:latin typeface="Garamond" panose="02020404030301010803" pitchFamily="18" charset="0"/>
+              </a:rPr>
+              <a:t>Chronologie du projet &amp; jalons</a:t>
+            </a:r>
+          </a:p>
+          <a:p>
+            <a:pPr marL="285750" indent="-285750">
+              <a:lnSpc>
+                <a:spcPct val="150000"/>
+              </a:lnSpc>
+              <a:buFont typeface="Arial" panose="020B0604020202020204" pitchFamily="34" charset="0"/>
+              <a:buChar char="•"/>
+            </a:pPr>
+            <a:r>
+              <a:rPr lang="fr-FR" sz="2800" dirty="0">
+                <a:latin typeface="Garamond" panose="02020404030301010803" pitchFamily="18" charset="0"/>
+              </a:rPr>
+              <a:t>Conclusion &amp; Validation</a:t>
+            </a:r>
+          </a:p>
+          <a:p>
+            <a:pPr marL="285750" indent="-285750">
+              <a:lnSpc>
+                <a:spcPct val="150000"/>
+              </a:lnSpc>
+              <a:buFont typeface="Arial" panose="020B0604020202020204" pitchFamily="34" charset="0"/>
+              <a:buChar char="•"/>
+            </a:pPr>
+            <a:r>
+              <a:rPr lang="fr-FR" sz="2800" dirty="0">
+                <a:latin typeface="Garamond" panose="02020404030301010803" pitchFamily="18" charset="0"/>
+              </a:rPr>
+              <a:t>Q&amp;R</a:t>
+            </a:r>
+          </a:p>
+          <a:p>
+            <a:pPr marL="285750" indent="-285750">
+              <a:buFont typeface="Arial" panose="020B0604020202020204" pitchFamily="34" charset="0"/>
+              <a:buChar char="•"/>
+            </a:pPr>
+            <a:endParaRPr lang="en-US" sz="2800" dirty="0"/>
+          </a:p>
         </p:txBody>
       </p:sp>
     </p:spTree>
     <p:extLst>
       <p:ext uri="{BB962C8B-B14F-4D97-AF65-F5344CB8AC3E}">
-        <p14:creationId xmlns:p14="http://schemas.microsoft.com/office/powerpoint/2010/main" val="2672186496"/>
+        <p14:creationId xmlns:p14="http://schemas.microsoft.com/office/powerpoint/2010/main" val="2413030273"/>
       </p:ext>
     </p:extLst>
   </p:cSld>
   <p:clrMapOvr>
     <a:masterClrMapping/>
   </p:clrMapOvr>
-  <mc:AlternateContent xmlns:mc="http://schemas.openxmlformats.org/markup-compatibility/2006" xmlns:p14="http://schemas.microsoft.com/office/powerpoint/2010/main">
-    <mc:Choice Requires="p14">
-      <p:transition spd="med" p14:dur="700">
-        <p:fade/>
-      </p:transition>
-    </mc:Choice>
-    <mc:Fallback xmlns="">
-      <p:transition spd="med">
-        <p:fade/>
-      </p:transition>
-    </mc:Fallback>
-  </mc:AlternateContent>
 </p:sld>
 </file>
 
@@ -7718,7 +8002,7 @@
           <p:cNvPr id="2" name="Title 1">
             <a:extLst>
               <a:ext uri="{FF2B5EF4-FFF2-40B4-BE49-F238E27FC236}">
-                <a16:creationId xmlns:a16="http://schemas.microsoft.com/office/drawing/2014/main" id="{A15C22B5-6BC7-902A-414D-4F5A5CDB6AD3}"/>
+                <a16:creationId xmlns:a16="http://schemas.microsoft.com/office/drawing/2014/main" id="{19045542-6E4F-160A-B3C9-7E226A8C6E1D}"/>
               </a:ext>
             </a:extLst>
           </p:cNvPr>
@@ -7738,7 +8022,7 @@
               <a:rPr lang="fr-FR" dirty="0">
                 <a:latin typeface="Garamond" panose="02020404030301010803" pitchFamily="18" charset="0"/>
               </a:rPr>
-              <a:t>Merci pour votre attention</a:t>
+              <a:t>Légal &amp; Conformité</a:t>
             </a:r>
           </a:p>
         </p:txBody>
@@ -7748,7 +8032,7 @@
           <p:cNvPr id="3" name="Content Placeholder 2">
             <a:extLst>
               <a:ext uri="{FF2B5EF4-FFF2-40B4-BE49-F238E27FC236}">
-                <a16:creationId xmlns:a16="http://schemas.microsoft.com/office/drawing/2014/main" id="{5ACFA51B-F3D2-9C9C-C84E-4A84AB72928A}"/>
+                <a16:creationId xmlns:a16="http://schemas.microsoft.com/office/drawing/2014/main" id="{E39FBA9F-70BF-9222-A791-08F5C879EEF3}"/>
               </a:ext>
             </a:extLst>
           </p:cNvPr>
@@ -7764,14 +8048,71 @@
           <a:bodyPr/>
           <a:lstStyle/>
           <a:p>
-            <a:endParaRPr lang="fr-FR"/>
+            <a:pPr>
+              <a:buFont typeface="Arial" panose="020B0604020202020204" pitchFamily="34" charset="0"/>
+              <a:buChar char="•"/>
+            </a:pPr>
+            <a:r>
+              <a:rPr lang="fr-FR" dirty="0">
+                <a:latin typeface="Garamond" panose="02020404030301010803" pitchFamily="18" charset="0"/>
+              </a:rPr>
+              <a:t>Propriété intellectuelle :</a:t>
+            </a:r>
+          </a:p>
+          <a:p>
+            <a:pPr marL="742950" lvl="1" indent="-285750">
+              <a:buFont typeface="Arial" panose="020B0604020202020204" pitchFamily="34" charset="0"/>
+              <a:buChar char="•"/>
+            </a:pPr>
+            <a:r>
+              <a:rPr lang="fr-FR" dirty="0">
+                <a:latin typeface="Garamond" panose="02020404030301010803" pitchFamily="18" charset="0"/>
+              </a:rPr>
+              <a:t>Sous licence MIT (open-source)</a:t>
+            </a:r>
+          </a:p>
+          <a:p>
+            <a:pPr>
+              <a:buFont typeface="Arial" panose="020B0604020202020204" pitchFamily="34" charset="0"/>
+              <a:buChar char="•"/>
+            </a:pPr>
+            <a:r>
+              <a:rPr lang="fr-FR" dirty="0">
+                <a:latin typeface="Garamond" panose="02020404030301010803" pitchFamily="18" charset="0"/>
+              </a:rPr>
+              <a:t>Conformité :</a:t>
+            </a:r>
+          </a:p>
+          <a:p>
+            <a:pPr marL="742950" lvl="1" indent="-285750">
+              <a:buFont typeface="Arial" panose="020B0604020202020204" pitchFamily="34" charset="0"/>
+              <a:buChar char="•"/>
+            </a:pPr>
+            <a:r>
+              <a:rPr lang="fr-FR" dirty="0">
+                <a:latin typeface="Garamond" panose="02020404030301010803" pitchFamily="18" charset="0"/>
+              </a:rPr>
+              <a:t>RGPD et lois européennes</a:t>
+            </a:r>
+          </a:p>
+          <a:p>
+            <a:pPr marL="742950" lvl="1" indent="-285750">
+              <a:buFont typeface="Arial" panose="020B0604020202020204" pitchFamily="34" charset="0"/>
+              <a:buChar char="•"/>
+            </a:pPr>
+            <a:r>
+              <a:rPr lang="fr-FR" dirty="0">
+                <a:latin typeface="Garamond" panose="02020404030301010803" pitchFamily="18" charset="0"/>
+              </a:rPr>
+              <a:t>Conditions générales</a:t>
+            </a:r>
           </a:p>
         </p:txBody>
       </p:sp>
     </p:spTree>
     <p:extLst>
       <p:ext uri="{BB962C8B-B14F-4D97-AF65-F5344CB8AC3E}">
-        <p14:creationId xmlns:p14="http://schemas.microsoft.com/office/powerpoint/2010/main" val="1466558533"/>
+        <p14:creationId xmlns:p14="http://schemas.microsoft.com/office/powerpoint/2010/main" val="3305658643"/>
       </p:ext>
     </p:extLst>
   </p:cSld>
@@ -7815,6 +8156,292 @@
           <p:cNvPr id="2" name="Title 1">
             <a:extLst>
               <a:ext uri="{FF2B5EF4-FFF2-40B4-BE49-F238E27FC236}">
+                <a16:creationId xmlns:a16="http://schemas.microsoft.com/office/drawing/2014/main" id="{76D83DCA-030B-5965-0D4C-A7DD098F692B}"/>
+              </a:ext>
+            </a:extLst>
+          </p:cNvPr>
+          <p:cNvSpPr>
+            <a:spLocks noGrp="1"/>
+          </p:cNvSpPr>
+          <p:nvPr>
+            <p:ph type="title"/>
+          </p:nvPr>
+        </p:nvSpPr>
+        <p:spPr/>
+        <p:txBody>
+          <a:bodyPr/>
+          <a:lstStyle/>
+          <a:p>
+            <a:r>
+              <a:rPr lang="fr-FR" dirty="0">
+                <a:latin typeface="Garamond" panose="02020404030301010803" pitchFamily="18" charset="0"/>
+              </a:rPr>
+              <a:t>Conclusion &amp; Validation</a:t>
+            </a:r>
+          </a:p>
+        </p:txBody>
+      </p:sp>
+      <p:sp>
+        <p:nvSpPr>
+          <p:cNvPr id="3" name="Content Placeholder 2">
+            <a:extLst>
+              <a:ext uri="{FF2B5EF4-FFF2-40B4-BE49-F238E27FC236}">
+                <a16:creationId xmlns:a16="http://schemas.microsoft.com/office/drawing/2014/main" id="{833D90FB-787E-FE5A-76A7-54045D11463B}"/>
+              </a:ext>
+            </a:extLst>
+          </p:cNvPr>
+          <p:cNvSpPr>
+            <a:spLocks noGrp="1"/>
+          </p:cNvSpPr>
+          <p:nvPr>
+            <p:ph idx="1"/>
+          </p:nvPr>
+        </p:nvSpPr>
+        <p:spPr/>
+        <p:txBody>
+          <a:bodyPr/>
+          <a:lstStyle/>
+          <a:p>
+            <a:pPr>
+              <a:buFont typeface="Arial" panose="020B0604020202020204" pitchFamily="34" charset="0"/>
+              <a:buChar char="•"/>
+            </a:pPr>
+            <a:r>
+              <a:rPr lang="fr-FR" dirty="0">
+                <a:latin typeface="Garamond" panose="02020404030301010803" pitchFamily="18" charset="0"/>
+              </a:rPr>
+              <a:t>Résumé :</a:t>
+            </a:r>
+          </a:p>
+          <a:p>
+            <a:pPr marL="742950" lvl="1" indent="-285750">
+              <a:buFont typeface="Arial" panose="020B0604020202020204" pitchFamily="34" charset="0"/>
+              <a:buChar char="•"/>
+            </a:pPr>
+            <a:r>
+              <a:rPr lang="fr-FR" dirty="0">
+                <a:latin typeface="Garamond" panose="02020404030301010803" pitchFamily="18" charset="0"/>
+              </a:rPr>
+              <a:t>Récapitulation des points clés</a:t>
+            </a:r>
+          </a:p>
+          <a:p>
+            <a:pPr marL="742950" lvl="1" indent="-285750">
+              <a:buFont typeface="Arial" panose="020B0604020202020204" pitchFamily="34" charset="0"/>
+              <a:buChar char="•"/>
+            </a:pPr>
+            <a:r>
+              <a:rPr lang="fr-FR" dirty="0">
+                <a:latin typeface="Garamond" panose="02020404030301010803" pitchFamily="18" charset="0"/>
+              </a:rPr>
+              <a:t>Importance du projet</a:t>
+            </a:r>
+            <a:br>
+              <a:rPr lang="fr-FR" dirty="0">
+                <a:latin typeface="Garamond" panose="02020404030301010803" pitchFamily="18" charset="0"/>
+              </a:rPr>
+            </a:br>
+            <a:endParaRPr lang="fr-FR" dirty="0">
+              <a:latin typeface="Garamond" panose="02020404030301010803" pitchFamily="18" charset="0"/>
+            </a:endParaRPr>
+          </a:p>
+          <a:p>
+            <a:pPr marL="285750" indent="-285750"/>
+            <a:r>
+              <a:rPr lang="fr-FR" dirty="0">
+                <a:latin typeface="Garamond" panose="02020404030301010803" pitchFamily="18" charset="0"/>
+              </a:rPr>
+              <a:t>Démonstration</a:t>
+            </a:r>
+          </a:p>
+          <a:p>
+            <a:pPr marL="285750" indent="-285750"/>
+            <a:endParaRPr lang="fr-FR" dirty="0">
+              <a:latin typeface="Garamond" panose="02020404030301010803" pitchFamily="18" charset="0"/>
+            </a:endParaRPr>
+          </a:p>
+          <a:p>
+            <a:pPr>
+              <a:buFont typeface="Arial" panose="020B0604020202020204" pitchFamily="34" charset="0"/>
+              <a:buChar char="•"/>
+            </a:pPr>
+            <a:r>
+              <a:rPr lang="fr-FR" dirty="0">
+                <a:latin typeface="Garamond" panose="02020404030301010803" pitchFamily="18" charset="0"/>
+              </a:rPr>
+              <a:t>Considérations supplémentaires :</a:t>
+            </a:r>
+          </a:p>
+          <a:p>
+            <a:pPr marL="742950" lvl="1" indent="-285750">
+              <a:buFont typeface="Arial" panose="020B0604020202020204" pitchFamily="34" charset="0"/>
+              <a:buChar char="•"/>
+            </a:pPr>
+            <a:r>
+              <a:rPr lang="fr-FR" dirty="0">
+                <a:latin typeface="Garamond" panose="02020404030301010803" pitchFamily="18" charset="0"/>
+              </a:rPr>
+              <a:t>Documentation</a:t>
+            </a:r>
+          </a:p>
+          <a:p>
+            <a:pPr marL="742950" lvl="1" indent="-285750">
+              <a:buFont typeface="Arial" panose="020B0604020202020204" pitchFamily="34" charset="0"/>
+              <a:buChar char="•"/>
+            </a:pPr>
+            <a:r>
+              <a:rPr lang="fr-FR" dirty="0">
+                <a:latin typeface="Garamond" panose="02020404030301010803" pitchFamily="18" charset="0"/>
+              </a:rPr>
+              <a:t>Améliorations futures</a:t>
+            </a:r>
+          </a:p>
+        </p:txBody>
+      </p:sp>
+    </p:spTree>
+    <p:extLst>
+      <p:ext uri="{BB962C8B-B14F-4D97-AF65-F5344CB8AC3E}">
+        <p14:creationId xmlns:p14="http://schemas.microsoft.com/office/powerpoint/2010/main" val="1307890701"/>
+      </p:ext>
+    </p:extLst>
+  </p:cSld>
+  <p:clrMapOvr>
+    <a:masterClrMapping/>
+  </p:clrMapOvr>
+  <mc:AlternateContent xmlns:mc="http://schemas.openxmlformats.org/markup-compatibility/2006" xmlns:p14="http://schemas.microsoft.com/office/powerpoint/2010/main">
+    <mc:Choice Requires="p14">
+      <p:transition spd="med" p14:dur="700">
+        <p:fade/>
+      </p:transition>
+    </mc:Choice>
+    <mc:Fallback xmlns="">
+      <p:transition spd="med">
+        <p:fade/>
+      </p:transition>
+    </mc:Fallback>
+  </mc:AlternateContent>
+</p:sld>
+</file>
+
+<file path=ppt/slides/slide22.xml><?xml version="1.0" encoding="utf-8"?>
+<p:sld xmlns:a="http://schemas.openxmlformats.org/drawingml/2006/main" xmlns:r="http://schemas.openxmlformats.org/officeDocument/2006/relationships" xmlns:p="http://schemas.openxmlformats.org/presentationml/2006/main">
+  <p:cSld>
+    <p:spTree>
+      <p:nvGrpSpPr>
+        <p:cNvPr id="1" name=""/>
+        <p:cNvGrpSpPr/>
+        <p:nvPr/>
+      </p:nvGrpSpPr>
+      <p:grpSpPr>
+        <a:xfrm>
+          <a:off x="0" y="0"/>
+          <a:ext cx="0" cy="0"/>
+          <a:chOff x="0" y="0"/>
+          <a:chExt cx="0" cy="0"/>
+        </a:xfrm>
+      </p:grpSpPr>
+      <p:sp>
+        <p:nvSpPr>
+          <p:cNvPr id="2" name="Title 1">
+            <a:extLst>
+              <a:ext uri="{FF2B5EF4-FFF2-40B4-BE49-F238E27FC236}">
+                <a16:creationId xmlns:a16="http://schemas.microsoft.com/office/drawing/2014/main" id="{A15C22B5-6BC7-902A-414D-4F5A5CDB6AD3}"/>
+              </a:ext>
+            </a:extLst>
+          </p:cNvPr>
+          <p:cNvSpPr>
+            <a:spLocks noGrp="1"/>
+          </p:cNvSpPr>
+          <p:nvPr>
+            <p:ph type="title"/>
+          </p:nvPr>
+        </p:nvSpPr>
+        <p:spPr/>
+        <p:txBody>
+          <a:bodyPr/>
+          <a:lstStyle/>
+          <a:p>
+            <a:r>
+              <a:rPr lang="fr-FR" dirty="0">
+                <a:latin typeface="Garamond" panose="02020404030301010803" pitchFamily="18" charset="0"/>
+              </a:rPr>
+              <a:t>Merci pour votre attention</a:t>
+            </a:r>
+          </a:p>
+        </p:txBody>
+      </p:sp>
+      <p:sp>
+        <p:nvSpPr>
+          <p:cNvPr id="3" name="Content Placeholder 2">
+            <a:extLst>
+              <a:ext uri="{FF2B5EF4-FFF2-40B4-BE49-F238E27FC236}">
+                <a16:creationId xmlns:a16="http://schemas.microsoft.com/office/drawing/2014/main" id="{5ACFA51B-F3D2-9C9C-C84E-4A84AB72928A}"/>
+              </a:ext>
+            </a:extLst>
+          </p:cNvPr>
+          <p:cNvSpPr>
+            <a:spLocks noGrp="1"/>
+          </p:cNvSpPr>
+          <p:nvPr>
+            <p:ph idx="1"/>
+          </p:nvPr>
+        </p:nvSpPr>
+        <p:spPr/>
+        <p:txBody>
+          <a:bodyPr/>
+          <a:lstStyle/>
+          <a:p>
+            <a:endParaRPr lang="fr-FR"/>
+          </a:p>
+        </p:txBody>
+      </p:sp>
+    </p:spTree>
+    <p:extLst>
+      <p:ext uri="{BB962C8B-B14F-4D97-AF65-F5344CB8AC3E}">
+        <p14:creationId xmlns:p14="http://schemas.microsoft.com/office/powerpoint/2010/main" val="1466558533"/>
+      </p:ext>
+    </p:extLst>
+  </p:cSld>
+  <p:clrMapOvr>
+    <a:masterClrMapping/>
+  </p:clrMapOvr>
+  <mc:AlternateContent xmlns:mc="http://schemas.openxmlformats.org/markup-compatibility/2006" xmlns:p14="http://schemas.microsoft.com/office/powerpoint/2010/main">
+    <mc:Choice Requires="p14">
+      <p:transition spd="med" p14:dur="700">
+        <p:fade/>
+      </p:transition>
+    </mc:Choice>
+    <mc:Fallback xmlns="">
+      <p:transition spd="med">
+        <p:fade/>
+      </p:transition>
+    </mc:Fallback>
+  </mc:AlternateContent>
+</p:sld>
+</file>
+
+<file path=ppt/slides/slide23.xml><?xml version="1.0" encoding="utf-8"?>
+<p:sld xmlns:a="http://schemas.openxmlformats.org/drawingml/2006/main" xmlns:r="http://schemas.openxmlformats.org/officeDocument/2006/relationships" xmlns:p="http://schemas.openxmlformats.org/presentationml/2006/main">
+  <p:cSld>
+    <p:spTree>
+      <p:nvGrpSpPr>
+        <p:cNvPr id="1" name=""/>
+        <p:cNvGrpSpPr/>
+        <p:nvPr/>
+      </p:nvGrpSpPr>
+      <p:grpSpPr>
+        <a:xfrm>
+          <a:off x="0" y="0"/>
+          <a:ext cx="0" cy="0"/>
+          <a:chOff x="0" y="0"/>
+          <a:chExt cx="0" cy="0"/>
+        </a:xfrm>
+      </p:grpSpPr>
+      <p:sp>
+        <p:nvSpPr>
+          <p:cNvPr id="2" name="Title 1">
+            <a:extLst>
+              <a:ext uri="{FF2B5EF4-FFF2-40B4-BE49-F238E27FC236}">
                 <a16:creationId xmlns:a16="http://schemas.microsoft.com/office/drawing/2014/main" id="{FCFC416D-8E80-EF1C-3DEE-9F935CC9BC27}"/>
               </a:ext>
             </a:extLst>
@@ -7912,6 +8539,139 @@
 </file>
 
 <file path=ppt/slides/slide3.xml><?xml version="1.0" encoding="utf-8"?>
+<p:sld xmlns:a="http://schemas.openxmlformats.org/drawingml/2006/main" xmlns:r="http://schemas.openxmlformats.org/officeDocument/2006/relationships" xmlns:p="http://schemas.openxmlformats.org/presentationml/2006/main">
+  <p:cSld>
+    <p:spTree>
+      <p:nvGrpSpPr>
+        <p:cNvPr id="1" name=""/>
+        <p:cNvGrpSpPr/>
+        <p:nvPr/>
+      </p:nvGrpSpPr>
+      <p:grpSpPr>
+        <a:xfrm>
+          <a:off x="0" y="0"/>
+          <a:ext cx="0" cy="0"/>
+          <a:chOff x="0" y="0"/>
+          <a:chExt cx="0" cy="0"/>
+        </a:xfrm>
+      </p:grpSpPr>
+      <p:sp>
+        <p:nvSpPr>
+          <p:cNvPr id="2" name="Title 1">
+            <a:extLst>
+              <a:ext uri="{FF2B5EF4-FFF2-40B4-BE49-F238E27FC236}">
+                <a16:creationId xmlns:a16="http://schemas.microsoft.com/office/drawing/2014/main" id="{922C27D1-FA79-A26A-F0D4-3DA3159F362A}"/>
+              </a:ext>
+            </a:extLst>
+          </p:cNvPr>
+          <p:cNvSpPr>
+            <a:spLocks noGrp="1"/>
+          </p:cNvSpPr>
+          <p:nvPr>
+            <p:ph type="title"/>
+          </p:nvPr>
+        </p:nvSpPr>
+        <p:spPr/>
+        <p:txBody>
+          <a:bodyPr/>
+          <a:lstStyle/>
+          <a:p>
+            <a:r>
+              <a:rPr lang="en-US" dirty="0">
+                <a:latin typeface="Garamond" panose="02020404030301010803" pitchFamily="18" charset="0"/>
+              </a:rPr>
+              <a:t>Introduction</a:t>
+            </a:r>
+            <a:endParaRPr lang="fr-FR" dirty="0">
+              <a:latin typeface="Garamond" panose="02020404030301010803" pitchFamily="18" charset="0"/>
+            </a:endParaRPr>
+          </a:p>
+        </p:txBody>
+      </p:sp>
+      <p:sp>
+        <p:nvSpPr>
+          <p:cNvPr id="3" name="Content Placeholder 2">
+            <a:extLst>
+              <a:ext uri="{FF2B5EF4-FFF2-40B4-BE49-F238E27FC236}">
+                <a16:creationId xmlns:a16="http://schemas.microsoft.com/office/drawing/2014/main" id="{56136D91-DAF3-F794-25F1-5DE5F09C81E9}"/>
+              </a:ext>
+            </a:extLst>
+          </p:cNvPr>
+          <p:cNvSpPr>
+            <a:spLocks noGrp="1"/>
+          </p:cNvSpPr>
+          <p:nvPr>
+            <p:ph idx="1"/>
+          </p:nvPr>
+        </p:nvSpPr>
+        <p:spPr/>
+        <p:txBody>
+          <a:bodyPr/>
+          <a:lstStyle/>
+          <a:p>
+            <a:pPr marL="0" indent="0">
+              <a:buNone/>
+            </a:pPr>
+            <a:r>
+              <a:rPr lang="fr-FR" dirty="0">
+                <a:latin typeface="Garamond" panose="02020404030301010803" pitchFamily="18" charset="0"/>
+              </a:rPr>
+              <a:t>Présentation personnelle </a:t>
+            </a:r>
+            <a:r>
+              <a:rPr lang="en-US" dirty="0">
+                <a:latin typeface="Garamond" panose="02020404030301010803" pitchFamily="18" charset="0"/>
+              </a:rPr>
+              <a:t>:</a:t>
+            </a:r>
+          </a:p>
+          <a:p>
+            <a:r>
+              <a:rPr lang="en-US" dirty="0">
+                <a:latin typeface="Garamond" panose="02020404030301010803" pitchFamily="18" charset="0"/>
+              </a:rPr>
+              <a:t>Nom</a:t>
+            </a:r>
+          </a:p>
+          <a:p>
+            <a:r>
+              <a:rPr lang="en-US" dirty="0" err="1">
+                <a:latin typeface="Garamond" panose="02020404030301010803" pitchFamily="18" charset="0"/>
+              </a:rPr>
+              <a:t>Expérience</a:t>
+            </a:r>
+            <a:endParaRPr lang="en-US" dirty="0">
+              <a:latin typeface="Garamond" panose="02020404030301010803" pitchFamily="18" charset="0"/>
+            </a:endParaRPr>
+          </a:p>
+        </p:txBody>
+      </p:sp>
+    </p:spTree>
+    <p:extLst>
+      <p:ext uri="{BB962C8B-B14F-4D97-AF65-F5344CB8AC3E}">
+        <p14:creationId xmlns:p14="http://schemas.microsoft.com/office/powerpoint/2010/main" val="2672186496"/>
+      </p:ext>
+    </p:extLst>
+  </p:cSld>
+  <p:clrMapOvr>
+    <a:masterClrMapping/>
+  </p:clrMapOvr>
+  <mc:AlternateContent xmlns:mc="http://schemas.openxmlformats.org/markup-compatibility/2006" xmlns:p14="http://schemas.microsoft.com/office/powerpoint/2010/main">
+    <mc:Choice Requires="p14">
+      <p:transition spd="med" p14:dur="700">
+        <p:fade/>
+      </p:transition>
+    </mc:Choice>
+    <mc:Fallback xmlns="">
+      <p:transition spd="med">
+        <p:fade/>
+      </p:transition>
+    </mc:Fallback>
+  </mc:AlternateContent>
+</p:sld>
+</file>
+
+<file path=ppt/slides/slide4.xml><?xml version="1.0" encoding="utf-8"?>
 <p:sld xmlns:a="http://schemas.openxmlformats.org/drawingml/2006/main" xmlns:r="http://schemas.openxmlformats.org/officeDocument/2006/relationships" xmlns:p="http://schemas.openxmlformats.org/presentationml/2006/main">
   <p:cSld>
     <p:spTree>
@@ -8462,184 +9222,6 @@
 </p:sld>
 </file>
 
-<file path=ppt/slides/slide4.xml><?xml version="1.0" encoding="utf-8"?>
-<p:sld xmlns:a="http://schemas.openxmlformats.org/drawingml/2006/main" xmlns:r="http://schemas.openxmlformats.org/officeDocument/2006/relationships" xmlns:p="http://schemas.openxmlformats.org/presentationml/2006/main">
-  <p:cSld>
-    <p:spTree>
-      <p:nvGrpSpPr>
-        <p:cNvPr id="1" name=""/>
-        <p:cNvGrpSpPr/>
-        <p:nvPr/>
-      </p:nvGrpSpPr>
-      <p:grpSpPr>
-        <a:xfrm>
-          <a:off x="0" y="0"/>
-          <a:ext cx="0" cy="0"/>
-          <a:chOff x="0" y="0"/>
-          <a:chExt cx="0" cy="0"/>
-        </a:xfrm>
-      </p:grpSpPr>
-      <p:sp>
-        <p:nvSpPr>
-          <p:cNvPr id="2" name="Title 1">
-            <a:extLst>
-              <a:ext uri="{FF2B5EF4-FFF2-40B4-BE49-F238E27FC236}">
-                <a16:creationId xmlns:a16="http://schemas.microsoft.com/office/drawing/2014/main" id="{42BF16EE-C261-C965-4774-C76CF6AF347A}"/>
-              </a:ext>
-            </a:extLst>
-          </p:cNvPr>
-          <p:cNvSpPr>
-            <a:spLocks noGrp="1"/>
-          </p:cNvSpPr>
-          <p:nvPr>
-            <p:ph type="title"/>
-          </p:nvPr>
-        </p:nvSpPr>
-        <p:spPr/>
-        <p:txBody>
-          <a:bodyPr/>
-          <a:lstStyle/>
-          <a:p>
-            <a:r>
-              <a:rPr lang="fr-FR" dirty="0">
-                <a:latin typeface="Garamond" panose="02020404030301010803" pitchFamily="18" charset="0"/>
-              </a:rPr>
-              <a:t>Spécifications techniques</a:t>
-            </a:r>
-          </a:p>
-        </p:txBody>
-      </p:sp>
-      <p:sp>
-        <p:nvSpPr>
-          <p:cNvPr id="3" name="Content Placeholder 2">
-            <a:extLst>
-              <a:ext uri="{FF2B5EF4-FFF2-40B4-BE49-F238E27FC236}">
-                <a16:creationId xmlns:a16="http://schemas.microsoft.com/office/drawing/2014/main" id="{2A9038A2-9662-13F1-0552-AC3FF625683B}"/>
-              </a:ext>
-            </a:extLst>
-          </p:cNvPr>
-          <p:cNvSpPr>
-            <a:spLocks noGrp="1"/>
-          </p:cNvSpPr>
-          <p:nvPr>
-            <p:ph idx="1"/>
-          </p:nvPr>
-        </p:nvSpPr>
-        <p:spPr/>
-        <p:txBody>
-          <a:bodyPr/>
-          <a:lstStyle/>
-          <a:p>
-            <a:pPr>
-              <a:buFont typeface="Arial" panose="020B0604020202020204" pitchFamily="34" charset="0"/>
-              <a:buChar char="•"/>
-            </a:pPr>
-            <a:r>
-              <a:rPr lang="fr-FR" dirty="0">
-                <a:latin typeface="Garamond" panose="02020404030301010803" pitchFamily="18" charset="0"/>
-              </a:rPr>
-              <a:t>Plateforme :</a:t>
-            </a:r>
-          </a:p>
-          <a:p>
-            <a:pPr marL="742950" lvl="1" indent="-285750">
-              <a:buFont typeface="Arial" panose="020B0604020202020204" pitchFamily="34" charset="0"/>
-              <a:buChar char="•"/>
-            </a:pPr>
-            <a:r>
-              <a:rPr lang="fr-FR" dirty="0">
-                <a:latin typeface="Garamond" panose="02020404030301010803" pitchFamily="18" charset="0"/>
-              </a:rPr>
-              <a:t>Indépendante de la plateforme</a:t>
-            </a:r>
-          </a:p>
-          <a:p>
-            <a:pPr marL="742950" lvl="1" indent="-285750">
-              <a:buFont typeface="Arial" panose="020B0604020202020204" pitchFamily="34" charset="0"/>
-              <a:buChar char="•"/>
-            </a:pPr>
-            <a:r>
-              <a:rPr lang="fr-FR" dirty="0">
-                <a:latin typeface="Garamond" panose="02020404030301010803" pitchFamily="18" charset="0"/>
-              </a:rPr>
-              <a:t>Design réactif</a:t>
-            </a:r>
-          </a:p>
-          <a:p>
-            <a:pPr>
-              <a:buFont typeface="Arial" panose="020B0604020202020204" pitchFamily="34" charset="0"/>
-              <a:buChar char="•"/>
-            </a:pPr>
-            <a:r>
-              <a:rPr lang="fr-FR" dirty="0">
-                <a:latin typeface="Garamond" panose="02020404030301010803" pitchFamily="18" charset="0"/>
-              </a:rPr>
-              <a:t>Stack technologique :</a:t>
-            </a:r>
-          </a:p>
-          <a:p>
-            <a:pPr marL="742950" lvl="1" indent="-285750">
-              <a:buFont typeface="Arial" panose="020B0604020202020204" pitchFamily="34" charset="0"/>
-              <a:buChar char="•"/>
-            </a:pPr>
-            <a:r>
-              <a:rPr lang="fr-FR" dirty="0">
-                <a:latin typeface="Garamond" panose="02020404030301010803" pitchFamily="18" charset="0"/>
-              </a:rPr>
-              <a:t>Frontend : Next.js</a:t>
-            </a:r>
-          </a:p>
-          <a:p>
-            <a:pPr marL="742950" lvl="1" indent="-285750">
-              <a:buFont typeface="Arial" panose="020B0604020202020204" pitchFamily="34" charset="0"/>
-              <a:buChar char="•"/>
-            </a:pPr>
-            <a:r>
-              <a:rPr lang="fr-FR" dirty="0">
-                <a:latin typeface="Garamond" panose="02020404030301010803" pitchFamily="18" charset="0"/>
-              </a:rPr>
-              <a:t>Backend : Node.js avec Express.js</a:t>
-            </a:r>
-          </a:p>
-          <a:p>
-            <a:pPr marL="742950" lvl="1" indent="-285750">
-              <a:buFont typeface="Arial" panose="020B0604020202020204" pitchFamily="34" charset="0"/>
-              <a:buChar char="•"/>
-            </a:pPr>
-            <a:r>
-              <a:rPr lang="fr-FR" dirty="0">
-                <a:latin typeface="Garamond" panose="02020404030301010803" pitchFamily="18" charset="0"/>
-              </a:rPr>
-              <a:t>Base de données : PostgreSQL</a:t>
-            </a:r>
-          </a:p>
-        </p:txBody>
-      </p:sp>
-    </p:spTree>
-    <p:extLst>
-      <p:ext uri="{BB962C8B-B14F-4D97-AF65-F5344CB8AC3E}">
-        <p14:creationId xmlns:p14="http://schemas.microsoft.com/office/powerpoint/2010/main" val="377027910"/>
-      </p:ext>
-    </p:extLst>
-  </p:cSld>
-  <p:clrMapOvr>
-    <a:masterClrMapping/>
-  </p:clrMapOvr>
-  <mc:AlternateContent xmlns:mc="http://schemas.openxmlformats.org/markup-compatibility/2006" xmlns:p14="http://schemas.microsoft.com/office/powerpoint/2010/main">
-    <mc:Choice Requires="p14">
-      <p:transition spd="med" p14:dur="700">
-        <p:fade/>
-      </p:transition>
-    </mc:Choice>
-    <mc:Fallback xmlns="">
-      <p:transition spd="med">
-        <p:fade/>
-      </p:transition>
-    </mc:Fallback>
-  </mc:AlternateContent>
-</p:sld>
-</file>
-
 <file path=ppt/slides/slide5.xml><?xml version="1.0" encoding="utf-8"?>
 <p:sld xmlns:a="http://schemas.openxmlformats.org/drawingml/2006/main" xmlns:r="http://schemas.openxmlformats.org/officeDocument/2006/relationships" xmlns:p="http://schemas.openxmlformats.org/presentationml/2006/main">
   <p:cSld>
@@ -8662,7 +9244,7 @@
           <p:cNvPr id="2" name="Title 1">
             <a:extLst>
               <a:ext uri="{FF2B5EF4-FFF2-40B4-BE49-F238E27FC236}">
-                <a16:creationId xmlns:a16="http://schemas.microsoft.com/office/drawing/2014/main" id="{56809ADC-2BC8-E230-A13F-1B2810AC8DF2}"/>
+                <a16:creationId xmlns:a16="http://schemas.microsoft.com/office/drawing/2014/main" id="{42BF16EE-C261-C965-4774-C76CF6AF347A}"/>
               </a:ext>
             </a:extLst>
           </p:cNvPr>
@@ -8682,7 +9264,7 @@
               <a:rPr lang="fr-FR" dirty="0">
                 <a:latin typeface="Garamond" panose="02020404030301010803" pitchFamily="18" charset="0"/>
               </a:rPr>
-              <a:t>Architecture Backend</a:t>
+              <a:t>Spécifications techniques</a:t>
             </a:r>
           </a:p>
         </p:txBody>
@@ -8692,7 +9274,7 @@
           <p:cNvPr id="3" name="Content Placeholder 2">
             <a:extLst>
               <a:ext uri="{FF2B5EF4-FFF2-40B4-BE49-F238E27FC236}">
-                <a16:creationId xmlns:a16="http://schemas.microsoft.com/office/drawing/2014/main" id="{0126A7B6-8146-D722-365B-A16E1E043A99}"/>
+                <a16:creationId xmlns:a16="http://schemas.microsoft.com/office/drawing/2014/main" id="{2A9038A2-9662-13F1-0552-AC3FF625683B}"/>
               </a:ext>
             </a:extLst>
           </p:cNvPr>
@@ -8716,7 +9298,7 @@
               <a:rPr lang="fr-FR" dirty="0">
                 <a:latin typeface="Garamond" panose="02020404030301010803" pitchFamily="18" charset="0"/>
               </a:rPr>
-              <a:t>Architecture inspirée du MVC :</a:t>
+              <a:t>Plateforme :</a:t>
             </a:r>
           </a:p>
           <a:p>
@@ -8728,7 +9310,7 @@
               <a:rPr lang="fr-FR" dirty="0">
                 <a:latin typeface="Garamond" panose="02020404030301010803" pitchFamily="18" charset="0"/>
               </a:rPr>
-              <a:t>Modèles</a:t>
+              <a:t>Indépendante de la plateforme</a:t>
             </a:r>
           </a:p>
           <a:p>
@@ -8740,7 +9322,19 @@
               <a:rPr lang="fr-FR" dirty="0">
                 <a:latin typeface="Garamond" panose="02020404030301010803" pitchFamily="18" charset="0"/>
               </a:rPr>
-              <a:t>Contrôleurs</a:t>
+              <a:t>Design réactif</a:t>
+            </a:r>
+          </a:p>
+          <a:p>
+            <a:pPr>
+              <a:buFont typeface="Arial" panose="020B0604020202020204" pitchFamily="34" charset="0"/>
+              <a:buChar char="•"/>
+            </a:pPr>
+            <a:r>
+              <a:rPr lang="fr-FR" dirty="0">
+                <a:latin typeface="Garamond" panose="02020404030301010803" pitchFamily="18" charset="0"/>
+              </a:rPr>
+              <a:t>Stack technologique :</a:t>
             </a:r>
           </a:p>
           <a:p>
@@ -8752,31 +9346,31 @@
               <a:rPr lang="fr-FR" dirty="0">
                 <a:latin typeface="Garamond" panose="02020404030301010803" pitchFamily="18" charset="0"/>
               </a:rPr>
-              <a:t>Routes</a:t>
-            </a:r>
-          </a:p>
-          <a:p>
-            <a:pPr>
-              <a:buFont typeface="Arial" panose="020B0604020202020204" pitchFamily="34" charset="0"/>
-              <a:buChar char="•"/>
-            </a:pPr>
-            <a:r>
-              <a:rPr lang="fr-FR" dirty="0">
-                <a:latin typeface="Garamond" panose="02020404030301010803" pitchFamily="18" charset="0"/>
-              </a:rPr>
-              <a:t>Points de terminaison API</a:t>
-            </a:r>
-          </a:p>
-          <a:p>
-            <a:pPr>
-              <a:buFont typeface="Arial" panose="020B0604020202020204" pitchFamily="34" charset="0"/>
-              <a:buChar char="•"/>
-            </a:pPr>
-            <a:r>
-              <a:rPr lang="fr-FR" dirty="0">
-                <a:latin typeface="Garamond" panose="02020404030301010803" pitchFamily="18" charset="0"/>
-              </a:rPr>
-              <a:t>Mesures de sécurité :</a:t>
+              <a:t>Frontend : Next.js (SSR / Client) / </a:t>
+            </a:r>
+            <a:r>
+              <a:rPr lang="fr-FR" dirty="0" err="1">
+                <a:latin typeface="Garamond" panose="02020404030301010803" pitchFamily="18" charset="0"/>
+              </a:rPr>
+              <a:t>Tailwind</a:t>
+            </a:r>
+            <a:r>
+              <a:rPr lang="fr-FR" dirty="0">
+                <a:latin typeface="Garamond" panose="02020404030301010803" pitchFamily="18" charset="0"/>
+              </a:rPr>
+              <a:t> / Cookie </a:t>
+            </a:r>
+            <a:r>
+              <a:rPr lang="fr-FR" dirty="0" err="1">
+                <a:latin typeface="Garamond" panose="02020404030301010803" pitchFamily="18" charset="0"/>
+              </a:rPr>
+              <a:t>parser</a:t>
+            </a:r>
+            <a:r>
+              <a:rPr lang="fr-FR" dirty="0">
+                <a:latin typeface="Garamond" panose="02020404030301010803" pitchFamily="18" charset="0"/>
+              </a:rPr>
+              <a:t> (JWT)</a:t>
             </a:r>
           </a:p>
           <a:p>
@@ -8788,7 +9382,19 @@
               <a:rPr lang="fr-FR" dirty="0">
                 <a:latin typeface="Garamond" panose="02020404030301010803" pitchFamily="18" charset="0"/>
               </a:rPr>
-              <a:t>Authentification et autorisation (gestion JWT)</a:t>
+              <a:t>Backend : Node.js avec Express.js / </a:t>
+            </a:r>
+            <a:r>
+              <a:rPr lang="fr-FR" dirty="0" err="1">
+                <a:latin typeface="Garamond" panose="02020404030301010803" pitchFamily="18" charset="0"/>
+              </a:rPr>
+              <a:t>bcrypt</a:t>
+            </a:r>
+            <a:r>
+              <a:rPr lang="fr-FR" dirty="0">
+                <a:latin typeface="Garamond" panose="02020404030301010803" pitchFamily="18" charset="0"/>
+              </a:rPr>
+              <a:t> / JWT</a:t>
             </a:r>
           </a:p>
           <a:p>
@@ -8800,19 +9406,7 @@
               <a:rPr lang="fr-FR" dirty="0">
                 <a:latin typeface="Garamond" panose="02020404030301010803" pitchFamily="18" charset="0"/>
               </a:rPr>
-              <a:t>Assainissement des entrées</a:t>
-            </a:r>
-          </a:p>
-          <a:p>
-            <a:pPr marL="742950" lvl="1" indent="-285750">
-              <a:buFont typeface="Arial" panose="020B0604020202020204" pitchFamily="34" charset="0"/>
-              <a:buChar char="•"/>
-            </a:pPr>
-            <a:r>
-              <a:rPr lang="fr-FR" dirty="0">
-                <a:latin typeface="Garamond" panose="02020404030301010803" pitchFamily="18" charset="0"/>
-              </a:rPr>
-              <a:t>Limitation de taux</a:t>
+              <a:t>Base de données : PostgreSQL</a:t>
             </a:r>
           </a:p>
         </p:txBody>
@@ -8820,7 +9414,7 @@
     </p:spTree>
     <p:extLst>
       <p:ext uri="{BB962C8B-B14F-4D97-AF65-F5344CB8AC3E}">
-        <p14:creationId xmlns:p14="http://schemas.microsoft.com/office/powerpoint/2010/main" val="2825364468"/>
+        <p14:creationId xmlns:p14="http://schemas.microsoft.com/office/powerpoint/2010/main" val="377027910"/>
       </p:ext>
     </p:extLst>
   </p:cSld>
@@ -8864,6 +9458,304 @@
           <p:cNvPr id="2" name="Title 1">
             <a:extLst>
               <a:ext uri="{FF2B5EF4-FFF2-40B4-BE49-F238E27FC236}">
+                <a16:creationId xmlns:a16="http://schemas.microsoft.com/office/drawing/2014/main" id="{A570FCA8-BDCF-4DF0-BBAA-9A41631C1CDA}"/>
+              </a:ext>
+            </a:extLst>
+          </p:cNvPr>
+          <p:cNvSpPr>
+            <a:spLocks noGrp="1"/>
+          </p:cNvSpPr>
+          <p:nvPr>
+            <p:ph type="title"/>
+          </p:nvPr>
+        </p:nvSpPr>
+        <p:spPr/>
+        <p:txBody>
+          <a:bodyPr/>
+          <a:lstStyle/>
+          <a:p>
+            <a:r>
+              <a:rPr lang="en-US" dirty="0">
+                <a:latin typeface="Garamond" panose="02020404030301010803" pitchFamily="18" charset="0"/>
+              </a:rPr>
+              <a:t>Prototype examples</a:t>
+            </a:r>
+          </a:p>
+        </p:txBody>
+      </p:sp>
+      <p:sp>
+        <p:nvSpPr>
+          <p:cNvPr id="3" name="Content Placeholder 2">
+            <a:extLst>
+              <a:ext uri="{FF2B5EF4-FFF2-40B4-BE49-F238E27FC236}">
+                <a16:creationId xmlns:a16="http://schemas.microsoft.com/office/drawing/2014/main" id="{A057DF1C-BE0B-552F-E58D-601F04649AC9}"/>
+              </a:ext>
+            </a:extLst>
+          </p:cNvPr>
+          <p:cNvSpPr>
+            <a:spLocks noGrp="1"/>
+          </p:cNvSpPr>
+          <p:nvPr>
+            <p:ph idx="1"/>
+          </p:nvPr>
+        </p:nvSpPr>
+        <p:spPr/>
+        <p:txBody>
+          <a:bodyPr/>
+          <a:lstStyle/>
+          <a:p>
+            <a:endParaRPr lang="en-US" dirty="0">
+              <a:latin typeface="Garamond" panose="02020404030301010803" pitchFamily="18" charset="0"/>
+            </a:endParaRPr>
+          </a:p>
+        </p:txBody>
+      </p:sp>
+    </p:spTree>
+    <p:extLst>
+      <p:ext uri="{BB962C8B-B14F-4D97-AF65-F5344CB8AC3E}">
+        <p14:creationId xmlns:p14="http://schemas.microsoft.com/office/powerpoint/2010/main" val="3732998395"/>
+      </p:ext>
+    </p:extLst>
+  </p:cSld>
+  <p:clrMapOvr>
+    <a:masterClrMapping/>
+  </p:clrMapOvr>
+</p:sld>
+</file>
+
+<file path=ppt/slides/slide7.xml><?xml version="1.0" encoding="utf-8"?>
+<p:sld xmlns:a="http://schemas.openxmlformats.org/drawingml/2006/main" xmlns:r="http://schemas.openxmlformats.org/officeDocument/2006/relationships" xmlns:p="http://schemas.openxmlformats.org/presentationml/2006/main">
+  <p:cSld>
+    <p:spTree>
+      <p:nvGrpSpPr>
+        <p:cNvPr id="1" name=""/>
+        <p:cNvGrpSpPr/>
+        <p:nvPr/>
+      </p:nvGrpSpPr>
+      <p:grpSpPr>
+        <a:xfrm>
+          <a:off x="0" y="0"/>
+          <a:ext cx="0" cy="0"/>
+          <a:chOff x="0" y="0"/>
+          <a:chExt cx="0" cy="0"/>
+        </a:xfrm>
+      </p:grpSpPr>
+      <p:sp>
+        <p:nvSpPr>
+          <p:cNvPr id="2" name="Title 1">
+            <a:extLst>
+              <a:ext uri="{FF2B5EF4-FFF2-40B4-BE49-F238E27FC236}">
+                <a16:creationId xmlns:a16="http://schemas.microsoft.com/office/drawing/2014/main" id="{56809ADC-2BC8-E230-A13F-1B2810AC8DF2}"/>
+              </a:ext>
+            </a:extLst>
+          </p:cNvPr>
+          <p:cNvSpPr>
+            <a:spLocks noGrp="1"/>
+          </p:cNvSpPr>
+          <p:nvPr>
+            <p:ph type="title"/>
+          </p:nvPr>
+        </p:nvSpPr>
+        <p:spPr/>
+        <p:txBody>
+          <a:bodyPr/>
+          <a:lstStyle/>
+          <a:p>
+            <a:r>
+              <a:rPr lang="fr-FR" dirty="0">
+                <a:latin typeface="Garamond" panose="02020404030301010803" pitchFamily="18" charset="0"/>
+              </a:rPr>
+              <a:t>Architecture </a:t>
+            </a:r>
+            <a:r>
+              <a:rPr lang="fr-FR" dirty="0" err="1">
+                <a:latin typeface="Garamond" panose="02020404030301010803" pitchFamily="18" charset="0"/>
+              </a:rPr>
+              <a:t>Back-end</a:t>
+            </a:r>
+            <a:endParaRPr lang="fr-FR" dirty="0">
+              <a:latin typeface="Garamond" panose="02020404030301010803" pitchFamily="18" charset="0"/>
+            </a:endParaRPr>
+          </a:p>
+        </p:txBody>
+      </p:sp>
+      <p:sp>
+        <p:nvSpPr>
+          <p:cNvPr id="3" name="Content Placeholder 2">
+            <a:extLst>
+              <a:ext uri="{FF2B5EF4-FFF2-40B4-BE49-F238E27FC236}">
+                <a16:creationId xmlns:a16="http://schemas.microsoft.com/office/drawing/2014/main" id="{0126A7B6-8146-D722-365B-A16E1E043A99}"/>
+              </a:ext>
+            </a:extLst>
+          </p:cNvPr>
+          <p:cNvSpPr>
+            <a:spLocks noGrp="1"/>
+          </p:cNvSpPr>
+          <p:nvPr>
+            <p:ph idx="1"/>
+          </p:nvPr>
+        </p:nvSpPr>
+        <p:spPr/>
+        <p:txBody>
+          <a:bodyPr/>
+          <a:lstStyle/>
+          <a:p>
+            <a:pPr>
+              <a:buFont typeface="Arial" panose="020B0604020202020204" pitchFamily="34" charset="0"/>
+              <a:buChar char="•"/>
+            </a:pPr>
+            <a:r>
+              <a:rPr lang="fr-FR" dirty="0">
+                <a:latin typeface="Garamond" panose="02020404030301010803" pitchFamily="18" charset="0"/>
+              </a:rPr>
+              <a:t>Architecture inspirée du MVC :</a:t>
+            </a:r>
+          </a:p>
+          <a:p>
+            <a:pPr marL="742950" lvl="1" indent="-285750">
+              <a:buFont typeface="Arial" panose="020B0604020202020204" pitchFamily="34" charset="0"/>
+              <a:buChar char="•"/>
+            </a:pPr>
+            <a:r>
+              <a:rPr lang="fr-FR" dirty="0">
+                <a:latin typeface="Garamond" panose="02020404030301010803" pitchFamily="18" charset="0"/>
+              </a:rPr>
+              <a:t>Modèles</a:t>
+            </a:r>
+          </a:p>
+          <a:p>
+            <a:pPr marL="742950" lvl="1" indent="-285750">
+              <a:buFont typeface="Arial" panose="020B0604020202020204" pitchFamily="34" charset="0"/>
+              <a:buChar char="•"/>
+            </a:pPr>
+            <a:r>
+              <a:rPr lang="fr-FR" dirty="0">
+                <a:latin typeface="Garamond" panose="02020404030301010803" pitchFamily="18" charset="0"/>
+              </a:rPr>
+              <a:t>Contrôleurs</a:t>
+            </a:r>
+          </a:p>
+          <a:p>
+            <a:pPr marL="742950" lvl="1" indent="-285750">
+              <a:buFont typeface="Arial" panose="020B0604020202020204" pitchFamily="34" charset="0"/>
+              <a:buChar char="•"/>
+            </a:pPr>
+            <a:r>
+              <a:rPr lang="fr-FR" dirty="0">
+                <a:latin typeface="Garamond" panose="02020404030301010803" pitchFamily="18" charset="0"/>
+              </a:rPr>
+              <a:t>Routes</a:t>
+            </a:r>
+          </a:p>
+          <a:p>
+            <a:pPr>
+              <a:buFont typeface="Arial" panose="020B0604020202020204" pitchFamily="34" charset="0"/>
+              <a:buChar char="•"/>
+            </a:pPr>
+            <a:r>
+              <a:rPr lang="fr-FR" dirty="0">
+                <a:latin typeface="Garamond" panose="02020404030301010803" pitchFamily="18" charset="0"/>
+              </a:rPr>
+              <a:t>Points de terminaison API / Postman</a:t>
+            </a:r>
+          </a:p>
+          <a:p>
+            <a:pPr>
+              <a:buFont typeface="Arial" panose="020B0604020202020204" pitchFamily="34" charset="0"/>
+              <a:buChar char="•"/>
+            </a:pPr>
+            <a:r>
+              <a:rPr lang="fr-FR" dirty="0">
+                <a:latin typeface="Garamond" panose="02020404030301010803" pitchFamily="18" charset="0"/>
+              </a:rPr>
+              <a:t>Mesures de sécurité :</a:t>
+            </a:r>
+          </a:p>
+          <a:p>
+            <a:pPr marL="742950" lvl="1" indent="-285750">
+              <a:buFont typeface="Arial" panose="020B0604020202020204" pitchFamily="34" charset="0"/>
+              <a:buChar char="•"/>
+            </a:pPr>
+            <a:r>
+              <a:rPr lang="fr-FR" dirty="0">
+                <a:latin typeface="Garamond" panose="02020404030301010803" pitchFamily="18" charset="0"/>
+              </a:rPr>
+              <a:t>Authentification et autorisation (gestion JWT)</a:t>
+            </a:r>
+          </a:p>
+          <a:p>
+            <a:pPr marL="742950" lvl="1" indent="-285750">
+              <a:buFont typeface="Arial" panose="020B0604020202020204" pitchFamily="34" charset="0"/>
+              <a:buChar char="•"/>
+            </a:pPr>
+            <a:r>
+              <a:rPr lang="fr-FR" dirty="0">
+                <a:latin typeface="Garamond" panose="02020404030301010803" pitchFamily="18" charset="0"/>
+              </a:rPr>
+              <a:t>Assainissement des entrées</a:t>
+            </a:r>
+          </a:p>
+          <a:p>
+            <a:pPr marL="742950" lvl="1" indent="-285750">
+              <a:buFont typeface="Arial" panose="020B0604020202020204" pitchFamily="34" charset="0"/>
+              <a:buChar char="•"/>
+            </a:pPr>
+            <a:r>
+              <a:rPr lang="fr-FR" dirty="0">
+                <a:latin typeface="Garamond" panose="02020404030301010803" pitchFamily="18" charset="0"/>
+              </a:rPr>
+              <a:t>Limitation de taux</a:t>
+            </a:r>
+          </a:p>
+        </p:txBody>
+      </p:sp>
+    </p:spTree>
+    <p:extLst>
+      <p:ext uri="{BB962C8B-B14F-4D97-AF65-F5344CB8AC3E}">
+        <p14:creationId xmlns:p14="http://schemas.microsoft.com/office/powerpoint/2010/main" val="2825364468"/>
+      </p:ext>
+    </p:extLst>
+  </p:cSld>
+  <p:clrMapOvr>
+    <a:masterClrMapping/>
+  </p:clrMapOvr>
+  <mc:AlternateContent xmlns:mc="http://schemas.openxmlformats.org/markup-compatibility/2006" xmlns:p14="http://schemas.microsoft.com/office/powerpoint/2010/main">
+    <mc:Choice Requires="p14">
+      <p:transition spd="med" p14:dur="700">
+        <p:fade/>
+      </p:transition>
+    </mc:Choice>
+    <mc:Fallback xmlns="">
+      <p:transition spd="med">
+        <p:fade/>
+      </p:transition>
+    </mc:Fallback>
+  </mc:AlternateContent>
+</p:sld>
+</file>
+
+<file path=ppt/slides/slide8.xml><?xml version="1.0" encoding="utf-8"?>
+<p:sld xmlns:a="http://schemas.openxmlformats.org/drawingml/2006/main" xmlns:r="http://schemas.openxmlformats.org/officeDocument/2006/relationships" xmlns:p="http://schemas.openxmlformats.org/presentationml/2006/main">
+  <p:cSld>
+    <p:spTree>
+      <p:nvGrpSpPr>
+        <p:cNvPr id="1" name=""/>
+        <p:cNvGrpSpPr/>
+        <p:nvPr/>
+      </p:nvGrpSpPr>
+      <p:grpSpPr>
+        <a:xfrm>
+          <a:off x="0" y="0"/>
+          <a:ext cx="0" cy="0"/>
+          <a:chOff x="0" y="0"/>
+          <a:chExt cx="0" cy="0"/>
+        </a:xfrm>
+      </p:grpSpPr>
+      <p:sp>
+        <p:nvSpPr>
+          <p:cNvPr id="2" name="Title 1">
+            <a:extLst>
+              <a:ext uri="{FF2B5EF4-FFF2-40B4-BE49-F238E27FC236}">
                 <a16:creationId xmlns:a16="http://schemas.microsoft.com/office/drawing/2014/main" id="{02D4F027-DEB5-5AD2-B5B9-14BB225DD33D}"/>
               </a:ext>
             </a:extLst>
@@ -8884,8 +9776,17 @@
               <a:rPr lang="fr-FR" dirty="0">
                 <a:latin typeface="Garamond" panose="02020404030301010803" pitchFamily="18" charset="0"/>
               </a:rPr>
-              <a:t>Exemples de code Backend</a:t>
-            </a:r>
+              <a:t>Exemples de code </a:t>
+            </a:r>
+            <a:r>
+              <a:rPr lang="fr-FR" dirty="0" err="1">
+                <a:latin typeface="Garamond" panose="02020404030301010803" pitchFamily="18" charset="0"/>
+              </a:rPr>
+              <a:t>Back-end</a:t>
+            </a:r>
+            <a:endParaRPr lang="fr-FR" dirty="0">
+              <a:latin typeface="Garamond" panose="02020404030301010803" pitchFamily="18" charset="0"/>
+            </a:endParaRPr>
           </a:p>
         </p:txBody>
       </p:sp>
@@ -9012,7 +9913,7 @@
 </p:sld>
 </file>
 
-<file path=ppt/slides/slide7.xml><?xml version="1.0" encoding="utf-8"?>
+<file path=ppt/slides/slide9.xml><?xml version="1.0" encoding="utf-8"?>
 <p:sld xmlns:a="http://schemas.openxmlformats.org/drawingml/2006/main" xmlns:r="http://schemas.openxmlformats.org/officeDocument/2006/relationships" xmlns:p="http://schemas.openxmlformats.org/presentationml/2006/main">
   <p:cSld>
     <p:spTree>
@@ -9060,8 +9961,17 @@
               <a:rPr lang="fr-FR" dirty="0">
                 <a:latin typeface="Garamond" panose="02020404030301010803" pitchFamily="18" charset="0"/>
               </a:rPr>
-              <a:t>Exemples de code Backend</a:t>
-            </a:r>
+              <a:t>Exemples de code </a:t>
+            </a:r>
+            <a:r>
+              <a:rPr lang="fr-FR" dirty="0" err="1">
+                <a:latin typeface="Garamond" panose="02020404030301010803" pitchFamily="18" charset="0"/>
+              </a:rPr>
+              <a:t>Back-end</a:t>
+            </a:r>
+            <a:endParaRPr lang="fr-FR" dirty="0">
+              <a:latin typeface="Garamond" panose="02020404030301010803" pitchFamily="18" charset="0"/>
+            </a:endParaRPr>
           </a:p>
         </p:txBody>
       </p:sp>
@@ -9162,352 +10072,6 @@
     <p:extLst>
       <p:ext uri="{BB962C8B-B14F-4D97-AF65-F5344CB8AC3E}">
         <p14:creationId xmlns:p14="http://schemas.microsoft.com/office/powerpoint/2010/main" val="3216344994"/>
-      </p:ext>
-    </p:extLst>
-  </p:cSld>
-  <p:clrMapOvr>
-    <a:masterClrMapping/>
-  </p:clrMapOvr>
-  <mc:AlternateContent xmlns:mc="http://schemas.openxmlformats.org/markup-compatibility/2006" xmlns:p14="http://schemas.microsoft.com/office/powerpoint/2010/main">
-    <mc:Choice Requires="p14">
-      <p:transition spd="med" p14:dur="700">
-        <p:fade/>
-      </p:transition>
-    </mc:Choice>
-    <mc:Fallback xmlns="">
-      <p:transition spd="med">
-        <p:fade/>
-      </p:transition>
-    </mc:Fallback>
-  </mc:AlternateContent>
-</p:sld>
-</file>
-
-<file path=ppt/slides/slide8.xml><?xml version="1.0" encoding="utf-8"?>
-<p:sld xmlns:a="http://schemas.openxmlformats.org/drawingml/2006/main" xmlns:r="http://schemas.openxmlformats.org/officeDocument/2006/relationships" xmlns:p="http://schemas.openxmlformats.org/presentationml/2006/main">
-  <p:cSld>
-    <p:spTree>
-      <p:nvGrpSpPr>
-        <p:cNvPr id="1" name="">
-          <a:extLst>
-            <a:ext uri="{FF2B5EF4-FFF2-40B4-BE49-F238E27FC236}">
-              <a16:creationId xmlns:a16="http://schemas.microsoft.com/office/drawing/2014/main" id="{CC360CBB-5826-C2F7-8225-815AEA152D60}"/>
-            </a:ext>
-          </a:extLst>
-        </p:cNvPr>
-        <p:cNvGrpSpPr/>
-        <p:nvPr/>
-      </p:nvGrpSpPr>
-      <p:grpSpPr>
-        <a:xfrm>
-          <a:off x="0" y="0"/>
-          <a:ext cx="0" cy="0"/>
-          <a:chOff x="0" y="0"/>
-          <a:chExt cx="0" cy="0"/>
-        </a:xfrm>
-      </p:grpSpPr>
-      <p:sp>
-        <p:nvSpPr>
-          <p:cNvPr id="2" name="Title 1">
-            <a:extLst>
-              <a:ext uri="{FF2B5EF4-FFF2-40B4-BE49-F238E27FC236}">
-                <a16:creationId xmlns:a16="http://schemas.microsoft.com/office/drawing/2014/main" id="{6A5276FC-1CCB-DB73-2854-7D2D4A198387}"/>
-              </a:ext>
-            </a:extLst>
-          </p:cNvPr>
-          <p:cNvSpPr>
-            <a:spLocks noGrp="1"/>
-          </p:cNvSpPr>
-          <p:nvPr>
-            <p:ph type="title"/>
-          </p:nvPr>
-        </p:nvSpPr>
-        <p:spPr/>
-        <p:txBody>
-          <a:bodyPr/>
-          <a:lstStyle/>
-          <a:p>
-            <a:r>
-              <a:rPr lang="fr-FR" dirty="0">
-                <a:latin typeface="Garamond" panose="02020404030301010803" pitchFamily="18" charset="0"/>
-              </a:rPr>
-              <a:t>Exemples de code Backend</a:t>
-            </a:r>
-          </a:p>
-        </p:txBody>
-      </p:sp>
-      <p:sp>
-        <p:nvSpPr>
-          <p:cNvPr id="3" name="Content Placeholder 2">
-            <a:extLst>
-              <a:ext uri="{FF2B5EF4-FFF2-40B4-BE49-F238E27FC236}">
-                <a16:creationId xmlns:a16="http://schemas.microsoft.com/office/drawing/2014/main" id="{E183EB23-CA1D-2DBF-DDCE-4EF7B4B2C853}"/>
-              </a:ext>
-            </a:extLst>
-          </p:cNvPr>
-          <p:cNvSpPr>
-            <a:spLocks noGrp="1"/>
-          </p:cNvSpPr>
-          <p:nvPr>
-            <p:ph idx="1"/>
-          </p:nvPr>
-        </p:nvSpPr>
-        <p:spPr/>
-        <p:txBody>
-          <a:bodyPr/>
-          <a:lstStyle/>
-          <a:p>
-            <a:r>
-              <a:rPr lang="fr-FR" dirty="0">
-                <a:latin typeface="Garamond" panose="02020404030301010803" pitchFamily="18" charset="0"/>
-              </a:rPr>
-              <a:t>Exemple de routes</a:t>
-            </a:r>
-          </a:p>
-          <a:p>
-            <a:pPr lvl="1"/>
-            <a:r>
-              <a:rPr lang="fr-FR" dirty="0">
-                <a:latin typeface="Garamond" panose="02020404030301010803" pitchFamily="18" charset="0"/>
-              </a:rPr>
-              <a:t>Importations</a:t>
-            </a:r>
-          </a:p>
-          <a:p>
-            <a:pPr lvl="1"/>
-            <a:r>
-              <a:rPr lang="fr-FR" dirty="0">
-                <a:latin typeface="Garamond" panose="02020404030301010803" pitchFamily="18" charset="0"/>
-              </a:rPr>
-              <a:t>Routage</a:t>
-            </a:r>
-          </a:p>
-          <a:p>
-            <a:pPr lvl="1"/>
-            <a:r>
-              <a:rPr lang="fr-FR" dirty="0">
-                <a:latin typeface="Garamond" panose="02020404030301010803" pitchFamily="18" charset="0"/>
-              </a:rPr>
-              <a:t>Exportations</a:t>
-            </a:r>
-          </a:p>
-        </p:txBody>
-      </p:sp>
-      <p:pic>
-        <p:nvPicPr>
-          <p:cNvPr id="5" name="Picture 4" descr="A screen shot of a computer code&#10;&#10;AI-generated content may be incorrect.">
-            <a:extLst>
-              <a:ext uri="{FF2B5EF4-FFF2-40B4-BE49-F238E27FC236}">
-                <a16:creationId xmlns:a16="http://schemas.microsoft.com/office/drawing/2014/main" id="{5B38C094-73D7-6CAE-9D51-0952025BB846}"/>
-              </a:ext>
-            </a:extLst>
-          </p:cNvPr>
-          <p:cNvPicPr>
-            <a:picLocks noChangeAspect="1"/>
-          </p:cNvPicPr>
-          <p:nvPr/>
-        </p:nvPicPr>
-        <p:blipFill>
-          <a:blip r:embed="rId3">
-            <a:extLst>
-              <a:ext uri="{28A0092B-C50C-407E-A947-70E740481C1C}">
-                <a14:useLocalDpi xmlns:a14="http://schemas.microsoft.com/office/drawing/2010/main" val="0"/>
-              </a:ext>
-            </a:extLst>
-          </a:blip>
-          <a:stretch>
-            <a:fillRect/>
-          </a:stretch>
-        </p:blipFill>
-        <p:spPr>
-          <a:xfrm>
-            <a:off x="5796663" y="1825625"/>
-            <a:ext cx="5557137" cy="2636885"/>
-          </a:xfrm>
-          <a:prstGeom prst="rect">
-            <a:avLst/>
-          </a:prstGeom>
-        </p:spPr>
-      </p:pic>
-    </p:spTree>
-    <p:extLst>
-      <p:ext uri="{BB962C8B-B14F-4D97-AF65-F5344CB8AC3E}">
-        <p14:creationId xmlns:p14="http://schemas.microsoft.com/office/powerpoint/2010/main" val="3517696948"/>
-      </p:ext>
-    </p:extLst>
-  </p:cSld>
-  <p:clrMapOvr>
-    <a:masterClrMapping/>
-  </p:clrMapOvr>
-  <mc:AlternateContent xmlns:mc="http://schemas.openxmlformats.org/markup-compatibility/2006" xmlns:p14="http://schemas.microsoft.com/office/powerpoint/2010/main">
-    <mc:Choice Requires="p14">
-      <p:transition spd="med" p14:dur="700">
-        <p:fade/>
-      </p:transition>
-    </mc:Choice>
-    <mc:Fallback xmlns="">
-      <p:transition spd="med">
-        <p:fade/>
-      </p:transition>
-    </mc:Fallback>
-  </mc:AlternateContent>
-</p:sld>
-</file>
-
-<file path=ppt/slides/slide9.xml><?xml version="1.0" encoding="utf-8"?>
-<p:sld xmlns:a="http://schemas.openxmlformats.org/drawingml/2006/main" xmlns:r="http://schemas.openxmlformats.org/officeDocument/2006/relationships" xmlns:p="http://schemas.openxmlformats.org/presentationml/2006/main">
-  <p:cSld>
-    <p:spTree>
-      <p:nvGrpSpPr>
-        <p:cNvPr id="1" name=""/>
-        <p:cNvGrpSpPr/>
-        <p:nvPr/>
-      </p:nvGrpSpPr>
-      <p:grpSpPr>
-        <a:xfrm>
-          <a:off x="0" y="0"/>
-          <a:ext cx="0" cy="0"/>
-          <a:chOff x="0" y="0"/>
-          <a:chExt cx="0" cy="0"/>
-        </a:xfrm>
-      </p:grpSpPr>
-      <p:sp>
-        <p:nvSpPr>
-          <p:cNvPr id="2" name="Title 1">
-            <a:extLst>
-              <a:ext uri="{FF2B5EF4-FFF2-40B4-BE49-F238E27FC236}">
-                <a16:creationId xmlns:a16="http://schemas.microsoft.com/office/drawing/2014/main" id="{93898B03-6207-C0B5-2586-2B73B264DDB7}"/>
-              </a:ext>
-            </a:extLst>
-          </p:cNvPr>
-          <p:cNvSpPr>
-            <a:spLocks noGrp="1"/>
-          </p:cNvSpPr>
-          <p:nvPr>
-            <p:ph type="title"/>
-          </p:nvPr>
-        </p:nvSpPr>
-        <p:spPr/>
-        <p:txBody>
-          <a:bodyPr/>
-          <a:lstStyle/>
-          <a:p>
-            <a:r>
-              <a:rPr lang="fr-FR" dirty="0">
-                <a:latin typeface="Garamond" panose="02020404030301010803" pitchFamily="18" charset="0"/>
-              </a:rPr>
-              <a:t>Architecture Frontend</a:t>
-            </a:r>
-          </a:p>
-        </p:txBody>
-      </p:sp>
-      <p:sp>
-        <p:nvSpPr>
-          <p:cNvPr id="3" name="Content Placeholder 2">
-            <a:extLst>
-              <a:ext uri="{FF2B5EF4-FFF2-40B4-BE49-F238E27FC236}">
-                <a16:creationId xmlns:a16="http://schemas.microsoft.com/office/drawing/2014/main" id="{317DFD97-1ADA-8120-9D28-F2394F3AA7D3}"/>
-              </a:ext>
-            </a:extLst>
-          </p:cNvPr>
-          <p:cNvSpPr>
-            <a:spLocks noGrp="1"/>
-          </p:cNvSpPr>
-          <p:nvPr>
-            <p:ph idx="1"/>
-          </p:nvPr>
-        </p:nvSpPr>
-        <p:spPr/>
-        <p:txBody>
-          <a:bodyPr/>
-          <a:lstStyle/>
-          <a:p>
-            <a:pPr>
-              <a:buFont typeface="Arial" panose="020B0604020202020204" pitchFamily="34" charset="0"/>
-              <a:buChar char="•"/>
-            </a:pPr>
-            <a:r>
-              <a:rPr lang="fr-FR" dirty="0">
-                <a:latin typeface="Garamond" panose="02020404030301010803" pitchFamily="18" charset="0"/>
-              </a:rPr>
-              <a:t>Architecture basée sur les composants</a:t>
-            </a:r>
-          </a:p>
-          <a:p>
-            <a:pPr>
-              <a:buFont typeface="Arial" panose="020B0604020202020204" pitchFamily="34" charset="0"/>
-              <a:buChar char="•"/>
-            </a:pPr>
-            <a:r>
-              <a:rPr lang="fr-FR" dirty="0">
-                <a:latin typeface="Garamond" panose="02020404030301010803" pitchFamily="18" charset="0"/>
-              </a:rPr>
-              <a:t>Éléments UI réutilisables</a:t>
-            </a:r>
-          </a:p>
-          <a:p>
-            <a:pPr>
-              <a:buFont typeface="Arial" panose="020B0604020202020204" pitchFamily="34" charset="0"/>
-              <a:buChar char="•"/>
-            </a:pPr>
-            <a:r>
-              <a:rPr lang="fr-FR" dirty="0">
-                <a:latin typeface="Garamond" panose="02020404030301010803" pitchFamily="18" charset="0"/>
-              </a:rPr>
-              <a:t>Gestion d'état</a:t>
-            </a:r>
-          </a:p>
-          <a:p>
-            <a:pPr>
-              <a:buFont typeface="Arial" panose="020B0604020202020204" pitchFamily="34" charset="0"/>
-              <a:buChar char="•"/>
-            </a:pPr>
-            <a:r>
-              <a:rPr lang="fr-FR" dirty="0">
-                <a:latin typeface="Garamond" panose="02020404030301010803" pitchFamily="18" charset="0"/>
-              </a:rPr>
-              <a:t>Intégration de l'API</a:t>
-            </a:r>
-          </a:p>
-          <a:p>
-            <a:pPr>
-              <a:buFont typeface="Arial" panose="020B0604020202020204" pitchFamily="34" charset="0"/>
-              <a:buChar char="•"/>
-            </a:pPr>
-            <a:r>
-              <a:rPr lang="fr-FR" dirty="0">
-                <a:latin typeface="Garamond" panose="02020404030301010803" pitchFamily="18" charset="0"/>
-              </a:rPr>
-              <a:t>Design réactif : </a:t>
-            </a:r>
-          </a:p>
-          <a:p>
-            <a:pPr lvl="1"/>
-            <a:r>
-              <a:rPr lang="fr-FR" dirty="0">
-                <a:latin typeface="Garamond" panose="02020404030301010803" pitchFamily="18" charset="0"/>
-              </a:rPr>
-              <a:t>Approche mobile-first (</a:t>
-            </a:r>
-            <a:r>
-              <a:rPr lang="fr-FR" dirty="0" err="1">
-                <a:latin typeface="Garamond" panose="02020404030301010803" pitchFamily="18" charset="0"/>
-              </a:rPr>
-              <a:t>Tailwind</a:t>
-            </a:r>
-            <a:r>
-              <a:rPr lang="fr-FR" dirty="0">
-                <a:latin typeface="Garamond" panose="02020404030301010803" pitchFamily="18" charset="0"/>
-              </a:rPr>
-              <a:t>)</a:t>
-            </a:r>
-          </a:p>
-        </p:txBody>
-      </p:sp>
-    </p:spTree>
-    <p:extLst>
-      <p:ext uri="{BB962C8B-B14F-4D97-AF65-F5344CB8AC3E}">
-        <p14:creationId xmlns:p14="http://schemas.microsoft.com/office/powerpoint/2010/main" val="828301887"/>
       </p:ext>
     </p:extLst>
   </p:cSld>
